--- a/prezentacje/Prezentacja3.pptx
+++ b/prezentacje/Prezentacja3.pptx
@@ -5,10 +5,20 @@
     <p:sldMasterId id="2147483648" r:id="rId1"/>
   </p:sldMasterIdLst>
   <p:notesMasterIdLst>
-    <p:notesMasterId r:id="rId5"/>
+    <p:notesMasterId r:id="rId15"/>
   </p:notesMasterIdLst>
   <p:sldIdLst>
     <p:sldId id="256" r:id="rId4"/>
+    <p:sldId id="257" r:id="rId5"/>
+    <p:sldId id="258" r:id="rId6"/>
+    <p:sldId id="259" r:id="rId7"/>
+    <p:sldId id="260" r:id="rId8"/>
+    <p:sldId id="261" r:id="rId9"/>
+    <p:sldId id="262" r:id="rId10"/>
+    <p:sldId id="263" r:id="rId11"/>
+    <p:sldId id="264" r:id="rId12"/>
+    <p:sldId id="265" r:id="rId13"/>
+    <p:sldId id="266" r:id="rId14"/>
   </p:sldIdLst>
   <p:sldSz cx="12192000" cy="6858000"/>
   <p:notesSz cx="6858000" cy="9144000"/>
@@ -16,8 +26,8 @@
     <a:defPPr>
       <a:defRPr lang="pl-PL"/>
     </a:defPPr>
-    <a:lvl1pPr marL="0" algn="l" defTabSz="914400" rtl="0" eaLnBrk="1" latinLnBrk="0" hangingPunct="1">
-      <a:defRPr sz="1800" kern="1200">
+    <a:lvl1pPr marL="0" algn="l" defTabSz="914400">
+      <a:defRPr sz="1800">
         <a:solidFill>
           <a:schemeClr val="tx1"/>
         </a:solidFill>
@@ -26,8 +36,8 @@
         <a:cs typeface="+mn-cs"/>
       </a:defRPr>
     </a:lvl1pPr>
-    <a:lvl2pPr marL="457200" algn="l" defTabSz="914400" rtl="0" eaLnBrk="1" latinLnBrk="0" hangingPunct="1">
-      <a:defRPr sz="1800" kern="1200">
+    <a:lvl2pPr marL="457200" algn="l" defTabSz="914400">
+      <a:defRPr sz="1800">
         <a:solidFill>
           <a:schemeClr val="tx1"/>
         </a:solidFill>
@@ -36,8 +46,8 @@
         <a:cs typeface="+mn-cs"/>
       </a:defRPr>
     </a:lvl2pPr>
-    <a:lvl3pPr marL="914400" algn="l" defTabSz="914400" rtl="0" eaLnBrk="1" latinLnBrk="0" hangingPunct="1">
-      <a:defRPr sz="1800" kern="1200">
+    <a:lvl3pPr marL="914400" algn="l" defTabSz="914400">
+      <a:defRPr sz="1800">
         <a:solidFill>
           <a:schemeClr val="tx1"/>
         </a:solidFill>
@@ -46,8 +56,8 @@
         <a:cs typeface="+mn-cs"/>
       </a:defRPr>
     </a:lvl3pPr>
-    <a:lvl4pPr marL="1371600" algn="l" defTabSz="914400" rtl="0" eaLnBrk="1" latinLnBrk="0" hangingPunct="1">
-      <a:defRPr sz="1800" kern="1200">
+    <a:lvl4pPr marL="1371600" algn="l" defTabSz="914400">
+      <a:defRPr sz="1800">
         <a:solidFill>
           <a:schemeClr val="tx1"/>
         </a:solidFill>
@@ -56,8 +66,8 @@
         <a:cs typeface="+mn-cs"/>
       </a:defRPr>
     </a:lvl4pPr>
-    <a:lvl5pPr marL="1828800" algn="l" defTabSz="914400" rtl="0" eaLnBrk="1" latinLnBrk="0" hangingPunct="1">
-      <a:defRPr sz="1800" kern="1200">
+    <a:lvl5pPr marL="1828800" algn="l" defTabSz="914400">
+      <a:defRPr sz="1800">
         <a:solidFill>
           <a:schemeClr val="tx1"/>
         </a:solidFill>
@@ -66,8 +76,8 @@
         <a:cs typeface="+mn-cs"/>
       </a:defRPr>
     </a:lvl5pPr>
-    <a:lvl6pPr marL="2286000" algn="l" defTabSz="914400" rtl="0" eaLnBrk="1" latinLnBrk="0" hangingPunct="1">
-      <a:defRPr sz="1800" kern="1200">
+    <a:lvl6pPr marL="2286000" algn="l" defTabSz="914400">
+      <a:defRPr sz="1800">
         <a:solidFill>
           <a:schemeClr val="tx1"/>
         </a:solidFill>
@@ -76,8 +86,8 @@
         <a:cs typeface="+mn-cs"/>
       </a:defRPr>
     </a:lvl6pPr>
-    <a:lvl7pPr marL="2743200" algn="l" defTabSz="914400" rtl="0" eaLnBrk="1" latinLnBrk="0" hangingPunct="1">
-      <a:defRPr sz="1800" kern="1200">
+    <a:lvl7pPr marL="2743200" algn="l" defTabSz="914400">
+      <a:defRPr sz="1800">
         <a:solidFill>
           <a:schemeClr val="tx1"/>
         </a:solidFill>
@@ -86,8 +96,8 @@
         <a:cs typeface="+mn-cs"/>
       </a:defRPr>
     </a:lvl7pPr>
-    <a:lvl8pPr marL="3200400" algn="l" defTabSz="914400" rtl="0" eaLnBrk="1" latinLnBrk="0" hangingPunct="1">
-      <a:defRPr sz="1800" kern="1200">
+    <a:lvl8pPr marL="3200400" algn="l" defTabSz="914400">
+      <a:defRPr sz="1800">
         <a:solidFill>
           <a:schemeClr val="tx1"/>
         </a:solidFill>
@@ -96,8 +106,8 @@
         <a:cs typeface="+mn-cs"/>
       </a:defRPr>
     </a:lvl8pPr>
-    <a:lvl9pPr marL="3657600" algn="l" defTabSz="914400" rtl="0" eaLnBrk="1" latinLnBrk="0" hangingPunct="1">
-      <a:defRPr sz="1800" kern="1200">
+    <a:lvl9pPr marL="3657600" algn="l" defTabSz="914400">
+      <a:defRPr sz="1800">
         <a:solidFill>
           <a:schemeClr val="tx1"/>
         </a:solidFill>
@@ -112,7 +122,7 @@
 
 <file path=ppt/notesMasters/notesMaster1.xml><?xml version="1.0" encoding="utf-8"?>
 <p:notesMaster xmlns:a="http://schemas.openxmlformats.org/drawingml/2006/main" xmlns:r="http://schemas.openxmlformats.org/officeDocument/2006/relationships" xmlns:p="http://schemas.openxmlformats.org/presentationml/2006/main">
-  <p:cSld>
+  <p:cSld name="">
     <p:bg>
       <p:bgRef idx="1001">
         <a:schemeClr val="bg1"/>
@@ -124,7 +134,7 @@
         <p:cNvGrpSpPr/>
         <p:nvPr/>
       </p:nvGrpSpPr>
-      <p:grpSpPr>
+      <p:grpSpPr bwMode="auto">
         <a:xfrm>
           <a:off x="0" y="0"/>
           <a:ext cx="0" cy="0"/>
@@ -142,7 +152,7 @@
             <p:ph type="hdr" sz="quarter"/>
           </p:nvPr>
         </p:nvSpPr>
-        <p:spPr>
+        <p:spPr bwMode="auto">
           <a:xfrm>
             <a:off x="0" y="0"/>
             <a:ext cx="2971800" cy="458788"/>
@@ -159,6 +169,9 @@
             </a:lvl1pPr>
           </a:lstStyle>
           <a:p>
+            <a:pPr>
+              <a:defRPr/>
+            </a:pPr>
             <a:endParaRPr lang="pl-PL"/>
           </a:p>
         </p:txBody>
@@ -173,7 +186,7 @@
             <p:ph type="dt" idx="1"/>
           </p:nvPr>
         </p:nvSpPr>
-        <p:spPr>
+        <p:spPr bwMode="auto">
           <a:xfrm>
             <a:off x="3884613" y="0"/>
             <a:ext cx="2971800" cy="458788"/>
@@ -190,8 +203,11 @@
             </a:lvl1pPr>
           </a:lstStyle>
           <a:p>
+            <a:pPr>
+              <a:defRPr/>
+            </a:pPr>
             <a:fld id="{3632E96E-41F7-40C5-8419-297958CC00FA}" type="datetimeFigureOut">
-              <a:rPr lang="pl-PL" smtClean="0"/>
+              <a:rPr lang="pl-PL"/>
               <a:t>10/30/2013</a:t>
             </a:fld>
             <a:endParaRPr lang="pl-PL"/>
@@ -208,7 +224,7 @@
             <p:ph type="sldImg" idx="2"/>
           </p:nvPr>
         </p:nvSpPr>
-        <p:spPr>
+        <p:spPr bwMode="auto">
           <a:xfrm>
             <a:off x="685800" y="1143000"/>
             <a:ext cx="5486400" cy="3086100"/>
@@ -227,6 +243,9 @@
           <a:bodyPr vert="horz" lIns="91440" tIns="45720" rIns="91440" bIns="45720" rtlCol="0" anchor="ctr"/>
           <a:lstStyle/>
           <a:p>
+            <a:pPr>
+              <a:defRPr/>
+            </a:pPr>
             <a:endParaRPr lang="pl-PL"/>
           </a:p>
         </p:txBody>
@@ -241,7 +260,7 @@
             <p:ph type="body" sz="quarter" idx="3"/>
           </p:nvPr>
         </p:nvSpPr>
-        <p:spPr>
+        <p:spPr bwMode="auto">
           <a:xfrm>
             <a:off x="685800" y="4400550"/>
             <a:ext cx="5486400" cy="3600450"/>
@@ -254,37 +273,51 @@
           <a:bodyPr vert="horz" lIns="91440" tIns="45720" rIns="91440" bIns="45720" rtlCol="0"/>
           <a:lstStyle/>
           <a:p>
-            <a:pPr lvl="0"/>
-            <a:r>
-              <a:rPr lang="pl-PL" smtClean="0"/>
+            <a:pPr lvl="0">
+              <a:defRPr/>
+            </a:pPr>
+            <a:r>
+              <a:rPr lang="pl-PL"/>
               <a:t>Kliknij, aby edytować style wzorca tekstu</a:t>
             </a:r>
-          </a:p>
-          <a:p>
-            <a:pPr lvl="1"/>
-            <a:r>
-              <a:rPr lang="pl-PL" smtClean="0"/>
+            <a:endParaRPr/>
+          </a:p>
+          <a:p>
+            <a:pPr lvl="1">
+              <a:defRPr/>
+            </a:pPr>
+            <a:r>
+              <a:rPr lang="pl-PL"/>
               <a:t>Drugi poziom</a:t>
             </a:r>
-          </a:p>
-          <a:p>
-            <a:pPr lvl="2"/>
-            <a:r>
-              <a:rPr lang="pl-PL" smtClean="0"/>
+            <a:endParaRPr/>
+          </a:p>
+          <a:p>
+            <a:pPr lvl="2">
+              <a:defRPr/>
+            </a:pPr>
+            <a:r>
+              <a:rPr lang="pl-PL"/>
               <a:t>Trzeci poziom</a:t>
             </a:r>
-          </a:p>
-          <a:p>
-            <a:pPr lvl="3"/>
-            <a:r>
-              <a:rPr lang="pl-PL" smtClean="0"/>
+            <a:endParaRPr/>
+          </a:p>
+          <a:p>
+            <a:pPr lvl="3">
+              <a:defRPr/>
+            </a:pPr>
+            <a:r>
+              <a:rPr lang="pl-PL"/>
               <a:t>Czwarty poziom</a:t>
             </a:r>
-          </a:p>
-          <a:p>
-            <a:pPr lvl="4"/>
-            <a:r>
-              <a:rPr lang="pl-PL" smtClean="0"/>
+            <a:endParaRPr/>
+          </a:p>
+          <a:p>
+            <a:pPr lvl="4">
+              <a:defRPr/>
+            </a:pPr>
+            <a:r>
+              <a:rPr lang="pl-PL"/>
               <a:t>Piąty poziom</a:t>
             </a:r>
             <a:endParaRPr lang="pl-PL"/>
@@ -301,7 +334,7 @@
             <p:ph type="ftr" sz="quarter" idx="4"/>
           </p:nvPr>
         </p:nvSpPr>
-        <p:spPr>
+        <p:spPr bwMode="auto">
           <a:xfrm>
             <a:off x="0" y="8685213"/>
             <a:ext cx="2971800" cy="458787"/>
@@ -318,6 +351,9 @@
             </a:lvl1pPr>
           </a:lstStyle>
           <a:p>
+            <a:pPr>
+              <a:defRPr/>
+            </a:pPr>
             <a:endParaRPr lang="pl-PL"/>
           </a:p>
         </p:txBody>
@@ -332,7 +368,7 @@
             <p:ph type="sldNum" sz="quarter" idx="5"/>
           </p:nvPr>
         </p:nvSpPr>
-        <p:spPr>
+        <p:spPr bwMode="auto">
           <a:xfrm>
             <a:off x="3884613" y="8685213"/>
             <a:ext cx="2971800" cy="458787"/>
@@ -349,8 +385,11 @@
             </a:lvl1pPr>
           </a:lstStyle>
           <a:p>
+            <a:pPr>
+              <a:defRPr/>
+            </a:pPr>
             <a:fld id="{2E6999B8-B6B4-4561-A3CD-BBCDAB9FC9D9}" type="slidenum">
-              <a:rPr lang="pl-PL" smtClean="0"/>
+              <a:rPr lang="pl-PL"/>
               <a:t>‹#›</a:t>
             </a:fld>
             <a:endParaRPr lang="pl-PL"/>
@@ -361,8 +400,8 @@
   </p:cSld>
   <p:clrMap bg1="lt1" tx1="dk1" bg2="lt2" tx2="dk2" accent1="accent1" accent2="accent2" accent3="accent3" accent4="accent4" accent5="accent5" accent6="accent6" hlink="hlink" folHlink="folHlink"/>
   <p:notesStyle>
-    <a:lvl1pPr marL="0" algn="l" defTabSz="914400" rtl="0" eaLnBrk="1" latinLnBrk="0" hangingPunct="1">
-      <a:defRPr sz="1200" kern="1200">
+    <a:lvl1pPr marL="0" algn="l" defTabSz="914400">
+      <a:defRPr sz="1200">
         <a:solidFill>
           <a:schemeClr val="tx1"/>
         </a:solidFill>
@@ -371,8 +410,8 @@
         <a:cs typeface="+mn-cs"/>
       </a:defRPr>
     </a:lvl1pPr>
-    <a:lvl2pPr marL="457200" algn="l" defTabSz="914400" rtl="0" eaLnBrk="1" latinLnBrk="0" hangingPunct="1">
-      <a:defRPr sz="1200" kern="1200">
+    <a:lvl2pPr marL="457200" algn="l" defTabSz="914400">
+      <a:defRPr sz="1200">
         <a:solidFill>
           <a:schemeClr val="tx1"/>
         </a:solidFill>
@@ -381,8 +420,8 @@
         <a:cs typeface="+mn-cs"/>
       </a:defRPr>
     </a:lvl2pPr>
-    <a:lvl3pPr marL="914400" algn="l" defTabSz="914400" rtl="0" eaLnBrk="1" latinLnBrk="0" hangingPunct="1">
-      <a:defRPr sz="1200" kern="1200">
+    <a:lvl3pPr marL="914400" algn="l" defTabSz="914400">
+      <a:defRPr sz="1200">
         <a:solidFill>
           <a:schemeClr val="tx1"/>
         </a:solidFill>
@@ -391,8 +430,8 @@
         <a:cs typeface="+mn-cs"/>
       </a:defRPr>
     </a:lvl3pPr>
-    <a:lvl4pPr marL="1371600" algn="l" defTabSz="914400" rtl="0" eaLnBrk="1" latinLnBrk="0" hangingPunct="1">
-      <a:defRPr sz="1200" kern="1200">
+    <a:lvl4pPr marL="1371600" algn="l" defTabSz="914400">
+      <a:defRPr sz="1200">
         <a:solidFill>
           <a:schemeClr val="tx1"/>
         </a:solidFill>
@@ -401,8 +440,8 @@
         <a:cs typeface="+mn-cs"/>
       </a:defRPr>
     </a:lvl4pPr>
-    <a:lvl5pPr marL="1828800" algn="l" defTabSz="914400" rtl="0" eaLnBrk="1" latinLnBrk="0" hangingPunct="1">
-      <a:defRPr sz="1200" kern="1200">
+    <a:lvl5pPr marL="1828800" algn="l" defTabSz="914400">
+      <a:defRPr sz="1200">
         <a:solidFill>
           <a:schemeClr val="tx1"/>
         </a:solidFill>
@@ -411,8 +450,8 @@
         <a:cs typeface="+mn-cs"/>
       </a:defRPr>
     </a:lvl5pPr>
-    <a:lvl6pPr marL="2286000" algn="l" defTabSz="914400" rtl="0" eaLnBrk="1" latinLnBrk="0" hangingPunct="1">
-      <a:defRPr sz="1200" kern="1200">
+    <a:lvl6pPr marL="2286000" algn="l" defTabSz="914400">
+      <a:defRPr sz="1200">
         <a:solidFill>
           <a:schemeClr val="tx1"/>
         </a:solidFill>
@@ -421,8 +460,8 @@
         <a:cs typeface="+mn-cs"/>
       </a:defRPr>
     </a:lvl6pPr>
-    <a:lvl7pPr marL="2743200" algn="l" defTabSz="914400" rtl="0" eaLnBrk="1" latinLnBrk="0" hangingPunct="1">
-      <a:defRPr sz="1200" kern="1200">
+    <a:lvl7pPr marL="2743200" algn="l" defTabSz="914400">
+      <a:defRPr sz="1200">
         <a:solidFill>
           <a:schemeClr val="tx1"/>
         </a:solidFill>
@@ -431,8 +470,8 @@
         <a:cs typeface="+mn-cs"/>
       </a:defRPr>
     </a:lvl7pPr>
-    <a:lvl8pPr marL="3200400" algn="l" defTabSz="914400" rtl="0" eaLnBrk="1" latinLnBrk="0" hangingPunct="1">
-      <a:defRPr sz="1200" kern="1200">
+    <a:lvl8pPr marL="3200400" algn="l" defTabSz="914400">
+      <a:defRPr sz="1200">
         <a:solidFill>
           <a:schemeClr val="tx1"/>
         </a:solidFill>
@@ -441,8 +480,8 @@
         <a:cs typeface="+mn-cs"/>
       </a:defRPr>
     </a:lvl8pPr>
-    <a:lvl9pPr marL="3657600" algn="l" defTabSz="914400" rtl="0" eaLnBrk="1" latinLnBrk="0" hangingPunct="1">
-      <a:defRPr sz="1200" kern="1200">
+    <a:lvl9pPr marL="3657600" algn="l" defTabSz="914400">
+      <a:defRPr sz="1200">
         <a:solidFill>
           <a:schemeClr val="tx1"/>
         </a:solidFill>
@@ -457,14 +496,14 @@
 
 <file path=ppt/notesSlides/notesSlide1.xml><?xml version="1.0" encoding="utf-8"?>
 <p:notes xmlns:a="http://schemas.openxmlformats.org/drawingml/2006/main" xmlns:r="http://schemas.openxmlformats.org/officeDocument/2006/relationships" xmlns:p="http://schemas.openxmlformats.org/presentationml/2006/main" xmlns:m="http://schemas.openxmlformats.org/officeDocument/2006/math" xmlns:w="http://schemas.openxmlformats.org/wordprocessingml/2006/main">
-  <p:cSld>
+  <p:cSld name="">
     <p:spTree>
       <p:nvGrpSpPr>
         <p:cNvPr id="1" name=""/>
         <p:cNvGrpSpPr/>
         <p:nvPr/>
       </p:nvGrpSpPr>
-      <p:grpSpPr>
+      <p:grpSpPr bwMode="auto">
         <a:xfrm>
           <a:off x="0" y="0"/>
           <a:ext cx="0" cy="0"/>
@@ -482,7 +521,7 @@
             <p:ph type="sldImg"/>
           </p:nvPr>
         </p:nvSpPr>
-        <p:spPr>
+        <p:spPr bwMode="auto">
           <a:xfrm>
             <a:off x="685800" y="1143000"/>
             <a:ext cx="5486400" cy="3086100"/>
@@ -499,14 +538,17 @@
             <p:ph type="body" idx="1"/>
           </p:nvPr>
         </p:nvSpPr>
-        <p:spPr/>
-        <p:txBody>
-          <a:bodyPr/>
-          <a:lstStyle/>
-          <a:p>
-            <a:endParaRPr lang="pl-PL" dirty="0">
-              <a:latin typeface="Arial" pitchFamily="34" charset="0" panose="020B0604020202020204"/>
-              <a:cs typeface="Arial" pitchFamily="34" charset="0" panose="020B0604020202020204"/>
+        <p:spPr bwMode="auto"/>
+        <p:txBody>
+          <a:bodyPr/>
+          <a:lstStyle/>
+          <a:p>
+            <a:pPr>
+              <a:defRPr/>
+            </a:pPr>
+            <a:endParaRPr lang="pl-PL">
+              <a:latin typeface="Arial"/>
+              <a:cs typeface="Arial"/>
             </a:endParaRPr>
           </a:p>
         </p:txBody>
@@ -521,13 +563,16 @@
             <p:ph type="sldNum" sz="quarter" idx="10"/>
           </p:nvPr>
         </p:nvSpPr>
-        <p:spPr/>
-        <p:txBody>
-          <a:bodyPr/>
-          <a:lstStyle/>
-          <a:p>
+        <p:spPr bwMode="auto"/>
+        <p:txBody>
+          <a:bodyPr/>
+          <a:lstStyle/>
+          <a:p>
+            <a:pPr>
+              <a:defRPr/>
+            </a:pPr>
             <a:fld id="{2E6999B8-B6B4-4561-A3CD-BBCDAB9FC9D9}" type="slidenum">
-              <a:rPr lang="pl-PL" smtClean="0"/>
+              <a:rPr lang="pl-PL"/>
               <a:t>1</a:t>
             </a:fld>
             <a:endParaRPr lang="pl-PL"/>
@@ -536,14 +581,911 @@
       </p:sp>
     </p:spTree>
   </p:cSld>
-  <p:clrMapOvr>
-    <a:masterClrMapping/>
-  </p:clrMapOvr>
+</p:notes>
+</file>
+
+<file path=ppt/notesSlides/notesSlide10.xml><?xml version="1.0" encoding="utf-8"?>
+<p:notes xmlns:a="http://schemas.openxmlformats.org/drawingml/2006/main" xmlns:r="http://schemas.openxmlformats.org/officeDocument/2006/relationships" xmlns:p="http://schemas.openxmlformats.org/presentationml/2006/main" xmlns:m="http://schemas.openxmlformats.org/officeDocument/2006/math" xmlns:w="http://schemas.openxmlformats.org/wordprocessingml/2006/main">
+  <p:cSld name="">
+    <p:spTree>
+      <p:nvGrpSpPr>
+        <p:cNvPr id="1" name=""/>
+        <p:cNvGrpSpPr/>
+        <p:nvPr/>
+      </p:nvGrpSpPr>
+      <p:grpSpPr bwMode="auto">
+        <a:xfrm>
+          <a:off x="0" y="0"/>
+          <a:ext cx="0" cy="0"/>
+          <a:chOff x="0" y="0"/>
+          <a:chExt cx="0" cy="0"/>
+        </a:xfrm>
+      </p:grpSpPr>
+      <p:sp>
+        <p:nvSpPr>
+          <p:cNvPr id="729129747" name="Symbol zastępczy obrazu slajdu 1"/>
+          <p:cNvSpPr>
+            <a:spLocks noChangeAspect="1" noGrp="1" noRot="1"/>
+          </p:cNvSpPr>
+          <p:nvPr>
+            <p:ph type="sldImg"/>
+          </p:nvPr>
+        </p:nvSpPr>
+        <p:spPr bwMode="auto">
+          <a:xfrm>
+            <a:off x="685800" y="1143000"/>
+            <a:ext cx="5486400" cy="3086100"/>
+          </a:xfrm>
+        </p:spPr>
+      </p:sp>
+      <p:sp>
+        <p:nvSpPr>
+          <p:cNvPr id="8943275" name="Notatki Symbol zastępczy 2"/>
+          <p:cNvSpPr>
+            <a:spLocks noGrp="1"/>
+          </p:cNvSpPr>
+          <p:nvPr>
+            <p:ph type="body" idx="1"/>
+          </p:nvPr>
+        </p:nvSpPr>
+        <p:spPr bwMode="auto"/>
+        <p:txBody>
+          <a:bodyPr/>
+          <a:lstStyle/>
+          <a:p>
+            <a:pPr>
+              <a:defRPr/>
+            </a:pPr>
+            <a:endParaRPr lang="pl-PL">
+              <a:latin typeface="Arial"/>
+              <a:cs typeface="Arial"/>
+            </a:endParaRPr>
+          </a:p>
+        </p:txBody>
+      </p:sp>
+      <p:sp>
+        <p:nvSpPr>
+          <p:cNvPr id="653223132" name="Symbol zastępczy numeru slajdu 3"/>
+          <p:cNvSpPr>
+            <a:spLocks noGrp="1"/>
+          </p:cNvSpPr>
+          <p:nvPr>
+            <p:ph type="sldNum" sz="quarter" idx="10"/>
+          </p:nvPr>
+        </p:nvSpPr>
+        <p:spPr bwMode="auto"/>
+        <p:txBody>
+          <a:bodyPr/>
+          <a:lstStyle/>
+          <a:p>
+            <a:pPr>
+              <a:defRPr/>
+            </a:pPr>
+            <a:fld id="{DC2F461D-03E1-8B23-990B-8A1F4C9B57A7}" type="slidenum">
+              <a:rPr lang="pl-PL"/>
+              <a:t/>
+            </a:fld>
+            <a:endParaRPr lang="pl-PL"/>
+          </a:p>
+        </p:txBody>
+      </p:sp>
+    </p:spTree>
+  </p:cSld>
+</p:notes>
+</file>
+
+<file path=ppt/notesSlides/notesSlide11.xml><?xml version="1.0" encoding="utf-8"?>
+<p:notes xmlns:a="http://schemas.openxmlformats.org/drawingml/2006/main" xmlns:r="http://schemas.openxmlformats.org/officeDocument/2006/relationships" xmlns:p="http://schemas.openxmlformats.org/presentationml/2006/main" xmlns:m="http://schemas.openxmlformats.org/officeDocument/2006/math" xmlns:w="http://schemas.openxmlformats.org/wordprocessingml/2006/main">
+  <p:cSld name="">
+    <p:spTree>
+      <p:nvGrpSpPr>
+        <p:cNvPr id="1" name=""/>
+        <p:cNvGrpSpPr/>
+        <p:nvPr/>
+      </p:nvGrpSpPr>
+      <p:grpSpPr bwMode="auto">
+        <a:xfrm>
+          <a:off x="0" y="0"/>
+          <a:ext cx="0" cy="0"/>
+          <a:chOff x="0" y="0"/>
+          <a:chExt cx="0" cy="0"/>
+        </a:xfrm>
+      </p:grpSpPr>
+      <p:sp>
+        <p:nvSpPr>
+          <p:cNvPr id="1842332405" name="Symbol zastępczy obrazu slajdu 1"/>
+          <p:cNvSpPr>
+            <a:spLocks noChangeAspect="1" noGrp="1" noRot="1"/>
+          </p:cNvSpPr>
+          <p:nvPr>
+            <p:ph type="sldImg"/>
+          </p:nvPr>
+        </p:nvSpPr>
+        <p:spPr bwMode="auto">
+          <a:xfrm>
+            <a:off x="685800" y="1143000"/>
+            <a:ext cx="5486400" cy="3086100"/>
+          </a:xfrm>
+        </p:spPr>
+      </p:sp>
+      <p:sp>
+        <p:nvSpPr>
+          <p:cNvPr id="1421555433" name="Notatki Symbol zastępczy 2"/>
+          <p:cNvSpPr>
+            <a:spLocks noGrp="1"/>
+          </p:cNvSpPr>
+          <p:nvPr>
+            <p:ph type="body" idx="1"/>
+          </p:nvPr>
+        </p:nvSpPr>
+        <p:spPr bwMode="auto"/>
+        <p:txBody>
+          <a:bodyPr/>
+          <a:lstStyle/>
+          <a:p>
+            <a:pPr>
+              <a:defRPr/>
+            </a:pPr>
+            <a:endParaRPr lang="pl-PL">
+              <a:latin typeface="Arial"/>
+              <a:cs typeface="Arial"/>
+            </a:endParaRPr>
+          </a:p>
+        </p:txBody>
+      </p:sp>
+      <p:sp>
+        <p:nvSpPr>
+          <p:cNvPr id="1647434253" name="Symbol zastępczy numeru slajdu 3"/>
+          <p:cNvSpPr>
+            <a:spLocks noGrp="1"/>
+          </p:cNvSpPr>
+          <p:nvPr>
+            <p:ph type="sldNum" sz="quarter" idx="10"/>
+          </p:nvPr>
+        </p:nvSpPr>
+        <p:spPr bwMode="auto"/>
+        <p:txBody>
+          <a:bodyPr/>
+          <a:lstStyle/>
+          <a:p>
+            <a:pPr>
+              <a:defRPr/>
+            </a:pPr>
+            <a:fld id="{7B34AC55-E08C-4580-F7B3-8F0F06BAEFE0}" type="slidenum">
+              <a:rPr lang="pl-PL"/>
+              <a:t/>
+            </a:fld>
+            <a:endParaRPr lang="pl-PL"/>
+          </a:p>
+        </p:txBody>
+      </p:sp>
+    </p:spTree>
+  </p:cSld>
+</p:notes>
+</file>
+
+<file path=ppt/notesSlides/notesSlide2.xml><?xml version="1.0" encoding="utf-8"?>
+<p:notes xmlns:a="http://schemas.openxmlformats.org/drawingml/2006/main" xmlns:r="http://schemas.openxmlformats.org/officeDocument/2006/relationships" xmlns:p="http://schemas.openxmlformats.org/presentationml/2006/main" xmlns:m="http://schemas.openxmlformats.org/officeDocument/2006/math" xmlns:w="http://schemas.openxmlformats.org/wordprocessingml/2006/main">
+  <p:cSld name="">
+    <p:spTree>
+      <p:nvGrpSpPr>
+        <p:cNvPr id="1" name=""/>
+        <p:cNvGrpSpPr/>
+        <p:nvPr/>
+      </p:nvGrpSpPr>
+      <p:grpSpPr bwMode="auto">
+        <a:xfrm>
+          <a:off x="0" y="0"/>
+          <a:ext cx="0" cy="0"/>
+          <a:chOff x="0" y="0"/>
+          <a:chExt cx="0" cy="0"/>
+        </a:xfrm>
+      </p:grpSpPr>
+      <p:sp>
+        <p:nvSpPr>
+          <p:cNvPr id="57983208" name="Symbol zastępczy obrazu slajdu 1"/>
+          <p:cNvSpPr>
+            <a:spLocks noChangeAspect="1" noGrp="1" noRot="1"/>
+          </p:cNvSpPr>
+          <p:nvPr>
+            <p:ph type="sldImg"/>
+          </p:nvPr>
+        </p:nvSpPr>
+        <p:spPr bwMode="auto">
+          <a:xfrm>
+            <a:off x="685800" y="1143000"/>
+            <a:ext cx="5486400" cy="3086100"/>
+          </a:xfrm>
+        </p:spPr>
+      </p:sp>
+      <p:sp>
+        <p:nvSpPr>
+          <p:cNvPr id="2124814240" name="Notatki Symbol zastępczy 2"/>
+          <p:cNvSpPr>
+            <a:spLocks noGrp="1"/>
+          </p:cNvSpPr>
+          <p:nvPr>
+            <p:ph type="body" idx="1"/>
+          </p:nvPr>
+        </p:nvSpPr>
+        <p:spPr bwMode="auto"/>
+        <p:txBody>
+          <a:bodyPr/>
+          <a:lstStyle/>
+          <a:p>
+            <a:pPr>
+              <a:defRPr/>
+            </a:pPr>
+            <a:endParaRPr lang="pl-PL">
+              <a:latin typeface="Arial"/>
+              <a:cs typeface="Arial"/>
+            </a:endParaRPr>
+          </a:p>
+        </p:txBody>
+      </p:sp>
+      <p:sp>
+        <p:nvSpPr>
+          <p:cNvPr id="995014757" name="Symbol zastępczy numeru slajdu 3"/>
+          <p:cNvSpPr>
+            <a:spLocks noGrp="1"/>
+          </p:cNvSpPr>
+          <p:nvPr>
+            <p:ph type="sldNum" sz="quarter" idx="10"/>
+          </p:nvPr>
+        </p:nvSpPr>
+        <p:spPr bwMode="auto"/>
+        <p:txBody>
+          <a:bodyPr/>
+          <a:lstStyle/>
+          <a:p>
+            <a:pPr>
+              <a:defRPr/>
+            </a:pPr>
+            <a:fld id="{EAF19B77-EE72-EAEE-E895-6E6BE3281841}" type="slidenum">
+              <a:rPr lang="pl-PL"/>
+              <a:t/>
+            </a:fld>
+            <a:endParaRPr lang="pl-PL"/>
+          </a:p>
+        </p:txBody>
+      </p:sp>
+    </p:spTree>
+  </p:cSld>
+</p:notes>
+</file>
+
+<file path=ppt/notesSlides/notesSlide3.xml><?xml version="1.0" encoding="utf-8"?>
+<p:notes xmlns:a="http://schemas.openxmlformats.org/drawingml/2006/main" xmlns:r="http://schemas.openxmlformats.org/officeDocument/2006/relationships" xmlns:p="http://schemas.openxmlformats.org/presentationml/2006/main" xmlns:m="http://schemas.openxmlformats.org/officeDocument/2006/math" xmlns:w="http://schemas.openxmlformats.org/wordprocessingml/2006/main">
+  <p:cSld name="">
+    <p:spTree>
+      <p:nvGrpSpPr>
+        <p:cNvPr id="1" name=""/>
+        <p:cNvGrpSpPr/>
+        <p:nvPr/>
+      </p:nvGrpSpPr>
+      <p:grpSpPr bwMode="auto">
+        <a:xfrm>
+          <a:off x="0" y="0"/>
+          <a:ext cx="0" cy="0"/>
+          <a:chOff x="0" y="0"/>
+          <a:chExt cx="0" cy="0"/>
+        </a:xfrm>
+      </p:grpSpPr>
+      <p:sp>
+        <p:nvSpPr>
+          <p:cNvPr id="323355909" name="Symbol zastępczy obrazu slajdu 1"/>
+          <p:cNvSpPr>
+            <a:spLocks noChangeAspect="1" noGrp="1" noRot="1"/>
+          </p:cNvSpPr>
+          <p:nvPr>
+            <p:ph type="sldImg"/>
+          </p:nvPr>
+        </p:nvSpPr>
+        <p:spPr bwMode="auto">
+          <a:xfrm>
+            <a:off x="685800" y="1143000"/>
+            <a:ext cx="5486400" cy="3086100"/>
+          </a:xfrm>
+        </p:spPr>
+      </p:sp>
+      <p:sp>
+        <p:nvSpPr>
+          <p:cNvPr id="1646550168" name="Notatki Symbol zastępczy 2"/>
+          <p:cNvSpPr>
+            <a:spLocks noGrp="1"/>
+          </p:cNvSpPr>
+          <p:nvPr>
+            <p:ph type="body" idx="1"/>
+          </p:nvPr>
+        </p:nvSpPr>
+        <p:spPr bwMode="auto"/>
+        <p:txBody>
+          <a:bodyPr/>
+          <a:lstStyle/>
+          <a:p>
+            <a:pPr>
+              <a:defRPr/>
+            </a:pPr>
+            <a:endParaRPr lang="pl-PL">
+              <a:latin typeface="Arial"/>
+              <a:cs typeface="Arial"/>
+            </a:endParaRPr>
+          </a:p>
+        </p:txBody>
+      </p:sp>
+      <p:sp>
+        <p:nvSpPr>
+          <p:cNvPr id="1615504949" name="Symbol zastępczy numeru slajdu 3"/>
+          <p:cNvSpPr>
+            <a:spLocks noGrp="1"/>
+          </p:cNvSpPr>
+          <p:nvPr>
+            <p:ph type="sldNum" sz="quarter" idx="10"/>
+          </p:nvPr>
+        </p:nvSpPr>
+        <p:spPr bwMode="auto"/>
+        <p:txBody>
+          <a:bodyPr/>
+          <a:lstStyle/>
+          <a:p>
+            <a:pPr>
+              <a:defRPr/>
+            </a:pPr>
+            <a:fld id="{8724AE29-B642-A849-AAF6-BABBF08565E1}" type="slidenum">
+              <a:rPr lang="pl-PL"/>
+              <a:t/>
+            </a:fld>
+            <a:endParaRPr lang="pl-PL"/>
+          </a:p>
+        </p:txBody>
+      </p:sp>
+    </p:spTree>
+  </p:cSld>
+</p:notes>
+</file>
+
+<file path=ppt/notesSlides/notesSlide4.xml><?xml version="1.0" encoding="utf-8"?>
+<p:notes xmlns:a="http://schemas.openxmlformats.org/drawingml/2006/main" xmlns:r="http://schemas.openxmlformats.org/officeDocument/2006/relationships" xmlns:p="http://schemas.openxmlformats.org/presentationml/2006/main" xmlns:m="http://schemas.openxmlformats.org/officeDocument/2006/math" xmlns:w="http://schemas.openxmlformats.org/wordprocessingml/2006/main">
+  <p:cSld name="">
+    <p:spTree>
+      <p:nvGrpSpPr>
+        <p:cNvPr id="1" name=""/>
+        <p:cNvGrpSpPr/>
+        <p:nvPr/>
+      </p:nvGrpSpPr>
+      <p:grpSpPr bwMode="auto">
+        <a:xfrm>
+          <a:off x="0" y="0"/>
+          <a:ext cx="0" cy="0"/>
+          <a:chOff x="0" y="0"/>
+          <a:chExt cx="0" cy="0"/>
+        </a:xfrm>
+      </p:grpSpPr>
+      <p:sp>
+        <p:nvSpPr>
+          <p:cNvPr id="587799799" name="Symbol zastępczy obrazu slajdu 1"/>
+          <p:cNvSpPr>
+            <a:spLocks noChangeAspect="1" noGrp="1" noRot="1"/>
+          </p:cNvSpPr>
+          <p:nvPr>
+            <p:ph type="sldImg"/>
+          </p:nvPr>
+        </p:nvSpPr>
+        <p:spPr bwMode="auto">
+          <a:xfrm>
+            <a:off x="685800" y="1143000"/>
+            <a:ext cx="5486400" cy="3086100"/>
+          </a:xfrm>
+        </p:spPr>
+      </p:sp>
+      <p:sp>
+        <p:nvSpPr>
+          <p:cNvPr id="478943184" name="Notatki Symbol zastępczy 2"/>
+          <p:cNvSpPr>
+            <a:spLocks noGrp="1"/>
+          </p:cNvSpPr>
+          <p:nvPr>
+            <p:ph type="body" idx="1"/>
+          </p:nvPr>
+        </p:nvSpPr>
+        <p:spPr bwMode="auto"/>
+        <p:txBody>
+          <a:bodyPr/>
+          <a:lstStyle/>
+          <a:p>
+            <a:pPr>
+              <a:defRPr/>
+            </a:pPr>
+            <a:endParaRPr lang="pl-PL">
+              <a:latin typeface="Arial"/>
+              <a:cs typeface="Arial"/>
+            </a:endParaRPr>
+          </a:p>
+        </p:txBody>
+      </p:sp>
+      <p:sp>
+        <p:nvSpPr>
+          <p:cNvPr id="773754101" name="Symbol zastępczy numeru slajdu 3"/>
+          <p:cNvSpPr>
+            <a:spLocks noGrp="1"/>
+          </p:cNvSpPr>
+          <p:nvPr>
+            <p:ph type="sldNum" sz="quarter" idx="10"/>
+          </p:nvPr>
+        </p:nvSpPr>
+        <p:spPr bwMode="auto"/>
+        <p:txBody>
+          <a:bodyPr/>
+          <a:lstStyle/>
+          <a:p>
+            <a:pPr>
+              <a:defRPr/>
+            </a:pPr>
+            <a:fld id="{214723B4-C794-803A-6277-2C00D10D44E9}" type="slidenum">
+              <a:rPr lang="pl-PL"/>
+              <a:t/>
+            </a:fld>
+            <a:endParaRPr lang="pl-PL"/>
+          </a:p>
+        </p:txBody>
+      </p:sp>
+    </p:spTree>
+  </p:cSld>
+</p:notes>
+</file>
+
+<file path=ppt/notesSlides/notesSlide5.xml><?xml version="1.0" encoding="utf-8"?>
+<p:notes xmlns:a="http://schemas.openxmlformats.org/drawingml/2006/main" xmlns:r="http://schemas.openxmlformats.org/officeDocument/2006/relationships" xmlns:p="http://schemas.openxmlformats.org/presentationml/2006/main" xmlns:m="http://schemas.openxmlformats.org/officeDocument/2006/math" xmlns:w="http://schemas.openxmlformats.org/wordprocessingml/2006/main">
+  <p:cSld name="">
+    <p:spTree>
+      <p:nvGrpSpPr>
+        <p:cNvPr id="1" name=""/>
+        <p:cNvGrpSpPr/>
+        <p:nvPr/>
+      </p:nvGrpSpPr>
+      <p:grpSpPr bwMode="auto">
+        <a:xfrm>
+          <a:off x="0" y="0"/>
+          <a:ext cx="0" cy="0"/>
+          <a:chOff x="0" y="0"/>
+          <a:chExt cx="0" cy="0"/>
+        </a:xfrm>
+      </p:grpSpPr>
+      <p:sp>
+        <p:nvSpPr>
+          <p:cNvPr id="1931766513" name="Symbol zastępczy obrazu slajdu 1"/>
+          <p:cNvSpPr>
+            <a:spLocks noChangeAspect="1" noGrp="1" noRot="1"/>
+          </p:cNvSpPr>
+          <p:nvPr>
+            <p:ph type="sldImg"/>
+          </p:nvPr>
+        </p:nvSpPr>
+        <p:spPr bwMode="auto">
+          <a:xfrm>
+            <a:off x="685800" y="1143000"/>
+            <a:ext cx="5486400" cy="3086100"/>
+          </a:xfrm>
+        </p:spPr>
+      </p:sp>
+      <p:sp>
+        <p:nvSpPr>
+          <p:cNvPr id="400071468" name="Notatki Symbol zastępczy 2"/>
+          <p:cNvSpPr>
+            <a:spLocks noGrp="1"/>
+          </p:cNvSpPr>
+          <p:nvPr>
+            <p:ph type="body" idx="1"/>
+          </p:nvPr>
+        </p:nvSpPr>
+        <p:spPr bwMode="auto"/>
+        <p:txBody>
+          <a:bodyPr/>
+          <a:lstStyle/>
+          <a:p>
+            <a:pPr>
+              <a:defRPr/>
+            </a:pPr>
+            <a:endParaRPr lang="pl-PL">
+              <a:latin typeface="Arial"/>
+              <a:cs typeface="Arial"/>
+            </a:endParaRPr>
+          </a:p>
+        </p:txBody>
+      </p:sp>
+      <p:sp>
+        <p:nvSpPr>
+          <p:cNvPr id="623245654" name="Symbol zastępczy numeru slajdu 3"/>
+          <p:cNvSpPr>
+            <a:spLocks noGrp="1"/>
+          </p:cNvSpPr>
+          <p:nvPr>
+            <p:ph type="sldNum" sz="quarter" idx="10"/>
+          </p:nvPr>
+        </p:nvSpPr>
+        <p:spPr bwMode="auto"/>
+        <p:txBody>
+          <a:bodyPr/>
+          <a:lstStyle/>
+          <a:p>
+            <a:pPr>
+              <a:defRPr/>
+            </a:pPr>
+            <a:fld id="{0E7BA884-3C21-062A-344A-4086E847949A}" type="slidenum">
+              <a:rPr lang="pl-PL"/>
+              <a:t/>
+            </a:fld>
+            <a:endParaRPr lang="pl-PL"/>
+          </a:p>
+        </p:txBody>
+      </p:sp>
+    </p:spTree>
+  </p:cSld>
+</p:notes>
+</file>
+
+<file path=ppt/notesSlides/notesSlide6.xml><?xml version="1.0" encoding="utf-8"?>
+<p:notes xmlns:a="http://schemas.openxmlformats.org/drawingml/2006/main" xmlns:r="http://schemas.openxmlformats.org/officeDocument/2006/relationships" xmlns:p="http://schemas.openxmlformats.org/presentationml/2006/main" xmlns:m="http://schemas.openxmlformats.org/officeDocument/2006/math" xmlns:w="http://schemas.openxmlformats.org/wordprocessingml/2006/main">
+  <p:cSld name="">
+    <p:spTree>
+      <p:nvGrpSpPr>
+        <p:cNvPr id="1" name=""/>
+        <p:cNvGrpSpPr/>
+        <p:nvPr/>
+      </p:nvGrpSpPr>
+      <p:grpSpPr bwMode="auto">
+        <a:xfrm>
+          <a:off x="0" y="0"/>
+          <a:ext cx="0" cy="0"/>
+          <a:chOff x="0" y="0"/>
+          <a:chExt cx="0" cy="0"/>
+        </a:xfrm>
+      </p:grpSpPr>
+      <p:sp>
+        <p:nvSpPr>
+          <p:cNvPr id="980693954" name="Symbol zastępczy obrazu slajdu 1"/>
+          <p:cNvSpPr>
+            <a:spLocks noChangeAspect="1" noGrp="1" noRot="1"/>
+          </p:cNvSpPr>
+          <p:nvPr>
+            <p:ph type="sldImg"/>
+          </p:nvPr>
+        </p:nvSpPr>
+        <p:spPr bwMode="auto">
+          <a:xfrm>
+            <a:off x="685800" y="1143000"/>
+            <a:ext cx="5486400" cy="3086100"/>
+          </a:xfrm>
+        </p:spPr>
+      </p:sp>
+      <p:sp>
+        <p:nvSpPr>
+          <p:cNvPr id="159039161" name="Notatki Symbol zastępczy 2"/>
+          <p:cNvSpPr>
+            <a:spLocks noGrp="1"/>
+          </p:cNvSpPr>
+          <p:nvPr>
+            <p:ph type="body" idx="1"/>
+          </p:nvPr>
+        </p:nvSpPr>
+        <p:spPr bwMode="auto"/>
+        <p:txBody>
+          <a:bodyPr/>
+          <a:lstStyle/>
+          <a:p>
+            <a:pPr>
+              <a:defRPr/>
+            </a:pPr>
+            <a:endParaRPr lang="pl-PL">
+              <a:latin typeface="Arial"/>
+              <a:cs typeface="Arial"/>
+            </a:endParaRPr>
+          </a:p>
+        </p:txBody>
+      </p:sp>
+      <p:sp>
+        <p:nvSpPr>
+          <p:cNvPr id="874083435" name="Symbol zastępczy numeru slajdu 3"/>
+          <p:cNvSpPr>
+            <a:spLocks noGrp="1"/>
+          </p:cNvSpPr>
+          <p:nvPr>
+            <p:ph type="sldNum" sz="quarter" idx="10"/>
+          </p:nvPr>
+        </p:nvSpPr>
+        <p:spPr bwMode="auto"/>
+        <p:txBody>
+          <a:bodyPr/>
+          <a:lstStyle/>
+          <a:p>
+            <a:pPr>
+              <a:defRPr/>
+            </a:pPr>
+            <a:fld id="{3FA9F497-009A-6033-B4D3-BFF30D6DA1D3}" type="slidenum">
+              <a:rPr lang="pl-PL"/>
+              <a:t/>
+            </a:fld>
+            <a:endParaRPr lang="pl-PL"/>
+          </a:p>
+        </p:txBody>
+      </p:sp>
+    </p:spTree>
+  </p:cSld>
+</p:notes>
+</file>
+
+<file path=ppt/notesSlides/notesSlide7.xml><?xml version="1.0" encoding="utf-8"?>
+<p:notes xmlns:a="http://schemas.openxmlformats.org/drawingml/2006/main" xmlns:r="http://schemas.openxmlformats.org/officeDocument/2006/relationships" xmlns:p="http://schemas.openxmlformats.org/presentationml/2006/main" xmlns:m="http://schemas.openxmlformats.org/officeDocument/2006/math" xmlns:w="http://schemas.openxmlformats.org/wordprocessingml/2006/main">
+  <p:cSld name="">
+    <p:spTree>
+      <p:nvGrpSpPr>
+        <p:cNvPr id="1" name=""/>
+        <p:cNvGrpSpPr/>
+        <p:nvPr/>
+      </p:nvGrpSpPr>
+      <p:grpSpPr bwMode="auto">
+        <a:xfrm>
+          <a:off x="0" y="0"/>
+          <a:ext cx="0" cy="0"/>
+          <a:chOff x="0" y="0"/>
+          <a:chExt cx="0" cy="0"/>
+        </a:xfrm>
+      </p:grpSpPr>
+      <p:sp>
+        <p:nvSpPr>
+          <p:cNvPr id="953078646" name="Symbol zastępczy obrazu slajdu 1"/>
+          <p:cNvSpPr>
+            <a:spLocks noChangeAspect="1" noGrp="1" noRot="1"/>
+          </p:cNvSpPr>
+          <p:nvPr>
+            <p:ph type="sldImg"/>
+          </p:nvPr>
+        </p:nvSpPr>
+        <p:spPr bwMode="auto">
+          <a:xfrm>
+            <a:off x="685800" y="1143000"/>
+            <a:ext cx="5486400" cy="3086100"/>
+          </a:xfrm>
+        </p:spPr>
+      </p:sp>
+      <p:sp>
+        <p:nvSpPr>
+          <p:cNvPr id="521830845" name="Notatki Symbol zastępczy 2"/>
+          <p:cNvSpPr>
+            <a:spLocks noGrp="1"/>
+          </p:cNvSpPr>
+          <p:nvPr>
+            <p:ph type="body" idx="1"/>
+          </p:nvPr>
+        </p:nvSpPr>
+        <p:spPr bwMode="auto"/>
+        <p:txBody>
+          <a:bodyPr/>
+          <a:lstStyle/>
+          <a:p>
+            <a:pPr>
+              <a:defRPr/>
+            </a:pPr>
+            <a:endParaRPr lang="pl-PL">
+              <a:latin typeface="Arial"/>
+              <a:cs typeface="Arial"/>
+            </a:endParaRPr>
+          </a:p>
+        </p:txBody>
+      </p:sp>
+      <p:sp>
+        <p:nvSpPr>
+          <p:cNvPr id="1536547457" name="Symbol zastępczy numeru slajdu 3"/>
+          <p:cNvSpPr>
+            <a:spLocks noGrp="1"/>
+          </p:cNvSpPr>
+          <p:nvPr>
+            <p:ph type="sldNum" sz="quarter" idx="10"/>
+          </p:nvPr>
+        </p:nvSpPr>
+        <p:spPr bwMode="auto"/>
+        <p:txBody>
+          <a:bodyPr/>
+          <a:lstStyle/>
+          <a:p>
+            <a:pPr>
+              <a:defRPr/>
+            </a:pPr>
+            <a:fld id="{72357911-743B-3CAB-C13D-3249148158C9}" type="slidenum">
+              <a:rPr lang="pl-PL"/>
+              <a:t/>
+            </a:fld>
+            <a:endParaRPr lang="pl-PL"/>
+          </a:p>
+        </p:txBody>
+      </p:sp>
+    </p:spTree>
+  </p:cSld>
+</p:notes>
+</file>
+
+<file path=ppt/notesSlides/notesSlide8.xml><?xml version="1.0" encoding="utf-8"?>
+<p:notes xmlns:a="http://schemas.openxmlformats.org/drawingml/2006/main" xmlns:r="http://schemas.openxmlformats.org/officeDocument/2006/relationships" xmlns:p="http://schemas.openxmlformats.org/presentationml/2006/main" xmlns:m="http://schemas.openxmlformats.org/officeDocument/2006/math" xmlns:w="http://schemas.openxmlformats.org/wordprocessingml/2006/main">
+  <p:cSld name="">
+    <p:spTree>
+      <p:nvGrpSpPr>
+        <p:cNvPr id="1" name=""/>
+        <p:cNvGrpSpPr/>
+        <p:nvPr/>
+      </p:nvGrpSpPr>
+      <p:grpSpPr bwMode="auto">
+        <a:xfrm>
+          <a:off x="0" y="0"/>
+          <a:ext cx="0" cy="0"/>
+          <a:chOff x="0" y="0"/>
+          <a:chExt cx="0" cy="0"/>
+        </a:xfrm>
+      </p:grpSpPr>
+      <p:sp>
+        <p:nvSpPr>
+          <p:cNvPr id="1851290233" name="Symbol zastępczy obrazu slajdu 1"/>
+          <p:cNvSpPr>
+            <a:spLocks noChangeAspect="1" noGrp="1" noRot="1"/>
+          </p:cNvSpPr>
+          <p:nvPr>
+            <p:ph type="sldImg"/>
+          </p:nvPr>
+        </p:nvSpPr>
+        <p:spPr bwMode="auto">
+          <a:xfrm>
+            <a:off x="685800" y="1143000"/>
+            <a:ext cx="5486400" cy="3086100"/>
+          </a:xfrm>
+        </p:spPr>
+      </p:sp>
+      <p:sp>
+        <p:nvSpPr>
+          <p:cNvPr id="1495504580" name="Notatki Symbol zastępczy 2"/>
+          <p:cNvSpPr>
+            <a:spLocks noGrp="1"/>
+          </p:cNvSpPr>
+          <p:nvPr>
+            <p:ph type="body" idx="1"/>
+          </p:nvPr>
+        </p:nvSpPr>
+        <p:spPr bwMode="auto"/>
+        <p:txBody>
+          <a:bodyPr/>
+          <a:lstStyle/>
+          <a:p>
+            <a:pPr>
+              <a:defRPr/>
+            </a:pPr>
+            <a:endParaRPr lang="pl-PL">
+              <a:latin typeface="Arial"/>
+              <a:cs typeface="Arial"/>
+            </a:endParaRPr>
+          </a:p>
+        </p:txBody>
+      </p:sp>
+      <p:sp>
+        <p:nvSpPr>
+          <p:cNvPr id="441732952" name="Symbol zastępczy numeru slajdu 3"/>
+          <p:cNvSpPr>
+            <a:spLocks noGrp="1"/>
+          </p:cNvSpPr>
+          <p:nvPr>
+            <p:ph type="sldNum" sz="quarter" idx="10"/>
+          </p:nvPr>
+        </p:nvSpPr>
+        <p:spPr bwMode="auto"/>
+        <p:txBody>
+          <a:bodyPr/>
+          <a:lstStyle/>
+          <a:p>
+            <a:pPr>
+              <a:defRPr/>
+            </a:pPr>
+            <a:fld id="{F72439CC-E8F7-3F7F-60EE-5BA01CDC69BF}" type="slidenum">
+              <a:rPr lang="pl-PL"/>
+              <a:t/>
+            </a:fld>
+            <a:endParaRPr lang="pl-PL"/>
+          </a:p>
+        </p:txBody>
+      </p:sp>
+    </p:spTree>
+  </p:cSld>
+</p:notes>
+</file>
+
+<file path=ppt/notesSlides/notesSlide9.xml><?xml version="1.0" encoding="utf-8"?>
+<p:notes xmlns:a="http://schemas.openxmlformats.org/drawingml/2006/main" xmlns:r="http://schemas.openxmlformats.org/officeDocument/2006/relationships" xmlns:p="http://schemas.openxmlformats.org/presentationml/2006/main" xmlns:m="http://schemas.openxmlformats.org/officeDocument/2006/math" xmlns:w="http://schemas.openxmlformats.org/wordprocessingml/2006/main">
+  <p:cSld name="">
+    <p:spTree>
+      <p:nvGrpSpPr>
+        <p:cNvPr id="1" name=""/>
+        <p:cNvGrpSpPr/>
+        <p:nvPr/>
+      </p:nvGrpSpPr>
+      <p:grpSpPr bwMode="auto">
+        <a:xfrm>
+          <a:off x="0" y="0"/>
+          <a:ext cx="0" cy="0"/>
+          <a:chOff x="0" y="0"/>
+          <a:chExt cx="0" cy="0"/>
+        </a:xfrm>
+      </p:grpSpPr>
+      <p:sp>
+        <p:nvSpPr>
+          <p:cNvPr id="713868497" name="Symbol zastępczy obrazu slajdu 1"/>
+          <p:cNvSpPr>
+            <a:spLocks noChangeAspect="1" noGrp="1" noRot="1"/>
+          </p:cNvSpPr>
+          <p:nvPr>
+            <p:ph type="sldImg"/>
+          </p:nvPr>
+        </p:nvSpPr>
+        <p:spPr bwMode="auto">
+          <a:xfrm>
+            <a:off x="685800" y="1143000"/>
+            <a:ext cx="5486400" cy="3086100"/>
+          </a:xfrm>
+        </p:spPr>
+      </p:sp>
+      <p:sp>
+        <p:nvSpPr>
+          <p:cNvPr id="16762153" name="Notatki Symbol zastępczy 2"/>
+          <p:cNvSpPr>
+            <a:spLocks noGrp="1"/>
+          </p:cNvSpPr>
+          <p:nvPr>
+            <p:ph type="body" idx="1"/>
+          </p:nvPr>
+        </p:nvSpPr>
+        <p:spPr bwMode="auto"/>
+        <p:txBody>
+          <a:bodyPr/>
+          <a:lstStyle/>
+          <a:p>
+            <a:pPr>
+              <a:defRPr/>
+            </a:pPr>
+            <a:endParaRPr lang="pl-PL">
+              <a:latin typeface="Arial"/>
+              <a:cs typeface="Arial"/>
+            </a:endParaRPr>
+          </a:p>
+        </p:txBody>
+      </p:sp>
+      <p:sp>
+        <p:nvSpPr>
+          <p:cNvPr id="395339395" name="Symbol zastępczy numeru slajdu 3"/>
+          <p:cNvSpPr>
+            <a:spLocks noGrp="1"/>
+          </p:cNvSpPr>
+          <p:nvPr>
+            <p:ph type="sldNum" sz="quarter" idx="10"/>
+          </p:nvPr>
+        </p:nvSpPr>
+        <p:spPr bwMode="auto"/>
+        <p:txBody>
+          <a:bodyPr/>
+          <a:lstStyle/>
+          <a:p>
+            <a:pPr>
+              <a:defRPr/>
+            </a:pPr>
+            <a:fld id="{F540DED9-3D9E-4058-9A2F-EE7A0C7B630A}" type="slidenum">
+              <a:rPr lang="pl-PL"/>
+              <a:t/>
+            </a:fld>
+            <a:endParaRPr lang="pl-PL"/>
+          </a:p>
+        </p:txBody>
+      </p:sp>
+    </p:spTree>
+  </p:cSld>
 </p:notes>
 </file>
 
 <file path=ppt/slideLayouts/slideLayout1.xml><?xml version="1.0" encoding="utf-8"?>
-<p:sldLayout xmlns:a="http://schemas.openxmlformats.org/drawingml/2006/main" xmlns:r="http://schemas.openxmlformats.org/officeDocument/2006/relationships" xmlns:p="http://schemas.openxmlformats.org/presentationml/2006/main" xmlns:m="http://schemas.openxmlformats.org/officeDocument/2006/math" xmlns:w="http://schemas.openxmlformats.org/wordprocessingml/2006/main" preserve="1" type="title">
+<p:sldLayout xmlns:a="http://schemas.openxmlformats.org/drawingml/2006/main" xmlns:r="http://schemas.openxmlformats.org/officeDocument/2006/relationships" xmlns:p="http://schemas.openxmlformats.org/presentationml/2006/main" xmlns:m="http://schemas.openxmlformats.org/officeDocument/2006/math" xmlns:w="http://schemas.openxmlformats.org/wordprocessingml/2006/main" matchingName="" preserve="1" showMasterPhAnim="0" type="title" userDrawn="1">
   <p:cSld name="Slajd tytułowy">
     <p:spTree>
       <p:nvGrpSpPr>
@@ -551,7 +1493,7 @@
         <p:cNvGrpSpPr/>
         <p:nvPr/>
       </p:nvGrpSpPr>
-      <p:grpSpPr>
+      <p:grpSpPr bwMode="auto">
         <a:xfrm>
           <a:off x="0" y="0"/>
           <a:ext cx="0" cy="0"/>
@@ -569,7 +1511,7 @@
             <p:ph type="ctrTitle"/>
           </p:nvPr>
         </p:nvSpPr>
-        <p:spPr>
+        <p:spPr bwMode="auto">
           <a:xfrm>
             <a:off x="1524000" y="1122363"/>
             <a:ext cx="9144000" cy="2387600"/>
@@ -583,11 +1525,14 @@
             </a:lvl1pPr>
           </a:lstStyle>
           <a:p>
-            <a:r>
-              <a:rPr lang="pl-PL" smtClean="0"/>
+            <a:pPr>
+              <a:defRPr/>
+            </a:pPr>
+            <a:r>
+              <a:rPr lang="pl-PL"/>
               <a:t>Kliknij, aby edytować styl</a:t>
             </a:r>
-            <a:endParaRPr lang="pl-PL" dirty="0"/>
+            <a:endParaRPr lang="pl-PL"/>
           </a:p>
         </p:txBody>
       </p:sp>
@@ -601,7 +1546,7 @@
             <p:ph type="subTitle" idx="1"/>
           </p:nvPr>
         </p:nvSpPr>
-        <p:spPr>
+        <p:spPr bwMode="auto">
           <a:xfrm>
             <a:off x="1524000" y="3602038"/>
             <a:ext cx="9144000" cy="1655762"/>
@@ -648,11 +1593,14 @@
             </a:lvl9pPr>
           </a:lstStyle>
           <a:p>
-            <a:r>
-              <a:rPr lang="pl-PL" smtClean="0"/>
+            <a:pPr>
+              <a:defRPr/>
+            </a:pPr>
+            <a:r>
+              <a:rPr lang="pl-PL"/>
               <a:t>Kliknij, aby edytować styl wzorca podtytułu</a:t>
             </a:r>
-            <a:endParaRPr lang="pl-PL" dirty="0"/>
+            <a:endParaRPr lang="pl-PL"/>
           </a:p>
         </p:txBody>
       </p:sp>
@@ -666,13 +1614,16 @@
             <p:ph type="dt" sz="half" idx="10"/>
           </p:nvPr>
         </p:nvSpPr>
-        <p:spPr/>
-        <p:txBody>
-          <a:bodyPr/>
-          <a:lstStyle/>
-          <a:p>
+        <p:spPr bwMode="auto"/>
+        <p:txBody>
+          <a:bodyPr/>
+          <a:lstStyle/>
+          <a:p>
+            <a:pPr>
+              <a:defRPr/>
+            </a:pPr>
             <a:fld id="{BCC18F51-09EC-435C-A3BA-64A766E099C0}" type="datetimeFigureOut">
-              <a:rPr lang="pl-PL" smtClean="0"/>
+              <a:rPr lang="pl-PL"/>
               <a:t>30.10.2013</a:t>
             </a:fld>
             <a:endParaRPr lang="pl-PL"/>
@@ -689,11 +1640,14 @@
             <p:ph type="ftr" sz="quarter" idx="11"/>
           </p:nvPr>
         </p:nvSpPr>
-        <p:spPr/>
-        <p:txBody>
-          <a:bodyPr/>
-          <a:lstStyle/>
-          <a:p>
+        <p:spPr bwMode="auto"/>
+        <p:txBody>
+          <a:bodyPr/>
+          <a:lstStyle/>
+          <a:p>
+            <a:pPr>
+              <a:defRPr/>
+            </a:pPr>
             <a:endParaRPr lang="pl-PL"/>
           </a:p>
         </p:txBody>
@@ -708,13 +1662,16 @@
             <p:ph type="sldNum" sz="quarter" idx="12"/>
           </p:nvPr>
         </p:nvSpPr>
-        <p:spPr/>
-        <p:txBody>
-          <a:bodyPr/>
-          <a:lstStyle/>
-          <a:p>
+        <p:spPr bwMode="auto"/>
+        <p:txBody>
+          <a:bodyPr/>
+          <a:lstStyle/>
+          <a:p>
+            <a:pPr>
+              <a:defRPr/>
+            </a:pPr>
             <a:fld id="{08395586-F03A-48D1-94DF-16B239DF4FB5}" type="slidenum">
-              <a:rPr lang="pl-PL" smtClean="0"/>
+              <a:rPr lang="pl-PL"/>
               <a:t>‹#›</a:t>
             </a:fld>
             <a:endParaRPr lang="pl-PL"/>
@@ -730,7 +1687,7 @@
 </file>
 
 <file path=ppt/slideLayouts/slideLayout10.xml><?xml version="1.0" encoding="utf-8"?>
-<p:sldLayout xmlns:a="http://schemas.openxmlformats.org/drawingml/2006/main" xmlns:r="http://schemas.openxmlformats.org/officeDocument/2006/relationships" xmlns:p="http://schemas.openxmlformats.org/presentationml/2006/main" xmlns:m="http://schemas.openxmlformats.org/officeDocument/2006/math" xmlns:w="http://schemas.openxmlformats.org/wordprocessingml/2006/main" preserve="1" type="vertTx">
+<p:sldLayout xmlns:a="http://schemas.openxmlformats.org/drawingml/2006/main" xmlns:r="http://schemas.openxmlformats.org/officeDocument/2006/relationships" xmlns:p="http://schemas.openxmlformats.org/presentationml/2006/main" xmlns:m="http://schemas.openxmlformats.org/officeDocument/2006/math" xmlns:w="http://schemas.openxmlformats.org/wordprocessingml/2006/main" matchingName="" preserve="1" showMasterPhAnim="0" type="vertTx" userDrawn="1">
   <p:cSld name="Tytuł i tekst pionowy">
     <p:spTree>
       <p:nvGrpSpPr>
@@ -738,7 +1695,7 @@
         <p:cNvGrpSpPr/>
         <p:nvPr/>
       </p:nvGrpSpPr>
-      <p:grpSpPr>
+      <p:grpSpPr bwMode="auto">
         <a:xfrm>
           <a:off x="0" y="0"/>
           <a:ext cx="0" cy="0"/>
@@ -756,16 +1713,19 @@
             <p:ph type="title"/>
           </p:nvPr>
         </p:nvSpPr>
-        <p:spPr/>
-        <p:txBody>
-          <a:bodyPr/>
-          <a:lstStyle/>
-          <a:p>
-            <a:r>
-              <a:rPr lang="pl-PL" smtClean="0"/>
+        <p:spPr bwMode="auto"/>
+        <p:txBody>
+          <a:bodyPr/>
+          <a:lstStyle/>
+          <a:p>
+            <a:pPr>
+              <a:defRPr/>
+            </a:pPr>
+            <a:r>
+              <a:rPr lang="pl-PL"/>
               <a:t>Kliknij, aby edytować styl</a:t>
             </a:r>
-            <a:endParaRPr lang="pl-PL" dirty="0"/>
+            <a:endParaRPr lang="pl-PL"/>
           </a:p>
         </p:txBody>
       </p:sp>
@@ -779,45 +1739,59 @@
             <p:ph type="body" orient="vert" idx="1"/>
           </p:nvPr>
         </p:nvSpPr>
-        <p:spPr/>
+        <p:spPr bwMode="auto"/>
         <p:txBody>
           <a:bodyPr vert="eaVert"/>
           <a:lstStyle/>
           <a:p>
-            <a:pPr lvl="0"/>
-            <a:r>
-              <a:rPr lang="pl-PL" smtClean="0"/>
+            <a:pPr lvl="0">
+              <a:defRPr/>
+            </a:pPr>
+            <a:r>
+              <a:rPr lang="pl-PL"/>
               <a:t>Kliknij, aby edytować style wzorca tekstu</a:t>
             </a:r>
-          </a:p>
-          <a:p>
-            <a:pPr lvl="1"/>
-            <a:r>
-              <a:rPr lang="pl-PL" smtClean="0"/>
+            <a:endParaRPr/>
+          </a:p>
+          <a:p>
+            <a:pPr lvl="1">
+              <a:defRPr/>
+            </a:pPr>
+            <a:r>
+              <a:rPr lang="pl-PL"/>
               <a:t>Drugi poziom</a:t>
             </a:r>
-          </a:p>
-          <a:p>
-            <a:pPr lvl="2"/>
-            <a:r>
-              <a:rPr lang="pl-PL" smtClean="0"/>
+            <a:endParaRPr/>
+          </a:p>
+          <a:p>
+            <a:pPr lvl="2">
+              <a:defRPr/>
+            </a:pPr>
+            <a:r>
+              <a:rPr lang="pl-PL"/>
               <a:t>Trzeci poziom</a:t>
             </a:r>
-          </a:p>
-          <a:p>
-            <a:pPr lvl="3"/>
-            <a:r>
-              <a:rPr lang="pl-PL" smtClean="0"/>
+            <a:endParaRPr/>
+          </a:p>
+          <a:p>
+            <a:pPr lvl="3">
+              <a:defRPr/>
+            </a:pPr>
+            <a:r>
+              <a:rPr lang="pl-PL"/>
               <a:t>Czwarty poziom</a:t>
             </a:r>
-          </a:p>
-          <a:p>
-            <a:pPr lvl="4"/>
-            <a:r>
-              <a:rPr lang="pl-PL" smtClean="0"/>
+            <a:endParaRPr/>
+          </a:p>
+          <a:p>
+            <a:pPr lvl="4">
+              <a:defRPr/>
+            </a:pPr>
+            <a:r>
+              <a:rPr lang="pl-PL"/>
               <a:t>Piąty poziom</a:t>
             </a:r>
-            <a:endParaRPr lang="pl-PL" dirty="0"/>
+            <a:endParaRPr lang="pl-PL"/>
           </a:p>
         </p:txBody>
       </p:sp>
@@ -831,13 +1805,16 @@
             <p:ph type="dt" sz="half" idx="10"/>
           </p:nvPr>
         </p:nvSpPr>
-        <p:spPr/>
-        <p:txBody>
-          <a:bodyPr/>
-          <a:lstStyle/>
-          <a:p>
+        <p:spPr bwMode="auto"/>
+        <p:txBody>
+          <a:bodyPr/>
+          <a:lstStyle/>
+          <a:p>
+            <a:pPr>
+              <a:defRPr/>
+            </a:pPr>
             <a:fld id="{BCC18F51-09EC-435C-A3BA-64A766E099C0}" type="datetimeFigureOut">
-              <a:rPr lang="pl-PL" smtClean="0"/>
+              <a:rPr lang="pl-PL"/>
               <a:t>30.10.2013</a:t>
             </a:fld>
             <a:endParaRPr lang="pl-PL"/>
@@ -854,11 +1831,14 @@
             <p:ph type="ftr" sz="quarter" idx="11"/>
           </p:nvPr>
         </p:nvSpPr>
-        <p:spPr/>
-        <p:txBody>
-          <a:bodyPr/>
-          <a:lstStyle/>
-          <a:p>
+        <p:spPr bwMode="auto"/>
+        <p:txBody>
+          <a:bodyPr/>
+          <a:lstStyle/>
+          <a:p>
+            <a:pPr>
+              <a:defRPr/>
+            </a:pPr>
             <a:endParaRPr lang="pl-PL"/>
           </a:p>
         </p:txBody>
@@ -873,13 +1853,16 @@
             <p:ph type="sldNum" sz="quarter" idx="12"/>
           </p:nvPr>
         </p:nvSpPr>
-        <p:spPr/>
-        <p:txBody>
-          <a:bodyPr/>
-          <a:lstStyle/>
-          <a:p>
+        <p:spPr bwMode="auto"/>
+        <p:txBody>
+          <a:bodyPr/>
+          <a:lstStyle/>
+          <a:p>
+            <a:pPr>
+              <a:defRPr/>
+            </a:pPr>
             <a:fld id="{08395586-F03A-48D1-94DF-16B239DF4FB5}" type="slidenum">
-              <a:rPr lang="pl-PL" smtClean="0"/>
+              <a:rPr lang="pl-PL"/>
               <a:t>‹#›</a:t>
             </a:fld>
             <a:endParaRPr lang="pl-PL"/>
@@ -895,7 +1878,7 @@
 </file>
 
 <file path=ppt/slideLayouts/slideLayout11.xml><?xml version="1.0" encoding="utf-8"?>
-<p:sldLayout xmlns:a="http://schemas.openxmlformats.org/drawingml/2006/main" xmlns:r="http://schemas.openxmlformats.org/officeDocument/2006/relationships" xmlns:p="http://schemas.openxmlformats.org/presentationml/2006/main" xmlns:m="http://schemas.openxmlformats.org/officeDocument/2006/math" xmlns:w="http://schemas.openxmlformats.org/wordprocessingml/2006/main" preserve="1" type="vertTitleAndTx">
+<p:sldLayout xmlns:a="http://schemas.openxmlformats.org/drawingml/2006/main" xmlns:r="http://schemas.openxmlformats.org/officeDocument/2006/relationships" xmlns:p="http://schemas.openxmlformats.org/presentationml/2006/main" xmlns:m="http://schemas.openxmlformats.org/officeDocument/2006/math" xmlns:w="http://schemas.openxmlformats.org/wordprocessingml/2006/main" matchingName="" preserve="1" showMasterPhAnim="0" type="vertTitleAndTx" userDrawn="1">
   <p:cSld name="Tytuł pionowy i tekst">
     <p:spTree>
       <p:nvGrpSpPr>
@@ -903,7 +1886,7 @@
         <p:cNvGrpSpPr/>
         <p:nvPr/>
       </p:nvGrpSpPr>
-      <p:grpSpPr>
+      <p:grpSpPr bwMode="auto">
         <a:xfrm>
           <a:off x="0" y="0"/>
           <a:ext cx="0" cy="0"/>
@@ -921,7 +1904,7 @@
             <p:ph type="title" orient="vert"/>
           </p:nvPr>
         </p:nvSpPr>
-        <p:spPr>
+        <p:spPr bwMode="auto">
           <a:xfrm>
             <a:off x="8724900" y="365125"/>
             <a:ext cx="2628900" cy="5811838"/>
@@ -931,11 +1914,14 @@
           <a:bodyPr vert="eaVert"/>
           <a:lstStyle/>
           <a:p>
-            <a:r>
-              <a:rPr lang="pl-PL" smtClean="0"/>
+            <a:pPr>
+              <a:defRPr/>
+            </a:pPr>
+            <a:r>
+              <a:rPr lang="pl-PL"/>
               <a:t>Kliknij, aby edytować styl</a:t>
             </a:r>
-            <a:endParaRPr lang="pl-PL" dirty="0"/>
+            <a:endParaRPr lang="pl-PL"/>
           </a:p>
         </p:txBody>
       </p:sp>
@@ -949,7 +1935,7 @@
             <p:ph type="body" orient="vert" idx="1"/>
           </p:nvPr>
         </p:nvSpPr>
-        <p:spPr>
+        <p:spPr bwMode="auto">
           <a:xfrm>
             <a:off x="838200" y="365125"/>
             <a:ext cx="7734300" cy="5811838"/>
@@ -959,40 +1945,54 @@
           <a:bodyPr vert="eaVert"/>
           <a:lstStyle/>
           <a:p>
-            <a:pPr lvl="0"/>
-            <a:r>
-              <a:rPr lang="pl-PL" smtClean="0"/>
+            <a:pPr lvl="0">
+              <a:defRPr/>
+            </a:pPr>
+            <a:r>
+              <a:rPr lang="pl-PL"/>
               <a:t>Kliknij, aby edytować style wzorca tekstu</a:t>
             </a:r>
-          </a:p>
-          <a:p>
-            <a:pPr lvl="1"/>
-            <a:r>
-              <a:rPr lang="pl-PL" smtClean="0"/>
+            <a:endParaRPr/>
+          </a:p>
+          <a:p>
+            <a:pPr lvl="1">
+              <a:defRPr/>
+            </a:pPr>
+            <a:r>
+              <a:rPr lang="pl-PL"/>
               <a:t>Drugi poziom</a:t>
             </a:r>
-          </a:p>
-          <a:p>
-            <a:pPr lvl="2"/>
-            <a:r>
-              <a:rPr lang="pl-PL" smtClean="0"/>
+            <a:endParaRPr/>
+          </a:p>
+          <a:p>
+            <a:pPr lvl="2">
+              <a:defRPr/>
+            </a:pPr>
+            <a:r>
+              <a:rPr lang="pl-PL"/>
               <a:t>Trzeci poziom</a:t>
             </a:r>
-          </a:p>
-          <a:p>
-            <a:pPr lvl="3"/>
-            <a:r>
-              <a:rPr lang="pl-PL" smtClean="0"/>
+            <a:endParaRPr/>
+          </a:p>
+          <a:p>
+            <a:pPr lvl="3">
+              <a:defRPr/>
+            </a:pPr>
+            <a:r>
+              <a:rPr lang="pl-PL"/>
               <a:t>Czwarty poziom</a:t>
             </a:r>
-          </a:p>
-          <a:p>
-            <a:pPr lvl="4"/>
-            <a:r>
-              <a:rPr lang="pl-PL" smtClean="0"/>
+            <a:endParaRPr/>
+          </a:p>
+          <a:p>
+            <a:pPr lvl="4">
+              <a:defRPr/>
+            </a:pPr>
+            <a:r>
+              <a:rPr lang="pl-PL"/>
               <a:t>Piąty poziom</a:t>
             </a:r>
-            <a:endParaRPr lang="pl-PL" dirty="0"/>
+            <a:endParaRPr lang="pl-PL"/>
           </a:p>
         </p:txBody>
       </p:sp>
@@ -1006,13 +2006,16 @@
             <p:ph type="dt" sz="half" idx="10"/>
           </p:nvPr>
         </p:nvSpPr>
-        <p:spPr/>
-        <p:txBody>
-          <a:bodyPr/>
-          <a:lstStyle/>
-          <a:p>
+        <p:spPr bwMode="auto"/>
+        <p:txBody>
+          <a:bodyPr/>
+          <a:lstStyle/>
+          <a:p>
+            <a:pPr>
+              <a:defRPr/>
+            </a:pPr>
             <a:fld id="{BCC18F51-09EC-435C-A3BA-64A766E099C0}" type="datetimeFigureOut">
-              <a:rPr lang="pl-PL" smtClean="0"/>
+              <a:rPr lang="pl-PL"/>
               <a:t>30.10.2013</a:t>
             </a:fld>
             <a:endParaRPr lang="pl-PL"/>
@@ -1029,11 +2032,14 @@
             <p:ph type="ftr" sz="quarter" idx="11"/>
           </p:nvPr>
         </p:nvSpPr>
-        <p:spPr/>
-        <p:txBody>
-          <a:bodyPr/>
-          <a:lstStyle/>
-          <a:p>
+        <p:spPr bwMode="auto"/>
+        <p:txBody>
+          <a:bodyPr/>
+          <a:lstStyle/>
+          <a:p>
+            <a:pPr>
+              <a:defRPr/>
+            </a:pPr>
             <a:endParaRPr lang="pl-PL"/>
           </a:p>
         </p:txBody>
@@ -1048,13 +2054,16 @@
             <p:ph type="sldNum" sz="quarter" idx="12"/>
           </p:nvPr>
         </p:nvSpPr>
-        <p:spPr/>
-        <p:txBody>
-          <a:bodyPr/>
-          <a:lstStyle/>
-          <a:p>
+        <p:spPr bwMode="auto"/>
+        <p:txBody>
+          <a:bodyPr/>
+          <a:lstStyle/>
+          <a:p>
+            <a:pPr>
+              <a:defRPr/>
+            </a:pPr>
             <a:fld id="{08395586-F03A-48D1-94DF-16B239DF4FB5}" type="slidenum">
-              <a:rPr lang="pl-PL" smtClean="0"/>
+              <a:rPr lang="pl-PL"/>
               <a:t>‹#›</a:t>
             </a:fld>
             <a:endParaRPr lang="pl-PL"/>
@@ -1070,7 +2079,7 @@
 </file>
 
 <file path=ppt/slideLayouts/slideLayout2.xml><?xml version="1.0" encoding="utf-8"?>
-<p:sldLayout xmlns:a="http://schemas.openxmlformats.org/drawingml/2006/main" xmlns:r="http://schemas.openxmlformats.org/officeDocument/2006/relationships" xmlns:p="http://schemas.openxmlformats.org/presentationml/2006/main" xmlns:m="http://schemas.openxmlformats.org/officeDocument/2006/math" xmlns:w="http://schemas.openxmlformats.org/wordprocessingml/2006/main" preserve="1" type="obj">
+<p:sldLayout xmlns:a="http://schemas.openxmlformats.org/drawingml/2006/main" xmlns:r="http://schemas.openxmlformats.org/officeDocument/2006/relationships" xmlns:p="http://schemas.openxmlformats.org/presentationml/2006/main" xmlns:m="http://schemas.openxmlformats.org/officeDocument/2006/math" xmlns:w="http://schemas.openxmlformats.org/wordprocessingml/2006/main" matchingName="" preserve="1" showMasterPhAnim="0" type="obj" userDrawn="1">
   <p:cSld name="Tytuł i zawartość">
     <p:spTree>
       <p:nvGrpSpPr>
@@ -1078,7 +2087,7 @@
         <p:cNvGrpSpPr/>
         <p:nvPr/>
       </p:nvGrpSpPr>
-      <p:grpSpPr>
+      <p:grpSpPr bwMode="auto">
         <a:xfrm>
           <a:off x="0" y="0"/>
           <a:ext cx="0" cy="0"/>
@@ -1096,16 +2105,19 @@
             <p:ph type="title"/>
           </p:nvPr>
         </p:nvSpPr>
-        <p:spPr/>
-        <p:txBody>
-          <a:bodyPr/>
-          <a:lstStyle/>
-          <a:p>
-            <a:r>
-              <a:rPr lang="pl-PL" smtClean="0"/>
+        <p:spPr bwMode="auto"/>
+        <p:txBody>
+          <a:bodyPr/>
+          <a:lstStyle/>
+          <a:p>
+            <a:pPr>
+              <a:defRPr/>
+            </a:pPr>
+            <a:r>
+              <a:rPr lang="pl-PL"/>
               <a:t>Kliknij, aby edytować styl</a:t>
             </a:r>
-            <a:endParaRPr lang="pl-PL" dirty="0"/>
+            <a:endParaRPr lang="pl-PL"/>
           </a:p>
         </p:txBody>
       </p:sp>
@@ -1119,45 +2131,59 @@
             <p:ph idx="1"/>
           </p:nvPr>
         </p:nvSpPr>
-        <p:spPr/>
-        <p:txBody>
-          <a:bodyPr/>
-          <a:lstStyle/>
-          <a:p>
-            <a:pPr lvl="0"/>
-            <a:r>
-              <a:rPr lang="pl-PL" smtClean="0"/>
+        <p:spPr bwMode="auto"/>
+        <p:txBody>
+          <a:bodyPr/>
+          <a:lstStyle/>
+          <a:p>
+            <a:pPr lvl="0">
+              <a:defRPr/>
+            </a:pPr>
+            <a:r>
+              <a:rPr lang="pl-PL"/>
               <a:t>Kliknij, aby edytować style wzorca tekstu</a:t>
             </a:r>
-          </a:p>
-          <a:p>
-            <a:pPr lvl="1"/>
-            <a:r>
-              <a:rPr lang="pl-PL" smtClean="0"/>
+            <a:endParaRPr/>
+          </a:p>
+          <a:p>
+            <a:pPr lvl="1">
+              <a:defRPr/>
+            </a:pPr>
+            <a:r>
+              <a:rPr lang="pl-PL"/>
               <a:t>Drugi poziom</a:t>
             </a:r>
-          </a:p>
-          <a:p>
-            <a:pPr lvl="2"/>
-            <a:r>
-              <a:rPr lang="pl-PL" smtClean="0"/>
+            <a:endParaRPr/>
+          </a:p>
+          <a:p>
+            <a:pPr lvl="2">
+              <a:defRPr/>
+            </a:pPr>
+            <a:r>
+              <a:rPr lang="pl-PL"/>
               <a:t>Trzeci poziom</a:t>
             </a:r>
-          </a:p>
-          <a:p>
-            <a:pPr lvl="3"/>
-            <a:r>
-              <a:rPr lang="pl-PL" smtClean="0"/>
+            <a:endParaRPr/>
+          </a:p>
+          <a:p>
+            <a:pPr lvl="3">
+              <a:defRPr/>
+            </a:pPr>
+            <a:r>
+              <a:rPr lang="pl-PL"/>
               <a:t>Czwarty poziom</a:t>
             </a:r>
-          </a:p>
-          <a:p>
-            <a:pPr lvl="4"/>
-            <a:r>
-              <a:rPr lang="pl-PL" smtClean="0"/>
+            <a:endParaRPr/>
+          </a:p>
+          <a:p>
+            <a:pPr lvl="4">
+              <a:defRPr/>
+            </a:pPr>
+            <a:r>
+              <a:rPr lang="pl-PL"/>
               <a:t>Piąty poziom</a:t>
             </a:r>
-            <a:endParaRPr lang="pl-PL" dirty="0"/>
+            <a:endParaRPr lang="pl-PL"/>
           </a:p>
         </p:txBody>
       </p:sp>
@@ -1171,13 +2197,16 @@
             <p:ph type="dt" sz="half" idx="10"/>
           </p:nvPr>
         </p:nvSpPr>
-        <p:spPr/>
-        <p:txBody>
-          <a:bodyPr/>
-          <a:lstStyle/>
-          <a:p>
+        <p:spPr bwMode="auto"/>
+        <p:txBody>
+          <a:bodyPr/>
+          <a:lstStyle/>
+          <a:p>
+            <a:pPr>
+              <a:defRPr/>
+            </a:pPr>
             <a:fld id="{BCC18F51-09EC-435C-A3BA-64A766E099C0}" type="datetimeFigureOut">
-              <a:rPr lang="pl-PL" smtClean="0"/>
+              <a:rPr lang="pl-PL"/>
               <a:t>30.10.2013</a:t>
             </a:fld>
             <a:endParaRPr lang="pl-PL"/>
@@ -1194,11 +2223,14 @@
             <p:ph type="ftr" sz="quarter" idx="11"/>
           </p:nvPr>
         </p:nvSpPr>
-        <p:spPr/>
-        <p:txBody>
-          <a:bodyPr/>
-          <a:lstStyle/>
-          <a:p>
+        <p:spPr bwMode="auto"/>
+        <p:txBody>
+          <a:bodyPr/>
+          <a:lstStyle/>
+          <a:p>
+            <a:pPr>
+              <a:defRPr/>
+            </a:pPr>
             <a:endParaRPr lang="pl-PL"/>
           </a:p>
         </p:txBody>
@@ -1213,13 +2245,16 @@
             <p:ph type="sldNum" sz="quarter" idx="12"/>
           </p:nvPr>
         </p:nvSpPr>
-        <p:spPr/>
-        <p:txBody>
-          <a:bodyPr/>
-          <a:lstStyle/>
-          <a:p>
+        <p:spPr bwMode="auto"/>
+        <p:txBody>
+          <a:bodyPr/>
+          <a:lstStyle/>
+          <a:p>
+            <a:pPr>
+              <a:defRPr/>
+            </a:pPr>
             <a:fld id="{08395586-F03A-48D1-94DF-16B239DF4FB5}" type="slidenum">
-              <a:rPr lang="pl-PL" smtClean="0"/>
+              <a:rPr lang="pl-PL"/>
               <a:t>‹#›</a:t>
             </a:fld>
             <a:endParaRPr lang="pl-PL"/>
@@ -1235,7 +2270,7 @@
 </file>
 
 <file path=ppt/slideLayouts/slideLayout3.xml><?xml version="1.0" encoding="utf-8"?>
-<p:sldLayout xmlns:a="http://schemas.openxmlformats.org/drawingml/2006/main" xmlns:r="http://schemas.openxmlformats.org/officeDocument/2006/relationships" xmlns:p="http://schemas.openxmlformats.org/presentationml/2006/main" xmlns:m="http://schemas.openxmlformats.org/officeDocument/2006/math" xmlns:w="http://schemas.openxmlformats.org/wordprocessingml/2006/main" preserve="1" type="secHead">
+<p:sldLayout xmlns:a="http://schemas.openxmlformats.org/drawingml/2006/main" xmlns:r="http://schemas.openxmlformats.org/officeDocument/2006/relationships" xmlns:p="http://schemas.openxmlformats.org/presentationml/2006/main" xmlns:m="http://schemas.openxmlformats.org/officeDocument/2006/math" xmlns:w="http://schemas.openxmlformats.org/wordprocessingml/2006/main" matchingName="" preserve="1" showMasterPhAnim="0" type="secHead" userDrawn="1">
   <p:cSld name="Nagłówek sekcji">
     <p:spTree>
       <p:nvGrpSpPr>
@@ -1243,7 +2278,7 @@
         <p:cNvGrpSpPr/>
         <p:nvPr/>
       </p:nvGrpSpPr>
-      <p:grpSpPr>
+      <p:grpSpPr bwMode="auto">
         <a:xfrm>
           <a:off x="0" y="0"/>
           <a:ext cx="0" cy="0"/>
@@ -1261,7 +2296,7 @@
             <p:ph type="title"/>
           </p:nvPr>
         </p:nvSpPr>
-        <p:spPr>
+        <p:spPr bwMode="auto">
           <a:xfrm>
             <a:off x="831850" y="1709738"/>
             <a:ext cx="10515600" cy="2852737"/>
@@ -1275,11 +2310,14 @@
             </a:lvl1pPr>
           </a:lstStyle>
           <a:p>
-            <a:r>
-              <a:rPr lang="pl-PL" smtClean="0"/>
+            <a:pPr>
+              <a:defRPr/>
+            </a:pPr>
+            <a:r>
+              <a:rPr lang="pl-PL"/>
               <a:t>Kliknij, aby edytować styl</a:t>
             </a:r>
-            <a:endParaRPr lang="pl-PL" dirty="0"/>
+            <a:endParaRPr lang="pl-PL"/>
           </a:p>
         </p:txBody>
       </p:sp>
@@ -1293,7 +2331,7 @@
             <p:ph type="body" idx="1"/>
           </p:nvPr>
         </p:nvSpPr>
-        <p:spPr>
+        <p:spPr bwMode="auto">
           <a:xfrm>
             <a:off x="831850" y="4589463"/>
             <a:ext cx="10515600" cy="1500187"/>
@@ -1394,11 +2432,14 @@
             </a:lvl9pPr>
           </a:lstStyle>
           <a:p>
-            <a:pPr lvl="0"/>
-            <a:r>
-              <a:rPr lang="pl-PL" smtClean="0"/>
+            <a:pPr lvl="0">
+              <a:defRPr/>
+            </a:pPr>
+            <a:r>
+              <a:rPr lang="pl-PL"/>
               <a:t>Kliknij, aby edytować style wzorca tekstu</a:t>
             </a:r>
+            <a:endParaRPr/>
           </a:p>
         </p:txBody>
       </p:sp>
@@ -1412,13 +2453,16 @@
             <p:ph type="dt" sz="half" idx="10"/>
           </p:nvPr>
         </p:nvSpPr>
-        <p:spPr/>
-        <p:txBody>
-          <a:bodyPr/>
-          <a:lstStyle/>
-          <a:p>
+        <p:spPr bwMode="auto"/>
+        <p:txBody>
+          <a:bodyPr/>
+          <a:lstStyle/>
+          <a:p>
+            <a:pPr>
+              <a:defRPr/>
+            </a:pPr>
             <a:fld id="{BCC18F51-09EC-435C-A3BA-64A766E099C0}" type="datetimeFigureOut">
-              <a:rPr lang="pl-PL" smtClean="0"/>
+              <a:rPr lang="pl-PL"/>
               <a:t>30.10.2013</a:t>
             </a:fld>
             <a:endParaRPr lang="pl-PL"/>
@@ -1435,11 +2479,14 @@
             <p:ph type="ftr" sz="quarter" idx="11"/>
           </p:nvPr>
         </p:nvSpPr>
-        <p:spPr/>
-        <p:txBody>
-          <a:bodyPr/>
-          <a:lstStyle/>
-          <a:p>
+        <p:spPr bwMode="auto"/>
+        <p:txBody>
+          <a:bodyPr/>
+          <a:lstStyle/>
+          <a:p>
+            <a:pPr>
+              <a:defRPr/>
+            </a:pPr>
             <a:endParaRPr lang="pl-PL"/>
           </a:p>
         </p:txBody>
@@ -1454,13 +2501,16 @@
             <p:ph type="sldNum" sz="quarter" idx="12"/>
           </p:nvPr>
         </p:nvSpPr>
-        <p:spPr/>
-        <p:txBody>
-          <a:bodyPr/>
-          <a:lstStyle/>
-          <a:p>
+        <p:spPr bwMode="auto"/>
+        <p:txBody>
+          <a:bodyPr/>
+          <a:lstStyle/>
+          <a:p>
+            <a:pPr>
+              <a:defRPr/>
+            </a:pPr>
             <a:fld id="{08395586-F03A-48D1-94DF-16B239DF4FB5}" type="slidenum">
-              <a:rPr lang="pl-PL" smtClean="0"/>
+              <a:rPr lang="pl-PL"/>
               <a:t>‹#›</a:t>
             </a:fld>
             <a:endParaRPr lang="pl-PL"/>
@@ -1476,7 +2526,7 @@
 </file>
 
 <file path=ppt/slideLayouts/slideLayout4.xml><?xml version="1.0" encoding="utf-8"?>
-<p:sldLayout xmlns:a="http://schemas.openxmlformats.org/drawingml/2006/main" xmlns:r="http://schemas.openxmlformats.org/officeDocument/2006/relationships" xmlns:p="http://schemas.openxmlformats.org/presentationml/2006/main" xmlns:m="http://schemas.openxmlformats.org/officeDocument/2006/math" xmlns:w="http://schemas.openxmlformats.org/wordprocessingml/2006/main" preserve="1" type="twoObj">
+<p:sldLayout xmlns:a="http://schemas.openxmlformats.org/drawingml/2006/main" xmlns:r="http://schemas.openxmlformats.org/officeDocument/2006/relationships" xmlns:p="http://schemas.openxmlformats.org/presentationml/2006/main" xmlns:m="http://schemas.openxmlformats.org/officeDocument/2006/math" xmlns:w="http://schemas.openxmlformats.org/wordprocessingml/2006/main" matchingName="" preserve="1" showMasterPhAnim="0" type="twoObj" userDrawn="1">
   <p:cSld name="Dwa elementy zawartości">
     <p:spTree>
       <p:nvGrpSpPr>
@@ -1484,7 +2534,7 @@
         <p:cNvGrpSpPr/>
         <p:nvPr/>
       </p:nvGrpSpPr>
-      <p:grpSpPr>
+      <p:grpSpPr bwMode="auto">
         <a:xfrm>
           <a:off x="0" y="0"/>
           <a:ext cx="0" cy="0"/>
@@ -1502,16 +2552,19 @@
             <p:ph type="title"/>
           </p:nvPr>
         </p:nvSpPr>
-        <p:spPr/>
-        <p:txBody>
-          <a:bodyPr/>
-          <a:lstStyle/>
-          <a:p>
-            <a:r>
-              <a:rPr lang="pl-PL" smtClean="0"/>
+        <p:spPr bwMode="auto"/>
+        <p:txBody>
+          <a:bodyPr/>
+          <a:lstStyle/>
+          <a:p>
+            <a:pPr>
+              <a:defRPr/>
+            </a:pPr>
+            <a:r>
+              <a:rPr lang="pl-PL"/>
               <a:t>Kliknij, aby edytować styl</a:t>
             </a:r>
-            <a:endParaRPr lang="pl-PL" dirty="0"/>
+            <a:endParaRPr lang="pl-PL"/>
           </a:p>
         </p:txBody>
       </p:sp>
@@ -1525,7 +2578,7 @@
             <p:ph sz="half" idx="1"/>
           </p:nvPr>
         </p:nvSpPr>
-        <p:spPr>
+        <p:spPr bwMode="auto">
           <a:xfrm>
             <a:off x="838200" y="1825625"/>
             <a:ext cx="5181600" cy="4351338"/>
@@ -1535,40 +2588,54 @@
           <a:bodyPr/>
           <a:lstStyle/>
           <a:p>
-            <a:pPr lvl="0"/>
-            <a:r>
-              <a:rPr lang="pl-PL" smtClean="0"/>
+            <a:pPr lvl="0">
+              <a:defRPr/>
+            </a:pPr>
+            <a:r>
+              <a:rPr lang="pl-PL"/>
               <a:t>Kliknij, aby edytować style wzorca tekstu</a:t>
             </a:r>
-          </a:p>
-          <a:p>
-            <a:pPr lvl="1"/>
-            <a:r>
-              <a:rPr lang="pl-PL" smtClean="0"/>
+            <a:endParaRPr/>
+          </a:p>
+          <a:p>
+            <a:pPr lvl="1">
+              <a:defRPr/>
+            </a:pPr>
+            <a:r>
+              <a:rPr lang="pl-PL"/>
               <a:t>Drugi poziom</a:t>
             </a:r>
-          </a:p>
-          <a:p>
-            <a:pPr lvl="2"/>
-            <a:r>
-              <a:rPr lang="pl-PL" smtClean="0"/>
+            <a:endParaRPr/>
+          </a:p>
+          <a:p>
+            <a:pPr lvl="2">
+              <a:defRPr/>
+            </a:pPr>
+            <a:r>
+              <a:rPr lang="pl-PL"/>
               <a:t>Trzeci poziom</a:t>
             </a:r>
-          </a:p>
-          <a:p>
-            <a:pPr lvl="3"/>
-            <a:r>
-              <a:rPr lang="pl-PL" smtClean="0"/>
+            <a:endParaRPr/>
+          </a:p>
+          <a:p>
+            <a:pPr lvl="3">
+              <a:defRPr/>
+            </a:pPr>
+            <a:r>
+              <a:rPr lang="pl-PL"/>
               <a:t>Czwarty poziom</a:t>
             </a:r>
-          </a:p>
-          <a:p>
-            <a:pPr lvl="4"/>
-            <a:r>
-              <a:rPr lang="pl-PL" smtClean="0"/>
+            <a:endParaRPr/>
+          </a:p>
+          <a:p>
+            <a:pPr lvl="4">
+              <a:defRPr/>
+            </a:pPr>
+            <a:r>
+              <a:rPr lang="pl-PL"/>
               <a:t>Piąty poziom</a:t>
             </a:r>
-            <a:endParaRPr lang="pl-PL" dirty="0"/>
+            <a:endParaRPr lang="pl-PL"/>
           </a:p>
         </p:txBody>
       </p:sp>
@@ -1582,7 +2649,7 @@
             <p:ph sz="half" idx="2"/>
           </p:nvPr>
         </p:nvSpPr>
-        <p:spPr>
+        <p:spPr bwMode="auto">
           <a:xfrm>
             <a:off x="6172200" y="1825625"/>
             <a:ext cx="5181600" cy="4351338"/>
@@ -1592,40 +2659,54 @@
           <a:bodyPr/>
           <a:lstStyle/>
           <a:p>
-            <a:pPr lvl="0"/>
-            <a:r>
-              <a:rPr lang="pl-PL" smtClean="0"/>
+            <a:pPr lvl="0">
+              <a:defRPr/>
+            </a:pPr>
+            <a:r>
+              <a:rPr lang="pl-PL"/>
               <a:t>Kliknij, aby edytować style wzorca tekstu</a:t>
             </a:r>
-          </a:p>
-          <a:p>
-            <a:pPr lvl="1"/>
-            <a:r>
-              <a:rPr lang="pl-PL" smtClean="0"/>
+            <a:endParaRPr/>
+          </a:p>
+          <a:p>
+            <a:pPr lvl="1">
+              <a:defRPr/>
+            </a:pPr>
+            <a:r>
+              <a:rPr lang="pl-PL"/>
               <a:t>Drugi poziom</a:t>
             </a:r>
-          </a:p>
-          <a:p>
-            <a:pPr lvl="2"/>
-            <a:r>
-              <a:rPr lang="pl-PL" smtClean="0"/>
+            <a:endParaRPr/>
+          </a:p>
+          <a:p>
+            <a:pPr lvl="2">
+              <a:defRPr/>
+            </a:pPr>
+            <a:r>
+              <a:rPr lang="pl-PL"/>
               <a:t>Trzeci poziom</a:t>
             </a:r>
-          </a:p>
-          <a:p>
-            <a:pPr lvl="3"/>
-            <a:r>
-              <a:rPr lang="pl-PL" smtClean="0"/>
+            <a:endParaRPr/>
+          </a:p>
+          <a:p>
+            <a:pPr lvl="3">
+              <a:defRPr/>
+            </a:pPr>
+            <a:r>
+              <a:rPr lang="pl-PL"/>
               <a:t>Czwarty poziom</a:t>
             </a:r>
-          </a:p>
-          <a:p>
-            <a:pPr lvl="4"/>
-            <a:r>
-              <a:rPr lang="pl-PL" smtClean="0"/>
+            <a:endParaRPr/>
+          </a:p>
+          <a:p>
+            <a:pPr lvl="4">
+              <a:defRPr/>
+            </a:pPr>
+            <a:r>
+              <a:rPr lang="pl-PL"/>
               <a:t>Piąty poziom</a:t>
             </a:r>
-            <a:endParaRPr lang="pl-PL" dirty="0"/>
+            <a:endParaRPr lang="pl-PL"/>
           </a:p>
         </p:txBody>
       </p:sp>
@@ -1639,13 +2720,16 @@
             <p:ph type="dt" sz="half" idx="10"/>
           </p:nvPr>
         </p:nvSpPr>
-        <p:spPr/>
-        <p:txBody>
-          <a:bodyPr/>
-          <a:lstStyle/>
-          <a:p>
+        <p:spPr bwMode="auto"/>
+        <p:txBody>
+          <a:bodyPr/>
+          <a:lstStyle/>
+          <a:p>
+            <a:pPr>
+              <a:defRPr/>
+            </a:pPr>
             <a:fld id="{BCC18F51-09EC-435C-A3BA-64A766E099C0}" type="datetimeFigureOut">
-              <a:rPr lang="pl-PL" smtClean="0"/>
+              <a:rPr lang="pl-PL"/>
               <a:t>30.10.2013</a:t>
             </a:fld>
             <a:endParaRPr lang="pl-PL"/>
@@ -1662,11 +2746,14 @@
             <p:ph type="ftr" sz="quarter" idx="11"/>
           </p:nvPr>
         </p:nvSpPr>
-        <p:spPr/>
-        <p:txBody>
-          <a:bodyPr/>
-          <a:lstStyle/>
-          <a:p>
+        <p:spPr bwMode="auto"/>
+        <p:txBody>
+          <a:bodyPr/>
+          <a:lstStyle/>
+          <a:p>
+            <a:pPr>
+              <a:defRPr/>
+            </a:pPr>
             <a:endParaRPr lang="pl-PL"/>
           </a:p>
         </p:txBody>
@@ -1681,13 +2768,16 @@
             <p:ph type="sldNum" sz="quarter" idx="12"/>
           </p:nvPr>
         </p:nvSpPr>
-        <p:spPr/>
-        <p:txBody>
-          <a:bodyPr/>
-          <a:lstStyle/>
-          <a:p>
+        <p:spPr bwMode="auto"/>
+        <p:txBody>
+          <a:bodyPr/>
+          <a:lstStyle/>
+          <a:p>
+            <a:pPr>
+              <a:defRPr/>
+            </a:pPr>
             <a:fld id="{08395586-F03A-48D1-94DF-16B239DF4FB5}" type="slidenum">
-              <a:rPr lang="pl-PL" smtClean="0"/>
+              <a:rPr lang="pl-PL"/>
               <a:t>‹#›</a:t>
             </a:fld>
             <a:endParaRPr lang="pl-PL"/>
@@ -1703,7 +2793,7 @@
 </file>
 
 <file path=ppt/slideLayouts/slideLayout5.xml><?xml version="1.0" encoding="utf-8"?>
-<p:sldLayout xmlns:a="http://schemas.openxmlformats.org/drawingml/2006/main" xmlns:r="http://schemas.openxmlformats.org/officeDocument/2006/relationships" xmlns:p="http://schemas.openxmlformats.org/presentationml/2006/main" xmlns:m="http://schemas.openxmlformats.org/officeDocument/2006/math" xmlns:w="http://schemas.openxmlformats.org/wordprocessingml/2006/main" preserve="1" type="twoTxTwoObj">
+<p:sldLayout xmlns:a="http://schemas.openxmlformats.org/drawingml/2006/main" xmlns:r="http://schemas.openxmlformats.org/officeDocument/2006/relationships" xmlns:p="http://schemas.openxmlformats.org/presentationml/2006/main" xmlns:m="http://schemas.openxmlformats.org/officeDocument/2006/math" xmlns:w="http://schemas.openxmlformats.org/wordprocessingml/2006/main" matchingName="" preserve="1" showMasterPhAnim="0" type="twoTxTwoObj" userDrawn="1">
   <p:cSld name="Porównanie">
     <p:spTree>
       <p:nvGrpSpPr>
@@ -1711,7 +2801,7 @@
         <p:cNvGrpSpPr/>
         <p:nvPr/>
       </p:nvGrpSpPr>
-      <p:grpSpPr>
+      <p:grpSpPr bwMode="auto">
         <a:xfrm>
           <a:off x="0" y="0"/>
           <a:ext cx="0" cy="0"/>
@@ -1729,7 +2819,7 @@
             <p:ph type="title"/>
           </p:nvPr>
         </p:nvSpPr>
-        <p:spPr>
+        <p:spPr bwMode="auto">
           <a:xfrm>
             <a:off x="839788" y="365125"/>
             <a:ext cx="10515600" cy="1325563"/>
@@ -1739,11 +2829,14 @@
           <a:bodyPr/>
           <a:lstStyle/>
           <a:p>
-            <a:r>
-              <a:rPr lang="pl-PL" smtClean="0"/>
+            <a:pPr>
+              <a:defRPr/>
+            </a:pPr>
+            <a:r>
+              <a:rPr lang="pl-PL"/>
               <a:t>Kliknij, aby edytować styl</a:t>
             </a:r>
-            <a:endParaRPr lang="pl-PL" dirty="0"/>
+            <a:endParaRPr lang="pl-PL"/>
           </a:p>
         </p:txBody>
       </p:sp>
@@ -1757,7 +2850,7 @@
             <p:ph type="body" idx="1"/>
           </p:nvPr>
         </p:nvSpPr>
-        <p:spPr>
+        <p:spPr bwMode="auto">
           <a:xfrm>
             <a:off x="839788" y="1681163"/>
             <a:ext cx="5157787" cy="823912"/>
@@ -1804,11 +2897,14 @@
             </a:lvl9pPr>
           </a:lstStyle>
           <a:p>
-            <a:pPr lvl="0"/>
-            <a:r>
-              <a:rPr lang="pl-PL" smtClean="0"/>
+            <a:pPr lvl="0">
+              <a:defRPr/>
+            </a:pPr>
+            <a:r>
+              <a:rPr lang="pl-PL"/>
               <a:t>Kliknij, aby edytować style wzorca tekstu</a:t>
             </a:r>
+            <a:endParaRPr/>
           </a:p>
         </p:txBody>
       </p:sp>
@@ -1822,9 +2918,9 @@
             <p:ph sz="half" idx="2"/>
           </p:nvPr>
         </p:nvSpPr>
-        <p:spPr>
+        <p:spPr bwMode="auto">
           <a:xfrm>
-            <a:off x="839788" y="2505075"/>
+            <a:off x="839788" y="2505074"/>
             <a:ext cx="5157787" cy="3684588"/>
           </a:xfrm>
         </p:spPr>
@@ -1832,40 +2928,54 @@
           <a:bodyPr/>
           <a:lstStyle/>
           <a:p>
-            <a:pPr lvl="0"/>
-            <a:r>
-              <a:rPr lang="pl-PL" smtClean="0"/>
+            <a:pPr lvl="0">
+              <a:defRPr/>
+            </a:pPr>
+            <a:r>
+              <a:rPr lang="pl-PL"/>
               <a:t>Kliknij, aby edytować style wzorca tekstu</a:t>
             </a:r>
-          </a:p>
-          <a:p>
-            <a:pPr lvl="1"/>
-            <a:r>
-              <a:rPr lang="pl-PL" smtClean="0"/>
+            <a:endParaRPr/>
+          </a:p>
+          <a:p>
+            <a:pPr lvl="1">
+              <a:defRPr/>
+            </a:pPr>
+            <a:r>
+              <a:rPr lang="pl-PL"/>
               <a:t>Drugi poziom</a:t>
             </a:r>
-          </a:p>
-          <a:p>
-            <a:pPr lvl="2"/>
-            <a:r>
-              <a:rPr lang="pl-PL" smtClean="0"/>
+            <a:endParaRPr/>
+          </a:p>
+          <a:p>
+            <a:pPr lvl="2">
+              <a:defRPr/>
+            </a:pPr>
+            <a:r>
+              <a:rPr lang="pl-PL"/>
               <a:t>Trzeci poziom</a:t>
             </a:r>
-          </a:p>
-          <a:p>
-            <a:pPr lvl="3"/>
-            <a:r>
-              <a:rPr lang="pl-PL" smtClean="0"/>
+            <a:endParaRPr/>
+          </a:p>
+          <a:p>
+            <a:pPr lvl="3">
+              <a:defRPr/>
+            </a:pPr>
+            <a:r>
+              <a:rPr lang="pl-PL"/>
               <a:t>Czwarty poziom</a:t>
             </a:r>
-          </a:p>
-          <a:p>
-            <a:pPr lvl="4"/>
-            <a:r>
-              <a:rPr lang="pl-PL" smtClean="0"/>
+            <a:endParaRPr/>
+          </a:p>
+          <a:p>
+            <a:pPr lvl="4">
+              <a:defRPr/>
+            </a:pPr>
+            <a:r>
+              <a:rPr lang="pl-PL"/>
               <a:t>Piąty poziom</a:t>
             </a:r>
-            <a:endParaRPr lang="pl-PL" dirty="0"/>
+            <a:endParaRPr lang="pl-PL"/>
           </a:p>
         </p:txBody>
       </p:sp>
@@ -1879,7 +2989,7 @@
             <p:ph type="body" sz="quarter" idx="3"/>
           </p:nvPr>
         </p:nvSpPr>
-        <p:spPr>
+        <p:spPr bwMode="auto">
           <a:xfrm>
             <a:off x="6172200" y="1681163"/>
             <a:ext cx="5183188" cy="823912"/>
@@ -1926,11 +3036,14 @@
             </a:lvl9pPr>
           </a:lstStyle>
           <a:p>
-            <a:pPr lvl="0"/>
-            <a:r>
-              <a:rPr lang="pl-PL" smtClean="0"/>
+            <a:pPr lvl="0">
+              <a:defRPr/>
+            </a:pPr>
+            <a:r>
+              <a:rPr lang="pl-PL"/>
               <a:t>Kliknij, aby edytować style wzorca tekstu</a:t>
             </a:r>
+            <a:endParaRPr/>
           </a:p>
         </p:txBody>
       </p:sp>
@@ -1944,9 +3057,9 @@
             <p:ph sz="quarter" idx="4"/>
           </p:nvPr>
         </p:nvSpPr>
-        <p:spPr>
+        <p:spPr bwMode="auto">
           <a:xfrm>
-            <a:off x="6172200" y="2505075"/>
+            <a:off x="6172200" y="2505074"/>
             <a:ext cx="5183188" cy="3684588"/>
           </a:xfrm>
         </p:spPr>
@@ -1954,40 +3067,54 @@
           <a:bodyPr/>
           <a:lstStyle/>
           <a:p>
-            <a:pPr lvl="0"/>
-            <a:r>
-              <a:rPr lang="pl-PL" smtClean="0"/>
+            <a:pPr lvl="0">
+              <a:defRPr/>
+            </a:pPr>
+            <a:r>
+              <a:rPr lang="pl-PL"/>
               <a:t>Kliknij, aby edytować style wzorca tekstu</a:t>
             </a:r>
-          </a:p>
-          <a:p>
-            <a:pPr lvl="1"/>
-            <a:r>
-              <a:rPr lang="pl-PL" smtClean="0"/>
+            <a:endParaRPr/>
+          </a:p>
+          <a:p>
+            <a:pPr lvl="1">
+              <a:defRPr/>
+            </a:pPr>
+            <a:r>
+              <a:rPr lang="pl-PL"/>
               <a:t>Drugi poziom</a:t>
             </a:r>
-          </a:p>
-          <a:p>
-            <a:pPr lvl="2"/>
-            <a:r>
-              <a:rPr lang="pl-PL" smtClean="0"/>
+            <a:endParaRPr/>
+          </a:p>
+          <a:p>
+            <a:pPr lvl="2">
+              <a:defRPr/>
+            </a:pPr>
+            <a:r>
+              <a:rPr lang="pl-PL"/>
               <a:t>Trzeci poziom</a:t>
             </a:r>
-          </a:p>
-          <a:p>
-            <a:pPr lvl="3"/>
-            <a:r>
-              <a:rPr lang="pl-PL" smtClean="0"/>
+            <a:endParaRPr/>
+          </a:p>
+          <a:p>
+            <a:pPr lvl="3">
+              <a:defRPr/>
+            </a:pPr>
+            <a:r>
+              <a:rPr lang="pl-PL"/>
               <a:t>Czwarty poziom</a:t>
             </a:r>
-          </a:p>
-          <a:p>
-            <a:pPr lvl="4"/>
-            <a:r>
-              <a:rPr lang="pl-PL" smtClean="0"/>
+            <a:endParaRPr/>
+          </a:p>
+          <a:p>
+            <a:pPr lvl="4">
+              <a:defRPr/>
+            </a:pPr>
+            <a:r>
+              <a:rPr lang="pl-PL"/>
               <a:t>Piąty poziom</a:t>
             </a:r>
-            <a:endParaRPr lang="pl-PL" dirty="0"/>
+            <a:endParaRPr lang="pl-PL"/>
           </a:p>
         </p:txBody>
       </p:sp>
@@ -2001,13 +3128,16 @@
             <p:ph type="dt" sz="half" idx="10"/>
           </p:nvPr>
         </p:nvSpPr>
-        <p:spPr/>
-        <p:txBody>
-          <a:bodyPr/>
-          <a:lstStyle/>
-          <a:p>
+        <p:spPr bwMode="auto"/>
+        <p:txBody>
+          <a:bodyPr/>
+          <a:lstStyle/>
+          <a:p>
+            <a:pPr>
+              <a:defRPr/>
+            </a:pPr>
             <a:fld id="{BCC18F51-09EC-435C-A3BA-64A766E099C0}" type="datetimeFigureOut">
-              <a:rPr lang="pl-PL" smtClean="0"/>
+              <a:rPr lang="pl-PL"/>
               <a:t>30.10.2013</a:t>
             </a:fld>
             <a:endParaRPr lang="pl-PL"/>
@@ -2024,11 +3154,14 @@
             <p:ph type="ftr" sz="quarter" idx="11"/>
           </p:nvPr>
         </p:nvSpPr>
-        <p:spPr/>
-        <p:txBody>
-          <a:bodyPr/>
-          <a:lstStyle/>
-          <a:p>
+        <p:spPr bwMode="auto"/>
+        <p:txBody>
+          <a:bodyPr/>
+          <a:lstStyle/>
+          <a:p>
+            <a:pPr>
+              <a:defRPr/>
+            </a:pPr>
             <a:endParaRPr lang="pl-PL"/>
           </a:p>
         </p:txBody>
@@ -2043,13 +3176,16 @@
             <p:ph type="sldNum" sz="quarter" idx="12"/>
           </p:nvPr>
         </p:nvSpPr>
-        <p:spPr/>
-        <p:txBody>
-          <a:bodyPr/>
-          <a:lstStyle/>
-          <a:p>
+        <p:spPr bwMode="auto"/>
+        <p:txBody>
+          <a:bodyPr/>
+          <a:lstStyle/>
+          <a:p>
+            <a:pPr>
+              <a:defRPr/>
+            </a:pPr>
             <a:fld id="{08395586-F03A-48D1-94DF-16B239DF4FB5}" type="slidenum">
-              <a:rPr lang="pl-PL" smtClean="0"/>
+              <a:rPr lang="pl-PL"/>
               <a:t>‹#›</a:t>
             </a:fld>
             <a:endParaRPr lang="pl-PL"/>
@@ -2065,7 +3201,7 @@
 </file>
 
 <file path=ppt/slideLayouts/slideLayout6.xml><?xml version="1.0" encoding="utf-8"?>
-<p:sldLayout xmlns:a="http://schemas.openxmlformats.org/drawingml/2006/main" xmlns:r="http://schemas.openxmlformats.org/officeDocument/2006/relationships" xmlns:p="http://schemas.openxmlformats.org/presentationml/2006/main" xmlns:m="http://schemas.openxmlformats.org/officeDocument/2006/math" xmlns:w="http://schemas.openxmlformats.org/wordprocessingml/2006/main" preserve="1" type="titleOnly">
+<p:sldLayout xmlns:a="http://schemas.openxmlformats.org/drawingml/2006/main" xmlns:r="http://schemas.openxmlformats.org/officeDocument/2006/relationships" xmlns:p="http://schemas.openxmlformats.org/presentationml/2006/main" xmlns:m="http://schemas.openxmlformats.org/officeDocument/2006/math" xmlns:w="http://schemas.openxmlformats.org/wordprocessingml/2006/main" matchingName="" preserve="1" showMasterPhAnim="0" type="titleOnly" userDrawn="1">
   <p:cSld name="Tylko tytuł">
     <p:spTree>
       <p:nvGrpSpPr>
@@ -2073,7 +3209,7 @@
         <p:cNvGrpSpPr/>
         <p:nvPr/>
       </p:nvGrpSpPr>
-      <p:grpSpPr>
+      <p:grpSpPr bwMode="auto">
         <a:xfrm>
           <a:off x="0" y="0"/>
           <a:ext cx="0" cy="0"/>
@@ -2091,16 +3227,19 @@
             <p:ph type="title"/>
           </p:nvPr>
         </p:nvSpPr>
-        <p:spPr/>
-        <p:txBody>
-          <a:bodyPr/>
-          <a:lstStyle/>
-          <a:p>
-            <a:r>
-              <a:rPr lang="pl-PL" smtClean="0"/>
+        <p:spPr bwMode="auto"/>
+        <p:txBody>
+          <a:bodyPr/>
+          <a:lstStyle/>
+          <a:p>
+            <a:pPr>
+              <a:defRPr/>
+            </a:pPr>
+            <a:r>
+              <a:rPr lang="pl-PL"/>
               <a:t>Kliknij, aby edytować styl</a:t>
             </a:r>
-            <a:endParaRPr lang="pl-PL" dirty="0"/>
+            <a:endParaRPr lang="pl-PL"/>
           </a:p>
         </p:txBody>
       </p:sp>
@@ -2114,13 +3253,16 @@
             <p:ph type="dt" sz="half" idx="10"/>
           </p:nvPr>
         </p:nvSpPr>
-        <p:spPr/>
-        <p:txBody>
-          <a:bodyPr/>
-          <a:lstStyle/>
-          <a:p>
+        <p:spPr bwMode="auto"/>
+        <p:txBody>
+          <a:bodyPr/>
+          <a:lstStyle/>
+          <a:p>
+            <a:pPr>
+              <a:defRPr/>
+            </a:pPr>
             <a:fld id="{BCC18F51-09EC-435C-A3BA-64A766E099C0}" type="datetimeFigureOut">
-              <a:rPr lang="pl-PL" smtClean="0"/>
+              <a:rPr lang="pl-PL"/>
               <a:t>30.10.2013</a:t>
             </a:fld>
             <a:endParaRPr lang="pl-PL"/>
@@ -2137,11 +3279,14 @@
             <p:ph type="ftr" sz="quarter" idx="11"/>
           </p:nvPr>
         </p:nvSpPr>
-        <p:spPr/>
-        <p:txBody>
-          <a:bodyPr/>
-          <a:lstStyle/>
-          <a:p>
+        <p:spPr bwMode="auto"/>
+        <p:txBody>
+          <a:bodyPr/>
+          <a:lstStyle/>
+          <a:p>
+            <a:pPr>
+              <a:defRPr/>
+            </a:pPr>
             <a:endParaRPr lang="pl-PL"/>
           </a:p>
         </p:txBody>
@@ -2156,13 +3301,16 @@
             <p:ph type="sldNum" sz="quarter" idx="12"/>
           </p:nvPr>
         </p:nvSpPr>
-        <p:spPr/>
-        <p:txBody>
-          <a:bodyPr/>
-          <a:lstStyle/>
-          <a:p>
+        <p:spPr bwMode="auto"/>
+        <p:txBody>
+          <a:bodyPr/>
+          <a:lstStyle/>
+          <a:p>
+            <a:pPr>
+              <a:defRPr/>
+            </a:pPr>
             <a:fld id="{08395586-F03A-48D1-94DF-16B239DF4FB5}" type="slidenum">
-              <a:rPr lang="pl-PL" smtClean="0"/>
+              <a:rPr lang="pl-PL"/>
               <a:t>‹#›</a:t>
             </a:fld>
             <a:endParaRPr lang="pl-PL"/>
@@ -2178,7 +3326,7 @@
 </file>
 
 <file path=ppt/slideLayouts/slideLayout7.xml><?xml version="1.0" encoding="utf-8"?>
-<p:sldLayout xmlns:a="http://schemas.openxmlformats.org/drawingml/2006/main" xmlns:r="http://schemas.openxmlformats.org/officeDocument/2006/relationships" xmlns:p="http://schemas.openxmlformats.org/presentationml/2006/main" xmlns:m="http://schemas.openxmlformats.org/officeDocument/2006/math" xmlns:w="http://schemas.openxmlformats.org/wordprocessingml/2006/main" preserve="1" type="blank">
+<p:sldLayout xmlns:a="http://schemas.openxmlformats.org/drawingml/2006/main" xmlns:r="http://schemas.openxmlformats.org/officeDocument/2006/relationships" xmlns:p="http://schemas.openxmlformats.org/presentationml/2006/main" xmlns:m="http://schemas.openxmlformats.org/officeDocument/2006/math" xmlns:w="http://schemas.openxmlformats.org/wordprocessingml/2006/main" matchingName="" preserve="1" showMasterPhAnim="0" type="blank" userDrawn="1">
   <p:cSld name="Pusty">
     <p:spTree>
       <p:nvGrpSpPr>
@@ -2186,7 +3334,7 @@
         <p:cNvGrpSpPr/>
         <p:nvPr/>
       </p:nvGrpSpPr>
-      <p:grpSpPr>
+      <p:grpSpPr bwMode="auto">
         <a:xfrm>
           <a:off x="0" y="0"/>
           <a:ext cx="0" cy="0"/>
@@ -2204,13 +3352,16 @@
             <p:ph type="dt" sz="half" idx="10"/>
           </p:nvPr>
         </p:nvSpPr>
-        <p:spPr/>
-        <p:txBody>
-          <a:bodyPr/>
-          <a:lstStyle/>
-          <a:p>
+        <p:spPr bwMode="auto"/>
+        <p:txBody>
+          <a:bodyPr/>
+          <a:lstStyle/>
+          <a:p>
+            <a:pPr>
+              <a:defRPr/>
+            </a:pPr>
             <a:fld id="{BCC18F51-09EC-435C-A3BA-64A766E099C0}" type="datetimeFigureOut">
-              <a:rPr lang="pl-PL" smtClean="0"/>
+              <a:rPr lang="pl-PL"/>
               <a:t>30.10.2013</a:t>
             </a:fld>
             <a:endParaRPr lang="pl-PL"/>
@@ -2227,11 +3378,14 @@
             <p:ph type="ftr" sz="quarter" idx="11"/>
           </p:nvPr>
         </p:nvSpPr>
-        <p:spPr/>
-        <p:txBody>
-          <a:bodyPr/>
-          <a:lstStyle/>
-          <a:p>
+        <p:spPr bwMode="auto"/>
+        <p:txBody>
+          <a:bodyPr/>
+          <a:lstStyle/>
+          <a:p>
+            <a:pPr>
+              <a:defRPr/>
+            </a:pPr>
             <a:endParaRPr lang="pl-PL"/>
           </a:p>
         </p:txBody>
@@ -2246,13 +3400,16 @@
             <p:ph type="sldNum" sz="quarter" idx="12"/>
           </p:nvPr>
         </p:nvSpPr>
-        <p:spPr/>
-        <p:txBody>
-          <a:bodyPr/>
-          <a:lstStyle/>
-          <a:p>
+        <p:spPr bwMode="auto"/>
+        <p:txBody>
+          <a:bodyPr/>
+          <a:lstStyle/>
+          <a:p>
+            <a:pPr>
+              <a:defRPr/>
+            </a:pPr>
             <a:fld id="{08395586-F03A-48D1-94DF-16B239DF4FB5}" type="slidenum">
-              <a:rPr lang="pl-PL" smtClean="0"/>
+              <a:rPr lang="pl-PL"/>
               <a:t>‹#›</a:t>
             </a:fld>
             <a:endParaRPr lang="pl-PL"/>
@@ -2268,7 +3425,7 @@
 </file>
 
 <file path=ppt/slideLayouts/slideLayout8.xml><?xml version="1.0" encoding="utf-8"?>
-<p:sldLayout xmlns:a="http://schemas.openxmlformats.org/drawingml/2006/main" xmlns:r="http://schemas.openxmlformats.org/officeDocument/2006/relationships" xmlns:p="http://schemas.openxmlformats.org/presentationml/2006/main" xmlns:m="http://schemas.openxmlformats.org/officeDocument/2006/math" xmlns:w="http://schemas.openxmlformats.org/wordprocessingml/2006/main" preserve="1" type="objTx">
+<p:sldLayout xmlns:a="http://schemas.openxmlformats.org/drawingml/2006/main" xmlns:r="http://schemas.openxmlformats.org/officeDocument/2006/relationships" xmlns:p="http://schemas.openxmlformats.org/presentationml/2006/main" xmlns:m="http://schemas.openxmlformats.org/officeDocument/2006/math" xmlns:w="http://schemas.openxmlformats.org/wordprocessingml/2006/main" matchingName="" preserve="1" showMasterPhAnim="0" type="objTx" userDrawn="1">
   <p:cSld name="Zawartość z podpisem">
     <p:spTree>
       <p:nvGrpSpPr>
@@ -2276,7 +3433,7 @@
         <p:cNvGrpSpPr/>
         <p:nvPr/>
       </p:nvGrpSpPr>
-      <p:grpSpPr>
+      <p:grpSpPr bwMode="auto">
         <a:xfrm>
           <a:off x="0" y="0"/>
           <a:ext cx="0" cy="0"/>
@@ -2294,7 +3451,7 @@
             <p:ph type="title"/>
           </p:nvPr>
         </p:nvSpPr>
-        <p:spPr>
+        <p:spPr bwMode="auto">
           <a:xfrm>
             <a:off x="839788" y="457200"/>
             <a:ext cx="3932237" cy="1600200"/>
@@ -2308,11 +3465,14 @@
             </a:lvl1pPr>
           </a:lstStyle>
           <a:p>
-            <a:r>
-              <a:rPr lang="pl-PL" smtClean="0"/>
+            <a:pPr>
+              <a:defRPr/>
+            </a:pPr>
+            <a:r>
+              <a:rPr lang="pl-PL"/>
               <a:t>Kliknij, aby edytować styl</a:t>
             </a:r>
-            <a:endParaRPr lang="pl-PL" dirty="0"/>
+            <a:endParaRPr lang="pl-PL"/>
           </a:p>
         </p:txBody>
       </p:sp>
@@ -2326,7 +3486,7 @@
             <p:ph idx="1"/>
           </p:nvPr>
         </p:nvSpPr>
-        <p:spPr>
+        <p:spPr bwMode="auto">
           <a:xfrm>
             <a:off x="5183188" y="987425"/>
             <a:ext cx="6172200" cy="4873625"/>
@@ -2364,40 +3524,54 @@
             </a:lvl9pPr>
           </a:lstStyle>
           <a:p>
-            <a:pPr lvl="0"/>
-            <a:r>
-              <a:rPr lang="pl-PL" smtClean="0"/>
+            <a:pPr lvl="0">
+              <a:defRPr/>
+            </a:pPr>
+            <a:r>
+              <a:rPr lang="pl-PL"/>
               <a:t>Kliknij, aby edytować style wzorca tekstu</a:t>
             </a:r>
-          </a:p>
-          <a:p>
-            <a:pPr lvl="1"/>
-            <a:r>
-              <a:rPr lang="pl-PL" smtClean="0"/>
+            <a:endParaRPr/>
+          </a:p>
+          <a:p>
+            <a:pPr lvl="1">
+              <a:defRPr/>
+            </a:pPr>
+            <a:r>
+              <a:rPr lang="pl-PL"/>
               <a:t>Drugi poziom</a:t>
             </a:r>
-          </a:p>
-          <a:p>
-            <a:pPr lvl="2"/>
-            <a:r>
-              <a:rPr lang="pl-PL" smtClean="0"/>
+            <a:endParaRPr/>
+          </a:p>
+          <a:p>
+            <a:pPr lvl="2">
+              <a:defRPr/>
+            </a:pPr>
+            <a:r>
+              <a:rPr lang="pl-PL"/>
               <a:t>Trzeci poziom</a:t>
             </a:r>
-          </a:p>
-          <a:p>
-            <a:pPr lvl="3"/>
-            <a:r>
-              <a:rPr lang="pl-PL" smtClean="0"/>
+            <a:endParaRPr/>
+          </a:p>
+          <a:p>
+            <a:pPr lvl="3">
+              <a:defRPr/>
+            </a:pPr>
+            <a:r>
+              <a:rPr lang="pl-PL"/>
               <a:t>Czwarty poziom</a:t>
             </a:r>
-          </a:p>
-          <a:p>
-            <a:pPr lvl="4"/>
-            <a:r>
-              <a:rPr lang="pl-PL" smtClean="0"/>
+            <a:endParaRPr/>
+          </a:p>
+          <a:p>
+            <a:pPr lvl="4">
+              <a:defRPr/>
+            </a:pPr>
+            <a:r>
+              <a:rPr lang="pl-PL"/>
               <a:t>Piąty poziom</a:t>
             </a:r>
-            <a:endParaRPr lang="pl-PL" dirty="0"/>
+            <a:endParaRPr lang="pl-PL"/>
           </a:p>
         </p:txBody>
       </p:sp>
@@ -2411,7 +3585,7 @@
             <p:ph type="body" sz="half" idx="2"/>
           </p:nvPr>
         </p:nvSpPr>
-        <p:spPr>
+        <p:spPr bwMode="auto">
           <a:xfrm>
             <a:off x="839788" y="2057400"/>
             <a:ext cx="3932237" cy="3811588"/>
@@ -2458,11 +3632,14 @@
             </a:lvl9pPr>
           </a:lstStyle>
           <a:p>
-            <a:pPr lvl="0"/>
-            <a:r>
-              <a:rPr lang="pl-PL" smtClean="0"/>
+            <a:pPr lvl="0">
+              <a:defRPr/>
+            </a:pPr>
+            <a:r>
+              <a:rPr lang="pl-PL"/>
               <a:t>Kliknij, aby edytować style wzorca tekstu</a:t>
             </a:r>
+            <a:endParaRPr/>
           </a:p>
         </p:txBody>
       </p:sp>
@@ -2476,13 +3653,16 @@
             <p:ph type="dt" sz="half" idx="10"/>
           </p:nvPr>
         </p:nvSpPr>
-        <p:spPr/>
-        <p:txBody>
-          <a:bodyPr/>
-          <a:lstStyle/>
-          <a:p>
+        <p:spPr bwMode="auto"/>
+        <p:txBody>
+          <a:bodyPr/>
+          <a:lstStyle/>
+          <a:p>
+            <a:pPr>
+              <a:defRPr/>
+            </a:pPr>
             <a:fld id="{BCC18F51-09EC-435C-A3BA-64A766E099C0}" type="datetimeFigureOut">
-              <a:rPr lang="pl-PL" smtClean="0"/>
+              <a:rPr lang="pl-PL"/>
               <a:t>30.10.2013</a:t>
             </a:fld>
             <a:endParaRPr lang="pl-PL"/>
@@ -2499,11 +3679,14 @@
             <p:ph type="ftr" sz="quarter" idx="11"/>
           </p:nvPr>
         </p:nvSpPr>
-        <p:spPr/>
-        <p:txBody>
-          <a:bodyPr/>
-          <a:lstStyle/>
-          <a:p>
+        <p:spPr bwMode="auto"/>
+        <p:txBody>
+          <a:bodyPr/>
+          <a:lstStyle/>
+          <a:p>
+            <a:pPr>
+              <a:defRPr/>
+            </a:pPr>
             <a:endParaRPr lang="pl-PL"/>
           </a:p>
         </p:txBody>
@@ -2518,13 +3701,16 @@
             <p:ph type="sldNum" sz="quarter" idx="12"/>
           </p:nvPr>
         </p:nvSpPr>
-        <p:spPr/>
-        <p:txBody>
-          <a:bodyPr/>
-          <a:lstStyle/>
-          <a:p>
+        <p:spPr bwMode="auto"/>
+        <p:txBody>
+          <a:bodyPr/>
+          <a:lstStyle/>
+          <a:p>
+            <a:pPr>
+              <a:defRPr/>
+            </a:pPr>
             <a:fld id="{08395586-F03A-48D1-94DF-16B239DF4FB5}" type="slidenum">
-              <a:rPr lang="pl-PL" smtClean="0"/>
+              <a:rPr lang="pl-PL"/>
               <a:t>‹#›</a:t>
             </a:fld>
             <a:endParaRPr lang="pl-PL"/>
@@ -2540,7 +3726,7 @@
 </file>
 
 <file path=ppt/slideLayouts/slideLayout9.xml><?xml version="1.0" encoding="utf-8"?>
-<p:sldLayout xmlns:a="http://schemas.openxmlformats.org/drawingml/2006/main" xmlns:r="http://schemas.openxmlformats.org/officeDocument/2006/relationships" xmlns:p="http://schemas.openxmlformats.org/presentationml/2006/main" xmlns:m="http://schemas.openxmlformats.org/officeDocument/2006/math" xmlns:w="http://schemas.openxmlformats.org/wordprocessingml/2006/main" preserve="1" type="picTx">
+<p:sldLayout xmlns:a="http://schemas.openxmlformats.org/drawingml/2006/main" xmlns:r="http://schemas.openxmlformats.org/officeDocument/2006/relationships" xmlns:p="http://schemas.openxmlformats.org/presentationml/2006/main" xmlns:m="http://schemas.openxmlformats.org/officeDocument/2006/math" xmlns:w="http://schemas.openxmlformats.org/wordprocessingml/2006/main" matchingName="" preserve="1" showMasterPhAnim="0" type="picTx" userDrawn="1">
   <p:cSld name="Obraz z podpisem">
     <p:spTree>
       <p:nvGrpSpPr>
@@ -2548,7 +3734,7 @@
         <p:cNvGrpSpPr/>
         <p:nvPr/>
       </p:nvGrpSpPr>
-      <p:grpSpPr>
+      <p:grpSpPr bwMode="auto">
         <a:xfrm>
           <a:off x="0" y="0"/>
           <a:ext cx="0" cy="0"/>
@@ -2566,7 +3752,7 @@
             <p:ph type="title"/>
           </p:nvPr>
         </p:nvSpPr>
-        <p:spPr>
+        <p:spPr bwMode="auto">
           <a:xfrm>
             <a:off x="839788" y="457200"/>
             <a:ext cx="3932237" cy="1600200"/>
@@ -2580,11 +3766,14 @@
             </a:lvl1pPr>
           </a:lstStyle>
           <a:p>
-            <a:r>
-              <a:rPr lang="pl-PL" smtClean="0"/>
+            <a:pPr>
+              <a:defRPr/>
+            </a:pPr>
+            <a:r>
+              <a:rPr lang="pl-PL"/>
               <a:t>Kliknij, aby edytować styl</a:t>
             </a:r>
-            <a:endParaRPr lang="pl-PL" dirty="0"/>
+            <a:endParaRPr lang="pl-PL"/>
           </a:p>
         </p:txBody>
       </p:sp>
@@ -2598,7 +3787,7 @@
             <p:ph type="pic" idx="1"/>
           </p:nvPr>
         </p:nvSpPr>
-        <p:spPr>
+        <p:spPr bwMode="auto">
           <a:xfrm>
             <a:off x="5183188" y="987425"/>
             <a:ext cx="6172200" cy="4873625"/>
@@ -2645,11 +3834,14 @@
             </a:lvl9pPr>
           </a:lstStyle>
           <a:p>
-            <a:r>
-              <a:rPr lang="pl-PL" smtClean="0"/>
+            <a:pPr>
+              <a:defRPr/>
+            </a:pPr>
+            <a:r>
+              <a:rPr lang="pl-PL"/>
               <a:t>Click icon to add picture</a:t>
             </a:r>
-            <a:endParaRPr lang="pl-PL" dirty="0"/>
+            <a:endParaRPr lang="pl-PL"/>
           </a:p>
         </p:txBody>
       </p:sp>
@@ -2663,7 +3855,7 @@
             <p:ph type="body" sz="half" idx="2"/>
           </p:nvPr>
         </p:nvSpPr>
-        <p:spPr>
+        <p:spPr bwMode="auto">
           <a:xfrm>
             <a:off x="839788" y="2057400"/>
             <a:ext cx="3932237" cy="3811588"/>
@@ -2710,11 +3902,14 @@
             </a:lvl9pPr>
           </a:lstStyle>
           <a:p>
-            <a:pPr lvl="0"/>
-            <a:r>
-              <a:rPr lang="pl-PL" smtClean="0"/>
+            <a:pPr lvl="0">
+              <a:defRPr/>
+            </a:pPr>
+            <a:r>
+              <a:rPr lang="pl-PL"/>
               <a:t>Kliknij, aby edytować style wzorca tekstu</a:t>
             </a:r>
+            <a:endParaRPr/>
           </a:p>
         </p:txBody>
       </p:sp>
@@ -2728,13 +3923,16 @@
             <p:ph type="dt" sz="half" idx="10"/>
           </p:nvPr>
         </p:nvSpPr>
-        <p:spPr/>
-        <p:txBody>
-          <a:bodyPr/>
-          <a:lstStyle/>
-          <a:p>
+        <p:spPr bwMode="auto"/>
+        <p:txBody>
+          <a:bodyPr/>
+          <a:lstStyle/>
+          <a:p>
+            <a:pPr>
+              <a:defRPr/>
+            </a:pPr>
             <a:fld id="{BCC18F51-09EC-435C-A3BA-64A766E099C0}" type="datetimeFigureOut">
-              <a:rPr lang="pl-PL" smtClean="0"/>
+              <a:rPr lang="pl-PL"/>
               <a:t>30.10.2013</a:t>
             </a:fld>
             <a:endParaRPr lang="pl-PL"/>
@@ -2751,11 +3949,14 @@
             <p:ph type="ftr" sz="quarter" idx="11"/>
           </p:nvPr>
         </p:nvSpPr>
-        <p:spPr/>
-        <p:txBody>
-          <a:bodyPr/>
-          <a:lstStyle/>
-          <a:p>
+        <p:spPr bwMode="auto"/>
+        <p:txBody>
+          <a:bodyPr/>
+          <a:lstStyle/>
+          <a:p>
+            <a:pPr>
+              <a:defRPr/>
+            </a:pPr>
             <a:endParaRPr lang="pl-PL"/>
           </a:p>
         </p:txBody>
@@ -2770,13 +3971,16 @@
             <p:ph type="sldNum" sz="quarter" idx="12"/>
           </p:nvPr>
         </p:nvSpPr>
-        <p:spPr/>
-        <p:txBody>
-          <a:bodyPr/>
-          <a:lstStyle/>
-          <a:p>
+        <p:spPr bwMode="auto"/>
+        <p:txBody>
+          <a:bodyPr/>
+          <a:lstStyle/>
+          <a:p>
+            <a:pPr>
+              <a:defRPr/>
+            </a:pPr>
             <a:fld id="{08395586-F03A-48D1-94DF-16B239DF4FB5}" type="slidenum">
-              <a:rPr lang="pl-PL" smtClean="0"/>
+              <a:rPr lang="pl-PL"/>
               <a:t>‹#›</a:t>
             </a:fld>
             <a:endParaRPr lang="pl-PL"/>
@@ -2792,8 +3996,8 @@
 </file>
 
 <file path=ppt/slideMasters/slideMaster1.xml><?xml version="1.0" encoding="utf-8"?>
-<p:sldMaster xmlns:a="http://schemas.openxmlformats.org/drawingml/2006/main" xmlns:r="http://schemas.openxmlformats.org/officeDocument/2006/relationships" xmlns:p="http://schemas.openxmlformats.org/presentationml/2006/main" xmlns:m="http://schemas.openxmlformats.org/officeDocument/2006/math" xmlns:w="http://schemas.openxmlformats.org/wordprocessingml/2006/main">
-  <p:cSld>
+<p:sldMaster xmlns:a="http://schemas.openxmlformats.org/drawingml/2006/main" xmlns:r="http://schemas.openxmlformats.org/officeDocument/2006/relationships" xmlns:p="http://schemas.openxmlformats.org/presentationml/2006/main" xmlns:m="http://schemas.openxmlformats.org/officeDocument/2006/math" xmlns:w="http://schemas.openxmlformats.org/wordprocessingml/2006/main" preserve="0">
+  <p:cSld name="">
     <p:bg>
       <p:bgRef idx="1001">
         <a:schemeClr val="bg1"/>
@@ -2805,7 +4009,7 @@
         <p:cNvGrpSpPr/>
         <p:nvPr/>
       </p:nvGrpSpPr>
-      <p:grpSpPr>
+      <p:grpSpPr bwMode="auto">
         <a:xfrm>
           <a:off x="0" y="0"/>
           <a:ext cx="0" cy="0"/>
@@ -2823,7 +4027,7 @@
             <p:ph type="title"/>
           </p:nvPr>
         </p:nvSpPr>
-        <p:spPr>
+        <p:spPr bwMode="auto">
           <a:xfrm>
             <a:off x="838200" y="365125"/>
             <a:ext cx="10515600" cy="1325563"/>
@@ -2838,11 +4042,14 @@
           </a:bodyPr>
           <a:lstStyle/>
           <a:p>
-            <a:r>
-              <a:rPr lang="pl-PL" smtClean="0"/>
+            <a:pPr>
+              <a:defRPr/>
+            </a:pPr>
+            <a:r>
+              <a:rPr lang="pl-PL"/>
               <a:t>Kliknij, aby edytować styl</a:t>
             </a:r>
-            <a:endParaRPr lang="pl-PL" dirty="0"/>
+            <a:endParaRPr lang="pl-PL"/>
           </a:p>
         </p:txBody>
       </p:sp>
@@ -2856,7 +4063,7 @@
             <p:ph type="body" idx="1"/>
           </p:nvPr>
         </p:nvSpPr>
-        <p:spPr>
+        <p:spPr bwMode="auto">
           <a:xfrm>
             <a:off x="838200" y="1825625"/>
             <a:ext cx="10515600" cy="4351338"/>
@@ -2871,40 +4078,54 @@
           </a:bodyPr>
           <a:lstStyle/>
           <a:p>
-            <a:pPr lvl="0"/>
-            <a:r>
-              <a:rPr lang="pl-PL" smtClean="0"/>
+            <a:pPr lvl="0">
+              <a:defRPr/>
+            </a:pPr>
+            <a:r>
+              <a:rPr lang="pl-PL"/>
               <a:t>Kliknij, aby edytować style wzorca tekstu</a:t>
             </a:r>
-          </a:p>
-          <a:p>
-            <a:pPr lvl="1"/>
-            <a:r>
-              <a:rPr lang="pl-PL" smtClean="0"/>
+            <a:endParaRPr/>
+          </a:p>
+          <a:p>
+            <a:pPr lvl="1">
+              <a:defRPr/>
+            </a:pPr>
+            <a:r>
+              <a:rPr lang="pl-PL"/>
               <a:t>Drugi poziom</a:t>
             </a:r>
-          </a:p>
-          <a:p>
-            <a:pPr lvl="2"/>
-            <a:r>
-              <a:rPr lang="pl-PL" smtClean="0"/>
+            <a:endParaRPr/>
+          </a:p>
+          <a:p>
+            <a:pPr lvl="2">
+              <a:defRPr/>
+            </a:pPr>
+            <a:r>
+              <a:rPr lang="pl-PL"/>
               <a:t>Trzeci poziom</a:t>
             </a:r>
-          </a:p>
-          <a:p>
-            <a:pPr lvl="3"/>
-            <a:r>
-              <a:rPr lang="pl-PL" smtClean="0"/>
+            <a:endParaRPr/>
+          </a:p>
+          <a:p>
+            <a:pPr lvl="3">
+              <a:defRPr/>
+            </a:pPr>
+            <a:r>
+              <a:rPr lang="pl-PL"/>
               <a:t>Czwarty poziom</a:t>
             </a:r>
-          </a:p>
-          <a:p>
-            <a:pPr lvl="4"/>
-            <a:r>
-              <a:rPr lang="pl-PL" smtClean="0"/>
+            <a:endParaRPr/>
+          </a:p>
+          <a:p>
+            <a:pPr lvl="4">
+              <a:defRPr/>
+            </a:pPr>
+            <a:r>
+              <a:rPr lang="pl-PL"/>
               <a:t>Piąty poziom</a:t>
             </a:r>
-            <a:endParaRPr lang="pl-PL" dirty="0"/>
+            <a:endParaRPr lang="pl-PL"/>
           </a:p>
         </p:txBody>
       </p:sp>
@@ -2918,7 +4139,7 @@
             <p:ph type="dt" sz="half" idx="2"/>
           </p:nvPr>
         </p:nvSpPr>
-        <p:spPr>
+        <p:spPr bwMode="auto">
           <a:xfrm>
             <a:off x="838200" y="6356350"/>
             <a:ext cx="2743200" cy="365125"/>
@@ -2941,8 +4162,11 @@
             </a:lvl1pPr>
           </a:lstStyle>
           <a:p>
+            <a:pPr>
+              <a:defRPr/>
+            </a:pPr>
             <a:fld id="{BCC18F51-09EC-435C-A3BA-64A766E099C0}" type="datetimeFigureOut">
-              <a:rPr lang="pl-PL" smtClean="0"/>
+              <a:rPr lang="pl-PL"/>
               <a:t>30.10.2013</a:t>
             </a:fld>
             <a:endParaRPr lang="pl-PL"/>
@@ -2959,7 +4183,7 @@
             <p:ph type="ftr" sz="quarter" idx="3"/>
           </p:nvPr>
         </p:nvSpPr>
-        <p:spPr>
+        <p:spPr bwMode="auto">
           <a:xfrm>
             <a:off x="4038600" y="6356350"/>
             <a:ext cx="4114800" cy="365125"/>
@@ -2982,6 +4206,9 @@
             </a:lvl1pPr>
           </a:lstStyle>
           <a:p>
+            <a:pPr>
+              <a:defRPr/>
+            </a:pPr>
             <a:endParaRPr lang="pl-PL"/>
           </a:p>
         </p:txBody>
@@ -2996,7 +4223,7 @@
             <p:ph type="sldNum" sz="quarter" idx="4"/>
           </p:nvPr>
         </p:nvSpPr>
-        <p:spPr>
+        <p:spPr bwMode="auto">
           <a:xfrm>
             <a:off x="8610600" y="6356350"/>
             <a:ext cx="2743200" cy="365125"/>
@@ -3019,8 +4246,11 @@
             </a:lvl1pPr>
           </a:lstStyle>
           <a:p>
+            <a:pPr>
+              <a:defRPr/>
+            </a:pPr>
             <a:fld id="{08395586-F03A-48D1-94DF-16B239DF4FB5}" type="slidenum">
-              <a:rPr lang="pl-PL" smtClean="0"/>
+              <a:rPr lang="pl-PL"/>
               <a:t>‹#›</a:t>
             </a:fld>
             <a:endParaRPr lang="pl-PL"/>
@@ -3045,15 +4275,15 @@
   </p:sldLayoutIdLst>
   <p:txStyles>
     <p:titleStyle>
-      <a:lvl1pPr algn="l" defTabSz="914400" rtl="0" eaLnBrk="1" latinLnBrk="0" hangingPunct="1">
+      <a:lvl1pPr algn="l" defTabSz="914400">
         <a:lnSpc>
           <a:spcPct val="90000"/>
         </a:lnSpc>
         <a:spcBef>
-          <a:spcPct val="0"/>
+          <a:spcPts val="0"/>
         </a:spcBef>
         <a:buNone/>
-        <a:defRPr sz="4400" kern="1200">
+        <a:defRPr sz="4400">
           <a:solidFill>
             <a:schemeClr val="tx1"/>
           </a:solidFill>
@@ -3064,16 +4294,16 @@
       </a:lvl1pPr>
     </p:titleStyle>
     <p:bodyStyle>
-      <a:lvl1pPr marL="228600" indent="-228600" algn="l" defTabSz="914400" rtl="0" eaLnBrk="1" latinLnBrk="0" hangingPunct="1">
+      <a:lvl1pPr marL="228600" indent="-228600" algn="l" defTabSz="914400">
         <a:lnSpc>
           <a:spcPct val="90000"/>
         </a:lnSpc>
         <a:spcBef>
           <a:spcPts val="1000"/>
         </a:spcBef>
-        <a:buFont typeface="Arial" pitchFamily="34" charset="0" panose="020B0604020202020204"/>
+        <a:buFont typeface="Arial"/>
         <a:buChar char="•"/>
-        <a:defRPr sz="2800" kern="1200">
+        <a:defRPr sz="2800">
           <a:solidFill>
             <a:schemeClr val="tx1"/>
           </a:solidFill>
@@ -3082,16 +4312,16 @@
           <a:cs typeface="+mn-cs"/>
         </a:defRPr>
       </a:lvl1pPr>
-      <a:lvl2pPr marL="685800" indent="-228600" algn="l" defTabSz="914400" rtl="0" eaLnBrk="1" latinLnBrk="0" hangingPunct="1">
+      <a:lvl2pPr marL="685800" indent="-228600" algn="l" defTabSz="914400">
         <a:lnSpc>
           <a:spcPct val="90000"/>
         </a:lnSpc>
         <a:spcBef>
           <a:spcPts val="500"/>
         </a:spcBef>
-        <a:buFont typeface="Arial" pitchFamily="34" charset="0" panose="020B0604020202020204"/>
+        <a:buFont typeface="Arial"/>
         <a:buChar char="•"/>
-        <a:defRPr sz="2400" kern="1200">
+        <a:defRPr sz="2400">
           <a:solidFill>
             <a:schemeClr val="tx1"/>
           </a:solidFill>
@@ -3100,16 +4330,16 @@
           <a:cs typeface="+mn-cs"/>
         </a:defRPr>
       </a:lvl2pPr>
-      <a:lvl3pPr marL="1143000" indent="-228600" algn="l" defTabSz="914400" rtl="0" eaLnBrk="1" latinLnBrk="0" hangingPunct="1">
+      <a:lvl3pPr marL="1143000" indent="-228600" algn="l" defTabSz="914400">
         <a:lnSpc>
           <a:spcPct val="90000"/>
         </a:lnSpc>
         <a:spcBef>
           <a:spcPts val="500"/>
         </a:spcBef>
-        <a:buFont typeface="Arial" pitchFamily="34" charset="0" panose="020B0604020202020204"/>
+        <a:buFont typeface="Arial"/>
         <a:buChar char="•"/>
-        <a:defRPr sz="2000" kern="1200">
+        <a:defRPr sz="2000">
           <a:solidFill>
             <a:schemeClr val="tx1"/>
           </a:solidFill>
@@ -3118,16 +4348,16 @@
           <a:cs typeface="+mn-cs"/>
         </a:defRPr>
       </a:lvl3pPr>
-      <a:lvl4pPr marL="1600200" indent="-228600" algn="l" defTabSz="914400" rtl="0" eaLnBrk="1" latinLnBrk="0" hangingPunct="1">
+      <a:lvl4pPr marL="1600200" indent="-228600" algn="l" defTabSz="914400">
         <a:lnSpc>
           <a:spcPct val="90000"/>
         </a:lnSpc>
         <a:spcBef>
           <a:spcPts val="500"/>
         </a:spcBef>
-        <a:buFont typeface="Arial" pitchFamily="34" charset="0" panose="020B0604020202020204"/>
+        <a:buFont typeface="Arial"/>
         <a:buChar char="•"/>
-        <a:defRPr sz="1800" kern="1200">
+        <a:defRPr sz="1800">
           <a:solidFill>
             <a:schemeClr val="tx1"/>
           </a:solidFill>
@@ -3136,16 +4366,16 @@
           <a:cs typeface="+mn-cs"/>
         </a:defRPr>
       </a:lvl4pPr>
-      <a:lvl5pPr marL="2057400" indent="-228600" algn="l" defTabSz="914400" rtl="0" eaLnBrk="1" latinLnBrk="0" hangingPunct="1">
+      <a:lvl5pPr marL="2057400" indent="-228600" algn="l" defTabSz="914400">
         <a:lnSpc>
           <a:spcPct val="90000"/>
         </a:lnSpc>
         <a:spcBef>
           <a:spcPts val="500"/>
         </a:spcBef>
-        <a:buFont typeface="Arial" pitchFamily="34" charset="0" panose="020B0604020202020204"/>
+        <a:buFont typeface="Arial"/>
         <a:buChar char="•"/>
-        <a:defRPr sz="1800" kern="1200">
+        <a:defRPr sz="1800">
           <a:solidFill>
             <a:schemeClr val="tx1"/>
           </a:solidFill>
@@ -3154,16 +4384,16 @@
           <a:cs typeface="+mn-cs"/>
         </a:defRPr>
       </a:lvl5pPr>
-      <a:lvl6pPr marL="2514600" indent="-228600" algn="l" defTabSz="914400" rtl="0" eaLnBrk="1" latinLnBrk="0" hangingPunct="1">
+      <a:lvl6pPr marL="2514600" indent="-228600" algn="l" defTabSz="914400">
         <a:lnSpc>
           <a:spcPct val="90000"/>
         </a:lnSpc>
         <a:spcBef>
           <a:spcPts val="500"/>
         </a:spcBef>
-        <a:buFont typeface="Arial" pitchFamily="34" charset="0" panose="020B0604020202020204"/>
+        <a:buFont typeface="Arial"/>
         <a:buChar char="•"/>
-        <a:defRPr sz="1800" kern="1200">
+        <a:defRPr sz="1800">
           <a:solidFill>
             <a:schemeClr val="tx1"/>
           </a:solidFill>
@@ -3172,16 +4402,16 @@
           <a:cs typeface="+mn-cs"/>
         </a:defRPr>
       </a:lvl6pPr>
-      <a:lvl7pPr marL="2971800" indent="-228600" algn="l" defTabSz="914400" rtl="0" eaLnBrk="1" latinLnBrk="0" hangingPunct="1">
+      <a:lvl7pPr marL="2971800" indent="-228600" algn="l" defTabSz="914400">
         <a:lnSpc>
           <a:spcPct val="90000"/>
         </a:lnSpc>
         <a:spcBef>
           <a:spcPts val="500"/>
         </a:spcBef>
-        <a:buFont typeface="Arial" pitchFamily="34" charset="0" panose="020B0604020202020204"/>
+        <a:buFont typeface="Arial"/>
         <a:buChar char="•"/>
-        <a:defRPr sz="1800" kern="1200">
+        <a:defRPr sz="1800">
           <a:solidFill>
             <a:schemeClr val="tx1"/>
           </a:solidFill>
@@ -3190,16 +4420,16 @@
           <a:cs typeface="+mn-cs"/>
         </a:defRPr>
       </a:lvl7pPr>
-      <a:lvl8pPr marL="3429000" indent="-228600" algn="l" defTabSz="914400" rtl="0" eaLnBrk="1" latinLnBrk="0" hangingPunct="1">
+      <a:lvl8pPr marL="3429000" indent="-228600" algn="l" defTabSz="914400">
         <a:lnSpc>
           <a:spcPct val="90000"/>
         </a:lnSpc>
         <a:spcBef>
           <a:spcPts val="500"/>
         </a:spcBef>
-        <a:buFont typeface="Arial" pitchFamily="34" charset="0" panose="020B0604020202020204"/>
+        <a:buFont typeface="Arial"/>
         <a:buChar char="•"/>
-        <a:defRPr sz="1800" kern="1200">
+        <a:defRPr sz="1800">
           <a:solidFill>
             <a:schemeClr val="tx1"/>
           </a:solidFill>
@@ -3208,16 +4438,16 @@
           <a:cs typeface="+mn-cs"/>
         </a:defRPr>
       </a:lvl8pPr>
-      <a:lvl9pPr marL="3886200" indent="-228600" algn="l" defTabSz="914400" rtl="0" eaLnBrk="1" latinLnBrk="0" hangingPunct="1">
+      <a:lvl9pPr marL="3886200" indent="-228600" algn="l" defTabSz="914400">
         <a:lnSpc>
           <a:spcPct val="90000"/>
         </a:lnSpc>
         <a:spcBef>
           <a:spcPts val="500"/>
         </a:spcBef>
-        <a:buFont typeface="Arial" pitchFamily="34" charset="0" panose="020B0604020202020204"/>
+        <a:buFont typeface="Arial"/>
         <a:buChar char="•"/>
-        <a:defRPr sz="1800" kern="1200">
+        <a:defRPr sz="1800">
           <a:solidFill>
             <a:schemeClr val="tx1"/>
           </a:solidFill>
@@ -3231,8 +4461,8 @@
       <a:defPPr>
         <a:defRPr lang="pl-PL"/>
       </a:defPPr>
-      <a:lvl1pPr marL="0" algn="l" defTabSz="914400" rtl="0" eaLnBrk="1" latinLnBrk="0" hangingPunct="1">
-        <a:defRPr sz="1800" kern="1200">
+      <a:lvl1pPr marL="0" algn="l" defTabSz="914400">
+        <a:defRPr sz="1800">
           <a:solidFill>
             <a:schemeClr val="tx1"/>
           </a:solidFill>
@@ -3241,8 +4471,8 @@
           <a:cs typeface="+mn-cs"/>
         </a:defRPr>
       </a:lvl1pPr>
-      <a:lvl2pPr marL="457200" algn="l" defTabSz="914400" rtl="0" eaLnBrk="1" latinLnBrk="0" hangingPunct="1">
-        <a:defRPr sz="1800" kern="1200">
+      <a:lvl2pPr marL="457200" algn="l" defTabSz="914400">
+        <a:defRPr sz="1800">
           <a:solidFill>
             <a:schemeClr val="tx1"/>
           </a:solidFill>
@@ -3251,8 +4481,8 @@
           <a:cs typeface="+mn-cs"/>
         </a:defRPr>
       </a:lvl2pPr>
-      <a:lvl3pPr marL="914400" algn="l" defTabSz="914400" rtl="0" eaLnBrk="1" latinLnBrk="0" hangingPunct="1">
-        <a:defRPr sz="1800" kern="1200">
+      <a:lvl3pPr marL="914400" algn="l" defTabSz="914400">
+        <a:defRPr sz="1800">
           <a:solidFill>
             <a:schemeClr val="tx1"/>
           </a:solidFill>
@@ -3261,8 +4491,8 @@
           <a:cs typeface="+mn-cs"/>
         </a:defRPr>
       </a:lvl3pPr>
-      <a:lvl4pPr marL="1371600" algn="l" defTabSz="914400" rtl="0" eaLnBrk="1" latinLnBrk="0" hangingPunct="1">
-        <a:defRPr sz="1800" kern="1200">
+      <a:lvl4pPr marL="1371600" algn="l" defTabSz="914400">
+        <a:defRPr sz="1800">
           <a:solidFill>
             <a:schemeClr val="tx1"/>
           </a:solidFill>
@@ -3271,8 +4501,8 @@
           <a:cs typeface="+mn-cs"/>
         </a:defRPr>
       </a:lvl4pPr>
-      <a:lvl5pPr marL="1828800" algn="l" defTabSz="914400" rtl="0" eaLnBrk="1" latinLnBrk="0" hangingPunct="1">
-        <a:defRPr sz="1800" kern="1200">
+      <a:lvl5pPr marL="1828800" algn="l" defTabSz="914400">
+        <a:defRPr sz="1800">
           <a:solidFill>
             <a:schemeClr val="tx1"/>
           </a:solidFill>
@@ -3281,8 +4511,8 @@
           <a:cs typeface="+mn-cs"/>
         </a:defRPr>
       </a:lvl5pPr>
-      <a:lvl6pPr marL="2286000" algn="l" defTabSz="914400" rtl="0" eaLnBrk="1" latinLnBrk="0" hangingPunct="1">
-        <a:defRPr sz="1800" kern="1200">
+      <a:lvl6pPr marL="2286000" algn="l" defTabSz="914400">
+        <a:defRPr sz="1800">
           <a:solidFill>
             <a:schemeClr val="tx1"/>
           </a:solidFill>
@@ -3291,8 +4521,8 @@
           <a:cs typeface="+mn-cs"/>
         </a:defRPr>
       </a:lvl6pPr>
-      <a:lvl7pPr marL="2743200" algn="l" defTabSz="914400" rtl="0" eaLnBrk="1" latinLnBrk="0" hangingPunct="1">
-        <a:defRPr sz="1800" kern="1200">
+      <a:lvl7pPr marL="2743200" algn="l" defTabSz="914400">
+        <a:defRPr sz="1800">
           <a:solidFill>
             <a:schemeClr val="tx1"/>
           </a:solidFill>
@@ -3301,8 +4531,8 @@
           <a:cs typeface="+mn-cs"/>
         </a:defRPr>
       </a:lvl7pPr>
-      <a:lvl8pPr marL="3200400" algn="l" defTabSz="914400" rtl="0" eaLnBrk="1" latinLnBrk="0" hangingPunct="1">
-        <a:defRPr sz="1800" kern="1200">
+      <a:lvl8pPr marL="3200400" algn="l" defTabSz="914400">
+        <a:defRPr sz="1800">
           <a:solidFill>
             <a:schemeClr val="tx1"/>
           </a:solidFill>
@@ -3311,8 +4541,8 @@
           <a:cs typeface="+mn-cs"/>
         </a:defRPr>
       </a:lvl8pPr>
-      <a:lvl9pPr marL="3657600" algn="l" defTabSz="914400" rtl="0" eaLnBrk="1" latinLnBrk="0" hangingPunct="1">
-        <a:defRPr sz="1800" kern="1200">
+      <a:lvl9pPr marL="3657600" algn="l" defTabSz="914400">
+        <a:defRPr sz="1800">
           <a:solidFill>
             <a:schemeClr val="tx1"/>
           </a:solidFill>
@@ -3327,15 +4557,23 @@
 </file>
 
 <file path=ppt/slides/slide1.xml><?xml version="1.0" encoding="utf-8"?>
-<p:sld xmlns:a="http://schemas.openxmlformats.org/drawingml/2006/main" xmlns:r="http://schemas.openxmlformats.org/officeDocument/2006/relationships" xmlns:p="http://schemas.openxmlformats.org/presentationml/2006/main" xmlns:m="http://schemas.openxmlformats.org/officeDocument/2006/math" xmlns:w="http://schemas.openxmlformats.org/wordprocessingml/2006/main">
-  <p:cSld>
+<p:sld xmlns:a="http://schemas.openxmlformats.org/drawingml/2006/main" xmlns:r="http://schemas.openxmlformats.org/officeDocument/2006/relationships" xmlns:p="http://schemas.openxmlformats.org/presentationml/2006/main" xmlns:m="http://schemas.openxmlformats.org/officeDocument/2006/math" xmlns:w="http://schemas.openxmlformats.org/wordprocessingml/2006/main" showMasterPhAnim="0" show="1">
+  <p:cSld name="">
+    <p:bg>
+      <p:bgPr shadeToTitle="0">
+        <a:blipFill>
+          <a:blip r:embed="rId3"/>
+          <a:stretch/>
+        </a:blipFill>
+      </p:bgPr>
+    </p:bg>
     <p:spTree>
       <p:nvGrpSpPr>
         <p:cNvPr id="1" name=""/>
         <p:cNvGrpSpPr/>
         <p:nvPr/>
       </p:nvGrpSpPr>
-      <p:grpSpPr>
+      <p:grpSpPr bwMode="auto">
         <a:xfrm>
           <a:off x="0" y="0"/>
           <a:ext cx="0" cy="0"/>
@@ -3345,39 +4583,166 @@
       </p:grpSpPr>
       <p:sp>
         <p:nvSpPr>
-          <p:cNvPr id="2" name="Title 1"/>
-          <p:cNvSpPr>
-            <a:spLocks noGrp="1"/>
-          </p:cNvSpPr>
-          <p:nvPr>
-            <p:ph type="ctrTitle"/>
-          </p:nvPr>
-        </p:nvSpPr>
-        <p:spPr/>
-        <p:txBody>
-          <a:bodyPr/>
-          <a:lstStyle/>
-          <a:p>
-            <a:endParaRPr lang="pl-PL" dirty="0"/>
-          </a:p>
-        </p:txBody>
-      </p:sp>
-      <p:sp>
-        <p:nvSpPr>
-          <p:cNvPr id="3" name="Subtitle 2"/>
-          <p:cNvSpPr>
-            <a:spLocks noGrp="1"/>
-          </p:cNvSpPr>
-          <p:nvPr>
-            <p:ph type="subTitle" idx="1"/>
-          </p:nvPr>
-        </p:nvSpPr>
-        <p:spPr/>
-        <p:txBody>
-          <a:bodyPr/>
-          <a:lstStyle/>
-          <a:p>
-            <a:endParaRPr lang="pl-PL" dirty="0"/>
+          <p:cNvPr id="2078917876" name="Title 1"/>
+          <p:cNvSpPr>
+            <a:spLocks noGrp="1"/>
+          </p:cNvSpPr>
+          <p:nvPr/>
+        </p:nvSpPr>
+        <p:spPr bwMode="auto">
+          <a:xfrm flipH="0" flipV="0">
+            <a:off x="2221498" y="1744790"/>
+            <a:ext cx="7749000" cy="1910993"/>
+          </a:xfrm>
+          <a:prstGeom prst="roundRect">
+            <a:avLst>
+              <a:gd name="adj" fmla="val 16667"/>
+            </a:avLst>
+          </a:prstGeom>
+          <a:solidFill>
+            <a:schemeClr val="tx1">
+              <a:alpha val="63999"/>
+            </a:schemeClr>
+          </a:solidFill>
+          <a:ln w="12700">
+            <a:solidFill>
+              <a:srgbClr val="000000">
+                <a:alpha val="55999"/>
+              </a:srgbClr>
+            </a:solidFill>
+          </a:ln>
+        </p:spPr>
+        <p:txBody>
+          <a:bodyPr vertOverflow="overflow" horzOverflow="overflow" vert="horz" wrap="square" lIns="91440" tIns="45720" rIns="91440" bIns="45720" numCol="1" spcCol="0" rtlCol="0" fromWordArt="0" anchor="ctr" anchorCtr="0" forceAA="0" upright="0" compatLnSpc="0">
+            <a:normAutofit/>
+          </a:bodyPr>
+          <a:lstStyle>
+            <a:lvl1pPr algn="ctr" defTabSz="914400">
+              <a:lnSpc>
+                <a:spcPct val="90000"/>
+              </a:lnSpc>
+              <a:spcBef>
+                <a:spcPts val="0"/>
+              </a:spcBef>
+              <a:buNone/>
+              <a:defRPr sz="6000">
+                <a:solidFill>
+                  <a:schemeClr val="tx1"/>
+                </a:solidFill>
+                <a:latin typeface="+mj-lt"/>
+                <a:ea typeface="+mj-ea"/>
+                <a:cs typeface="+mj-cs"/>
+              </a:defRPr>
+            </a:lvl1pPr>
+          </a:lstStyle>
+          <a:p>
+            <a:pPr>
+              <a:defRPr/>
+            </a:pPr>
+            <a:r>
+              <a:rPr lang="pl-PL">
+                <a:ln w="12700">
+                  <a:solidFill>
+                    <a:schemeClr val="accent6"/>
+                  </a:solidFill>
+                </a:ln>
+                <a:solidFill>
+                  <a:schemeClr val="accent6">
+                    <a:lumMod val="60000"/>
+                    <a:lumOff val="40000"/>
+                  </a:schemeClr>
+                </a:solidFill>
+              </a:rPr>
+              <a:t>MATURA</a:t>
+            </a:r>
+            <a:endParaRPr>
+              <a:solidFill>
+                <a:schemeClr val="bg1"/>
+              </a:solidFill>
+            </a:endParaRPr>
+          </a:p>
+        </p:txBody>
+      </p:sp>
+      <p:sp>
+        <p:nvSpPr>
+          <p:cNvPr id="301186032" name="Title 1"/>
+          <p:cNvSpPr>
+            <a:spLocks noGrp="1"/>
+          </p:cNvSpPr>
+          <p:nvPr/>
+        </p:nvSpPr>
+        <p:spPr bwMode="auto">
+          <a:xfrm flipH="0" flipV="0">
+            <a:off x="3302330" y="3717523"/>
+            <a:ext cx="5289611" cy="610338"/>
+          </a:xfrm>
+          <a:prstGeom prst="roundRect">
+            <a:avLst>
+              <a:gd name="adj" fmla="val 16667"/>
+            </a:avLst>
+          </a:prstGeom>
+          <a:solidFill>
+            <a:schemeClr val="tx1">
+              <a:alpha val="63999"/>
+            </a:schemeClr>
+          </a:solidFill>
+          <a:ln w="12700">
+            <a:solidFill>
+              <a:srgbClr val="000000">
+                <a:alpha val="55999"/>
+              </a:srgbClr>
+            </a:solidFill>
+          </a:ln>
+        </p:spPr>
+        <p:txBody>
+          <a:bodyPr vertOverflow="overflow" horzOverflow="overflow" vert="horz" wrap="square" lIns="91440" tIns="45720" rIns="91440" bIns="45720" numCol="1" spcCol="0" rtlCol="0" fromWordArt="0" anchor="ctr" anchorCtr="0" forceAA="0" upright="0" compatLnSpc="0">
+            <a:normAutofit fontScale="50000" lnSpcReduction="10000"/>
+          </a:bodyPr>
+          <a:lstStyle>
+            <a:lvl1pPr algn="ctr" defTabSz="914400">
+              <a:lnSpc>
+                <a:spcPct val="90000"/>
+              </a:lnSpc>
+              <a:spcBef>
+                <a:spcPts val="0"/>
+              </a:spcBef>
+              <a:buNone/>
+              <a:defRPr sz="6000">
+                <a:solidFill>
+                  <a:schemeClr val="tx1"/>
+                </a:solidFill>
+                <a:latin typeface="+mj-lt"/>
+                <a:ea typeface="+mj-ea"/>
+                <a:cs typeface="+mj-cs"/>
+              </a:defRPr>
+            </a:lvl1pPr>
+          </a:lstStyle>
+          <a:p>
+            <a:pPr>
+              <a:defRPr/>
+            </a:pPr>
+            <a:r>
+              <a:rPr lang="pl-PL">
+                <a:ln w="6349">
+                  <a:solidFill>
+                    <a:schemeClr val="accent6"/>
+                  </a:solidFill>
+                  <a:prstDash val="solid"/>
+                </a:ln>
+                <a:solidFill>
+                  <a:schemeClr val="accent6">
+                    <a:lumMod val="60000"/>
+                    <a:lumOff val="40000"/>
+                  </a:schemeClr>
+                </a:solidFill>
+              </a:rPr>
+              <a:t>Von Neumann Kontratakuje</a:t>
+            </a:r>
+            <a:endParaRPr>
+              <a:solidFill>
+                <a:schemeClr val="bg1"/>
+              </a:solidFill>
+            </a:endParaRPr>
           </a:p>
         </p:txBody>
       </p:sp>
@@ -3386,6 +4751,1419 @@
   <p:clrMapOvr>
     <a:masterClrMapping/>
   </p:clrMapOvr>
+  <mc:AlternateContent xmlns:mc="http://schemas.openxmlformats.org/markup-compatibility/2006">
+    <mc:Choice xmlns:p159="http://schemas.microsoft.com/office/powerpoint/2015/09/main" xmlns:p14="http://schemas.microsoft.com/office/powerpoint/2010/main" Requires="p159">
+      <p:transition p14:dur="2000" advClick="1"/>
+    </mc:Choice>
+    <mc:Fallback>
+      <p:transition advClick="1"/>
+    </mc:Fallback>
+  </mc:AlternateContent>
+</p:sld>
+</file>
+
+<file path=ppt/slides/slide10.xml><?xml version="1.0" encoding="utf-8"?>
+<p:sld xmlns:a="http://schemas.openxmlformats.org/drawingml/2006/main" xmlns:r="http://schemas.openxmlformats.org/officeDocument/2006/relationships" xmlns:p="http://schemas.openxmlformats.org/presentationml/2006/main" xmlns:m="http://schemas.openxmlformats.org/officeDocument/2006/math" xmlns:w="http://schemas.openxmlformats.org/wordprocessingml/2006/main" showMasterPhAnim="0" show="1">
+  <p:cSld name="">
+    <p:bg>
+      <p:bgPr shadeToTitle="0">
+        <a:blipFill>
+          <a:blip r:embed="rId3">
+            <a:alphaModFix amt="23000"/>
+          </a:blip>
+          <a:stretch/>
+        </a:blipFill>
+      </p:bgPr>
+    </p:bg>
+    <p:spTree>
+      <p:nvGrpSpPr>
+        <p:cNvPr id="1" name=""/>
+        <p:cNvGrpSpPr/>
+        <p:nvPr/>
+      </p:nvGrpSpPr>
+      <p:grpSpPr bwMode="auto">
+        <a:xfrm>
+          <a:off x="0" y="0"/>
+          <a:ext cx="0" cy="0"/>
+          <a:chOff x="0" y="0"/>
+          <a:chExt cx="0" cy="0"/>
+        </a:xfrm>
+      </p:grpSpPr>
+      <p:sp>
+        <p:nvSpPr>
+          <p:cNvPr id="1430334485" name="Tytuł 1"/>
+          <p:cNvSpPr>
+            <a:spLocks noGrp="1"/>
+          </p:cNvSpPr>
+          <p:nvPr>
+            <p:ph type="title"/>
+          </p:nvPr>
+        </p:nvSpPr>
+        <p:spPr bwMode="auto"/>
+        <p:txBody>
+          <a:bodyPr/>
+          <a:lstStyle/>
+          <a:p>
+            <a:pPr>
+              <a:defRPr/>
+            </a:pPr>
+            <a:endParaRPr/>
+          </a:p>
+        </p:txBody>
+      </p:sp>
+      <p:sp>
+        <p:nvSpPr>
+          <p:cNvPr id="1177303339" name="Symbol zastępczy zawartości 2"/>
+          <p:cNvSpPr>
+            <a:spLocks noGrp="1"/>
+          </p:cNvSpPr>
+          <p:nvPr>
+            <p:ph idx="1"/>
+          </p:nvPr>
+        </p:nvSpPr>
+        <p:spPr bwMode="auto">
+          <a:xfrm flipH="0" flipV="0">
+            <a:off x="838198" y="1825624"/>
+            <a:ext cx="10515600" cy="4351338"/>
+          </a:xfrm>
+        </p:spPr>
+        <p:txBody>
+          <a:bodyPr vertOverflow="overflow" horzOverflow="overflow" vert="horz" wrap="square" lIns="91440" tIns="45720" rIns="91440" bIns="45720" numCol="1" spcCol="0" rtlCol="0" fromWordArt="0" anchor="t" anchorCtr="0" forceAA="0" upright="0" compatLnSpc="0">
+            <a:normAutofit/>
+          </a:bodyPr>
+          <a:lstStyle/>
+          <a:p>
+            <a:pPr>
+              <a:defRPr/>
+            </a:pPr>
+            <a:endParaRPr/>
+          </a:p>
+        </p:txBody>
+      </p:sp>
+    </p:spTree>
+  </p:cSld>
+  <p:clrMapOvr>
+    <a:masterClrMapping/>
+  </p:clrMapOvr>
+  <mc:AlternateContent xmlns:mc="http://schemas.openxmlformats.org/markup-compatibility/2006">
+    <mc:Choice xmlns:p159="http://schemas.microsoft.com/office/powerpoint/2015/09/main" xmlns:p14="http://schemas.microsoft.com/office/powerpoint/2010/main" Requires="p159">
+      <p:transition p14:dur="2000" advClick="1"/>
+    </mc:Choice>
+    <mc:Fallback>
+      <p:transition advClick="1"/>
+    </mc:Fallback>
+  </mc:AlternateContent>
+</p:sld>
+</file>
+
+<file path=ppt/slides/slide11.xml><?xml version="1.0" encoding="utf-8"?>
+<p:sld xmlns:a="http://schemas.openxmlformats.org/drawingml/2006/main" xmlns:r="http://schemas.openxmlformats.org/officeDocument/2006/relationships" xmlns:p="http://schemas.openxmlformats.org/presentationml/2006/main" xmlns:m="http://schemas.openxmlformats.org/officeDocument/2006/math" xmlns:w="http://schemas.openxmlformats.org/wordprocessingml/2006/main" showMasterPhAnim="0" show="1">
+  <p:cSld name="">
+    <p:bg>
+      <p:bgPr shadeToTitle="0">
+        <a:blipFill>
+          <a:blip r:embed="rId3">
+            <a:alphaModFix amt="23000"/>
+          </a:blip>
+          <a:stretch/>
+        </a:blipFill>
+      </p:bgPr>
+    </p:bg>
+    <p:spTree>
+      <p:nvGrpSpPr>
+        <p:cNvPr id="1" name=""/>
+        <p:cNvGrpSpPr/>
+        <p:nvPr/>
+      </p:nvGrpSpPr>
+      <p:grpSpPr bwMode="auto">
+        <a:xfrm>
+          <a:off x="0" y="0"/>
+          <a:ext cx="0" cy="0"/>
+          <a:chOff x="0" y="0"/>
+          <a:chExt cx="0" cy="0"/>
+        </a:xfrm>
+      </p:grpSpPr>
+      <p:sp>
+        <p:nvSpPr>
+          <p:cNvPr id="1190907077" name="Tytuł 1"/>
+          <p:cNvSpPr>
+            <a:spLocks noGrp="1"/>
+          </p:cNvSpPr>
+          <p:nvPr>
+            <p:ph type="title"/>
+          </p:nvPr>
+        </p:nvSpPr>
+        <p:spPr bwMode="auto"/>
+        <p:txBody>
+          <a:bodyPr/>
+          <a:lstStyle/>
+          <a:p>
+            <a:pPr>
+              <a:defRPr/>
+            </a:pPr>
+            <a:endParaRPr/>
+          </a:p>
+        </p:txBody>
+      </p:sp>
+      <p:sp>
+        <p:nvSpPr>
+          <p:cNvPr id="642647364" name="Symbol zastępczy zawartości 2"/>
+          <p:cNvSpPr>
+            <a:spLocks noGrp="1"/>
+          </p:cNvSpPr>
+          <p:nvPr>
+            <p:ph idx="1"/>
+          </p:nvPr>
+        </p:nvSpPr>
+        <p:spPr bwMode="auto">
+          <a:xfrm flipH="0" flipV="0">
+            <a:off x="838198" y="1825624"/>
+            <a:ext cx="10515600" cy="4351338"/>
+          </a:xfrm>
+        </p:spPr>
+        <p:txBody>
+          <a:bodyPr vertOverflow="overflow" horzOverflow="overflow" vert="horz" wrap="square" lIns="91440" tIns="45720" rIns="91440" bIns="45720" numCol="1" spcCol="0" rtlCol="0" fromWordArt="0" anchor="t" anchorCtr="0" forceAA="0" upright="0" compatLnSpc="0">
+            <a:normAutofit/>
+          </a:bodyPr>
+          <a:lstStyle/>
+          <a:p>
+            <a:pPr>
+              <a:defRPr/>
+            </a:pPr>
+            <a:endParaRPr/>
+          </a:p>
+        </p:txBody>
+      </p:sp>
+    </p:spTree>
+  </p:cSld>
+  <p:clrMapOvr>
+    <a:masterClrMapping/>
+  </p:clrMapOvr>
+  <mc:AlternateContent xmlns:mc="http://schemas.openxmlformats.org/markup-compatibility/2006">
+    <mc:Choice xmlns:p159="http://schemas.microsoft.com/office/powerpoint/2015/09/main" xmlns:p14="http://schemas.microsoft.com/office/powerpoint/2010/main" Requires="p159">
+      <p:transition p14:dur="2000" advClick="1"/>
+    </mc:Choice>
+    <mc:Fallback>
+      <p:transition advClick="1"/>
+    </mc:Fallback>
+  </mc:AlternateContent>
+</p:sld>
+</file>
+
+<file path=ppt/slides/slide2.xml><?xml version="1.0" encoding="utf-8"?>
+<p:sld xmlns:a="http://schemas.openxmlformats.org/drawingml/2006/main" xmlns:r="http://schemas.openxmlformats.org/officeDocument/2006/relationships" xmlns:p="http://schemas.openxmlformats.org/presentationml/2006/main" xmlns:m="http://schemas.openxmlformats.org/officeDocument/2006/math" xmlns:w="http://schemas.openxmlformats.org/wordprocessingml/2006/main" showMasterPhAnim="0" show="1">
+  <p:cSld name="">
+    <p:bg>
+      <p:bgPr shadeToTitle="0">
+        <a:blipFill>
+          <a:blip r:embed="rId3">
+            <a:alphaModFix amt="23000"/>
+          </a:blip>
+          <a:stretch/>
+        </a:blipFill>
+      </p:bgPr>
+    </p:bg>
+    <p:spTree>
+      <p:nvGrpSpPr>
+        <p:cNvPr id="1" name=""/>
+        <p:cNvGrpSpPr/>
+        <p:nvPr/>
+      </p:nvGrpSpPr>
+      <p:grpSpPr bwMode="auto">
+        <a:xfrm>
+          <a:off x="0" y="0"/>
+          <a:ext cx="0" cy="0"/>
+          <a:chOff x="0" y="0"/>
+          <a:chExt cx="0" cy="0"/>
+        </a:xfrm>
+      </p:grpSpPr>
+      <p:sp>
+        <p:nvSpPr>
+          <p:cNvPr id="298406632" name="Tytuł 1"/>
+          <p:cNvSpPr>
+            <a:spLocks noGrp="1"/>
+          </p:cNvSpPr>
+          <p:nvPr>
+            <p:ph type="title"/>
+          </p:nvPr>
+        </p:nvSpPr>
+        <p:spPr bwMode="auto"/>
+        <p:txBody>
+          <a:bodyPr/>
+          <a:lstStyle/>
+          <a:p>
+            <a:pPr>
+              <a:defRPr/>
+            </a:pPr>
+            <a:r>
+              <a:rPr/>
+              <a:t>John von Neumann</a:t>
+            </a:r>
+            <a:endParaRPr/>
+          </a:p>
+        </p:txBody>
+      </p:sp>
+      <p:sp>
+        <p:nvSpPr>
+          <p:cNvPr id="332154468" name="Symbol zastępczy zawartości 2"/>
+          <p:cNvSpPr>
+            <a:spLocks noGrp="1"/>
+          </p:cNvSpPr>
+          <p:nvPr>
+            <p:ph idx="1"/>
+          </p:nvPr>
+        </p:nvSpPr>
+        <p:spPr bwMode="auto">
+          <a:xfrm flipH="0" flipV="0">
+            <a:off x="838198" y="1825624"/>
+            <a:ext cx="7568790" cy="4351338"/>
+          </a:xfrm>
+        </p:spPr>
+        <p:txBody>
+          <a:bodyPr/>
+          <a:lstStyle/>
+          <a:p>
+            <a:pPr>
+              <a:defRPr/>
+            </a:pPr>
+            <a:r>
+              <a:rPr lang="pl-PL" sz="2800" b="0" i="0" u="none" strike="noStrike" cap="none" spc="0">
+                <a:solidFill>
+                  <a:schemeClr val="tx1"/>
+                </a:solidFill>
+                <a:latin typeface="Arial"/>
+                <a:ea typeface="Arial"/>
+                <a:cs typeface="Arial"/>
+              </a:rPr>
+              <a:t>Węgiersko-amerykański uczony pochodzenia żydowskiego; matematyk, informatyk, fizyk i inżynier chemik. </a:t>
+            </a:r>
+            <a:endParaRPr/>
+          </a:p>
+          <a:p>
+            <a:pPr>
+              <a:defRPr/>
+            </a:pPr>
+            <a:r>
+              <a:rPr lang="pl-PL" sz="2800" b="0" i="0" u="none" strike="noStrike" cap="none" spc="0">
+                <a:solidFill>
+                  <a:schemeClr val="tx1"/>
+                </a:solidFill>
+                <a:latin typeface="Arial"/>
+                <a:ea typeface="Arial"/>
+                <a:cs typeface="Arial"/>
+              </a:rPr>
+              <a:t>Von Neumann był głównym twórcą teorii gier i teorii automatów komórkowych, stworzył formalizm matematyczny mechaniki kwantowej, uczestniczył w projekcie Manhattan i przyczynił się do rozwoju numerycznych prognoz pogody. </a:t>
+            </a:r>
+            <a:endParaRPr lang="pl-PL" sz="2800" b="0" i="0" u="none" strike="noStrike" cap="none" spc="0">
+              <a:solidFill>
+                <a:schemeClr val="tx1"/>
+              </a:solidFill>
+              <a:latin typeface="Arial"/>
+              <a:ea typeface="Arial"/>
+              <a:cs typeface="Arial"/>
+            </a:endParaRPr>
+          </a:p>
+        </p:txBody>
+      </p:sp>
+      <p:pic>
+        <p:nvPicPr>
+          <p:cNvPr id="1973445159" name=""/>
+          <p:cNvPicPr>
+            <a:picLocks noChangeAspect="1"/>
+          </p:cNvPicPr>
+          <p:nvPr/>
+        </p:nvPicPr>
+        <p:blipFill>
+          <a:blip r:embed="rId4"/>
+          <a:stretch/>
+        </p:blipFill>
+        <p:spPr bwMode="auto">
+          <a:xfrm flipH="0" flipV="0">
+            <a:off x="8766698" y="2122878"/>
+            <a:ext cx="2895436" cy="3756829"/>
+          </a:xfrm>
+          <a:prstGeom prst="rect">
+            <a:avLst/>
+          </a:prstGeom>
+        </p:spPr>
+      </p:pic>
+    </p:spTree>
+  </p:cSld>
+  <p:clrMapOvr>
+    <a:masterClrMapping/>
+  </p:clrMapOvr>
+  <mc:AlternateContent xmlns:mc="http://schemas.openxmlformats.org/markup-compatibility/2006">
+    <mc:Choice xmlns:p159="http://schemas.microsoft.com/office/powerpoint/2015/09/main" xmlns:p14="http://schemas.microsoft.com/office/powerpoint/2010/main" Requires="p159">
+      <p:transition p14:dur="2000" advClick="1"/>
+    </mc:Choice>
+    <mc:Fallback>
+      <p:transition advClick="1"/>
+    </mc:Fallback>
+  </mc:AlternateContent>
+</p:sld>
+</file>
+
+<file path=ppt/slides/slide3.xml><?xml version="1.0" encoding="utf-8"?>
+<p:sld xmlns:a="http://schemas.openxmlformats.org/drawingml/2006/main" xmlns:r="http://schemas.openxmlformats.org/officeDocument/2006/relationships" xmlns:p="http://schemas.openxmlformats.org/presentationml/2006/main" xmlns:m="http://schemas.openxmlformats.org/officeDocument/2006/math" xmlns:w="http://schemas.openxmlformats.org/wordprocessingml/2006/main" showMasterPhAnim="0" show="1">
+  <p:cSld name="">
+    <p:bg>
+      <p:bgPr shadeToTitle="0">
+        <a:blipFill>
+          <a:blip r:embed="rId3">
+            <a:alphaModFix amt="23000"/>
+          </a:blip>
+          <a:stretch/>
+        </a:blipFill>
+      </p:bgPr>
+    </p:bg>
+    <p:spTree>
+      <p:nvGrpSpPr>
+        <p:cNvPr id="1" name=""/>
+        <p:cNvGrpSpPr/>
+        <p:nvPr/>
+      </p:nvGrpSpPr>
+      <p:grpSpPr bwMode="auto">
+        <a:xfrm>
+          <a:off x="0" y="0"/>
+          <a:ext cx="0" cy="0"/>
+          <a:chOff x="0" y="0"/>
+          <a:chExt cx="0" cy="0"/>
+        </a:xfrm>
+      </p:grpSpPr>
+      <p:sp>
+        <p:nvSpPr>
+          <p:cNvPr id="1873216874" name="Tytuł 1"/>
+          <p:cNvSpPr>
+            <a:spLocks noGrp="1"/>
+          </p:cNvSpPr>
+          <p:nvPr>
+            <p:ph type="title"/>
+          </p:nvPr>
+        </p:nvSpPr>
+        <p:spPr bwMode="auto"/>
+        <p:txBody>
+          <a:bodyPr/>
+          <a:lstStyle/>
+          <a:p>
+            <a:pPr>
+              <a:defRPr/>
+            </a:pPr>
+            <a:r>
+              <a:rPr/>
+              <a:t>Architektura von Neumanna</a:t>
+            </a:r>
+            <a:endParaRPr/>
+          </a:p>
+        </p:txBody>
+      </p:sp>
+      <p:sp>
+        <p:nvSpPr>
+          <p:cNvPr id="446045858" name="Symbol zastępczy zawartości 2"/>
+          <p:cNvSpPr>
+            <a:spLocks noGrp="1"/>
+          </p:cNvSpPr>
+          <p:nvPr>
+            <p:ph idx="1"/>
+          </p:nvPr>
+        </p:nvSpPr>
+        <p:spPr bwMode="auto">
+          <a:xfrm flipH="0" flipV="0">
+            <a:off x="838198" y="1825624"/>
+            <a:ext cx="6301872" cy="4351338"/>
+          </a:xfrm>
+        </p:spPr>
+        <p:txBody>
+          <a:bodyPr vertOverflow="overflow" horzOverflow="overflow" vert="horz" wrap="square" lIns="91440" tIns="45720" rIns="91440" bIns="45720" numCol="1" spcCol="0" rtlCol="0" fromWordArt="0" anchor="t" anchorCtr="0" forceAA="0" upright="0" compatLnSpc="0">
+            <a:normAutofit fontScale="60000" lnSpcReduction="8000"/>
+          </a:bodyPr>
+          <a:lstStyle/>
+          <a:p>
+            <a:pPr>
+              <a:defRPr/>
+            </a:pPr>
+            <a:r>
+              <a:rPr lang="pl-PL" sz="2800" b="0" i="0" u="none" strike="noStrike" cap="none" spc="0">
+                <a:solidFill>
+                  <a:schemeClr val="tx1"/>
+                </a:solidFill>
+                <a:latin typeface="Arial"/>
+                <a:ea typeface="Arial"/>
+                <a:cs typeface="Arial"/>
+              </a:rPr>
+              <a:t>W architekturze tej komputer składa się z czterech głównych komponentów:</a:t>
+            </a:r>
+            <a:endParaRPr lang="pl-PL" sz="2800" b="0" i="0" u="none" strike="noStrike" cap="none" spc="0">
+              <a:solidFill>
+                <a:schemeClr val="tx1"/>
+              </a:solidFill>
+              <a:latin typeface="Arial"/>
+              <a:cs typeface="Arial"/>
+            </a:endParaRPr>
+          </a:p>
+          <a:p>
+            <a:pPr>
+              <a:defRPr/>
+            </a:pPr>
+            <a:endParaRPr lang="pl-PL" sz="2800" b="0" i="0" u="none" strike="noStrike" cap="none" spc="0">
+              <a:solidFill>
+                <a:schemeClr val="tx1"/>
+              </a:solidFill>
+              <a:latin typeface="Arial"/>
+              <a:cs typeface="Arial"/>
+            </a:endParaRPr>
+          </a:p>
+          <a:p>
+            <a:pPr>
+              <a:defRPr/>
+            </a:pPr>
+            <a:r>
+              <a:rPr lang="pl-PL" sz="2800" b="0" i="0" u="none" strike="noStrike" cap="none" spc="0">
+                <a:solidFill>
+                  <a:schemeClr val="tx1"/>
+                </a:solidFill>
+                <a:latin typeface="Arial"/>
+                <a:ea typeface="Arial"/>
+                <a:cs typeface="Arial"/>
+              </a:rPr>
+              <a:t>Pamięci komputerowej przechowującej dane programu oraz instrukcje programu; każda komórka pamięci ma unikatowy identyfikator nazywany jej adresem</a:t>
+            </a:r>
+            <a:endParaRPr lang="pl-PL" sz="2800" b="0" i="0" u="none" strike="noStrike" cap="none" spc="0">
+              <a:solidFill>
+                <a:schemeClr val="tx1"/>
+              </a:solidFill>
+              <a:latin typeface="Arial"/>
+              <a:cs typeface="Arial"/>
+            </a:endParaRPr>
+          </a:p>
+          <a:p>
+            <a:pPr>
+              <a:defRPr/>
+            </a:pPr>
+            <a:r>
+              <a:rPr lang="pl-PL" sz="2800" b="0" i="0" u="none" strike="noStrike" cap="none" spc="0">
+                <a:solidFill>
+                  <a:schemeClr val="tx1"/>
+                </a:solidFill>
+                <a:latin typeface="Arial"/>
+                <a:ea typeface="Arial"/>
+                <a:cs typeface="Arial"/>
+              </a:rPr>
+              <a:t>Jednostki sterującej odpowiedzialnej za pobieranie danych i instrukcji z pamięci oraz ich sekwencyjne przetwarzanie</a:t>
+            </a:r>
+            <a:endParaRPr lang="pl-PL" sz="2800" b="0" i="0" u="none" strike="noStrike" cap="none" spc="0">
+              <a:solidFill>
+                <a:schemeClr val="tx1"/>
+              </a:solidFill>
+              <a:latin typeface="Arial"/>
+              <a:cs typeface="Arial"/>
+            </a:endParaRPr>
+          </a:p>
+          <a:p>
+            <a:pPr>
+              <a:defRPr/>
+            </a:pPr>
+            <a:r>
+              <a:rPr lang="pl-PL" sz="2800" b="0" i="0" u="none" strike="noStrike" cap="none" spc="0">
+                <a:solidFill>
+                  <a:schemeClr val="tx1"/>
+                </a:solidFill>
+                <a:latin typeface="Arial"/>
+                <a:ea typeface="Arial"/>
+                <a:cs typeface="Arial"/>
+              </a:rPr>
+              <a:t>Jednostki arytmetyczno-logicznej odpowiedzialnej za wykonywanie podstawowych operacji arytmetycznych.</a:t>
+            </a:r>
+            <a:endParaRPr lang="pl-PL" sz="2800" b="0" i="0" u="none" strike="noStrike" cap="none" spc="0">
+              <a:solidFill>
+                <a:schemeClr val="tx1"/>
+              </a:solidFill>
+              <a:latin typeface="Arial"/>
+              <a:cs typeface="Arial"/>
+            </a:endParaRPr>
+          </a:p>
+          <a:p>
+            <a:pPr>
+              <a:defRPr/>
+            </a:pPr>
+            <a:r>
+              <a:rPr lang="pl-PL" sz="2800" b="0" i="0" u="none" strike="noStrike" cap="none" spc="0">
+                <a:solidFill>
+                  <a:schemeClr val="tx1"/>
+                </a:solidFill>
+                <a:latin typeface="Arial"/>
+                <a:ea typeface="Arial"/>
+                <a:cs typeface="Arial"/>
+              </a:rPr>
+              <a:t>Urządzeń wejścia/wyjścia służących do interakcji z operatorem</a:t>
+            </a:r>
+            <a:endParaRPr lang="pl-PL" sz="2800" b="0" i="0" u="none" strike="noStrike" cap="none" spc="0">
+              <a:solidFill>
+                <a:schemeClr val="tx1"/>
+              </a:solidFill>
+              <a:latin typeface="Arial"/>
+              <a:cs typeface="Arial"/>
+            </a:endParaRPr>
+          </a:p>
+          <a:p>
+            <a:pPr>
+              <a:defRPr/>
+            </a:pPr>
+            <a:endParaRPr lang="pl-PL" sz="2800" b="0" i="0" u="none" strike="noStrike" cap="none" spc="0">
+              <a:solidFill>
+                <a:schemeClr val="tx1"/>
+              </a:solidFill>
+              <a:latin typeface="Arial"/>
+              <a:cs typeface="Arial"/>
+            </a:endParaRPr>
+          </a:p>
+          <a:p>
+            <a:pPr>
+              <a:defRPr/>
+            </a:pPr>
+            <a:r>
+              <a:rPr lang="pl-PL" sz="2800" b="0" i="0" u="none" strike="noStrike" cap="none" spc="0">
+                <a:solidFill>
+                  <a:schemeClr val="tx1"/>
+                </a:solidFill>
+                <a:latin typeface="Arial"/>
+                <a:ea typeface="Arial"/>
+                <a:cs typeface="Arial"/>
+              </a:rPr>
+              <a:t>Jednostka sterująca wraz z jednostką arytmetyczno-logiczną tworzą procesor. </a:t>
+            </a:r>
+            <a:endParaRPr/>
+          </a:p>
+        </p:txBody>
+      </p:sp>
+      <p:pic>
+        <p:nvPicPr>
+          <p:cNvPr id="474965664" name=""/>
+          <p:cNvPicPr>
+            <a:picLocks noChangeAspect="1"/>
+          </p:cNvPicPr>
+          <p:nvPr/>
+        </p:nvPicPr>
+        <p:blipFill>
+          <a:blip r:embed="rId4"/>
+          <a:stretch/>
+        </p:blipFill>
+        <p:spPr bwMode="auto">
+          <a:xfrm flipH="0" flipV="0">
+            <a:off x="7140072" y="2552329"/>
+            <a:ext cx="4818880" cy="2794950"/>
+          </a:xfrm>
+          <a:prstGeom prst="rect">
+            <a:avLst/>
+          </a:prstGeom>
+        </p:spPr>
+      </p:pic>
+    </p:spTree>
+  </p:cSld>
+  <p:clrMapOvr>
+    <a:masterClrMapping/>
+  </p:clrMapOvr>
+  <mc:AlternateContent xmlns:mc="http://schemas.openxmlformats.org/markup-compatibility/2006">
+    <mc:Choice xmlns:p159="http://schemas.microsoft.com/office/powerpoint/2015/09/main" xmlns:p14="http://schemas.microsoft.com/office/powerpoint/2010/main" Requires="p159">
+      <p:transition p14:dur="2000" advClick="1"/>
+    </mc:Choice>
+    <mc:Fallback>
+      <p:transition advClick="1"/>
+    </mc:Fallback>
+  </mc:AlternateContent>
+</p:sld>
+</file>
+
+<file path=ppt/slides/slide4.xml><?xml version="1.0" encoding="utf-8"?>
+<p:sld xmlns:a="http://schemas.openxmlformats.org/drawingml/2006/main" xmlns:r="http://schemas.openxmlformats.org/officeDocument/2006/relationships" xmlns:p="http://schemas.openxmlformats.org/presentationml/2006/main" xmlns:m="http://schemas.openxmlformats.org/officeDocument/2006/math" xmlns:w="http://schemas.openxmlformats.org/wordprocessingml/2006/main" showMasterPhAnim="0" show="1">
+  <p:cSld name="">
+    <p:bg>
+      <p:bgPr shadeToTitle="0">
+        <a:blipFill>
+          <a:blip r:embed="rId3">
+            <a:alphaModFix amt="23000"/>
+          </a:blip>
+          <a:stretch/>
+        </a:blipFill>
+      </p:bgPr>
+    </p:bg>
+    <p:spTree>
+      <p:nvGrpSpPr>
+        <p:cNvPr id="1" name=""/>
+        <p:cNvGrpSpPr/>
+        <p:nvPr/>
+      </p:nvGrpSpPr>
+      <p:grpSpPr bwMode="auto">
+        <a:xfrm>
+          <a:off x="0" y="0"/>
+          <a:ext cx="0" cy="0"/>
+          <a:chOff x="0" y="0"/>
+          <a:chExt cx="0" cy="0"/>
+        </a:xfrm>
+      </p:grpSpPr>
+      <p:sp>
+        <p:nvSpPr>
+          <p:cNvPr id="768791895" name="Tytuł 1"/>
+          <p:cNvSpPr>
+            <a:spLocks noGrp="1"/>
+          </p:cNvSpPr>
+          <p:nvPr>
+            <p:ph type="title"/>
+          </p:nvPr>
+        </p:nvSpPr>
+        <p:spPr bwMode="auto"/>
+        <p:txBody>
+          <a:bodyPr/>
+          <a:lstStyle/>
+          <a:p>
+            <a:pPr>
+              <a:defRPr/>
+            </a:pPr>
+            <a:r>
+              <a:rPr/>
+              <a:t>Zaczynamy</a:t>
+            </a:r>
+            <a:endParaRPr/>
+          </a:p>
+        </p:txBody>
+      </p:sp>
+      <p:pic>
+        <p:nvPicPr>
+          <p:cNvPr id="2010684694" name=""/>
+          <p:cNvPicPr>
+            <a:picLocks noChangeAspect="1"/>
+          </p:cNvPicPr>
+          <p:nvPr/>
+        </p:nvPicPr>
+        <p:blipFill>
+          <a:blip r:embed="rId4"/>
+          <a:stretch/>
+        </p:blipFill>
+        <p:spPr bwMode="auto">
+          <a:xfrm flipH="0" flipV="0">
+            <a:off x="693567" y="1825624"/>
+            <a:ext cx="7001359" cy="3505199"/>
+          </a:xfrm>
+          <a:prstGeom prst="rect">
+            <a:avLst/>
+          </a:prstGeom>
+        </p:spPr>
+      </p:pic>
+      <p:pic>
+        <p:nvPicPr>
+          <p:cNvPr id="170219116" name=""/>
+          <p:cNvPicPr>
+            <a:picLocks noChangeAspect="1"/>
+          </p:cNvPicPr>
+          <p:nvPr/>
+        </p:nvPicPr>
+        <p:blipFill>
+          <a:blip r:embed="rId5"/>
+          <a:stretch/>
+        </p:blipFill>
+        <p:spPr bwMode="auto">
+          <a:xfrm flipH="0" flipV="0">
+            <a:off x="8002313" y="1032179"/>
+            <a:ext cx="3934452" cy="5092090"/>
+          </a:xfrm>
+          <a:prstGeom prst="rect">
+            <a:avLst/>
+          </a:prstGeom>
+        </p:spPr>
+      </p:pic>
+      <p:sp>
+        <p:nvSpPr>
+          <p:cNvPr id="562209589" name=""/>
+          <p:cNvSpPr txBox="1"/>
+          <p:nvPr/>
+        </p:nvSpPr>
+        <p:spPr bwMode="auto">
+          <a:xfrm flipH="0" flipV="0">
+            <a:off x="3880158" y="3578224"/>
+            <a:ext cx="5426710" cy="259439"/>
+          </a:xfrm>
+          <a:prstGeom prst="rect">
+            <a:avLst/>
+          </a:prstGeom>
+          <a:noFill/>
+        </p:spPr>
+        <p:txBody>
+          <a:bodyPr vertOverflow="overflow" horzOverflow="overflow" vert="horz" wrap="square" lIns="91440" tIns="45720" rIns="91440" bIns="45720" numCol="1" spcCol="0" rtlCol="0" fromWordArt="0" anchor="t" anchorCtr="0" forceAA="0" upright="0" compatLnSpc="0">
+            <a:spAutoFit/>
+          </a:bodyPr>
+          <a:p>
+            <a:pPr algn="ctr">
+              <a:defRPr/>
+            </a:pPr>
+            <a:r>
+              <a:rPr sz="1100"/>
+              <a:t>funkcja przedstawiona dalej</a:t>
+            </a:r>
+            <a:endParaRPr sz="1100"/>
+          </a:p>
+        </p:txBody>
+      </p:sp>
+      <p:cxnSp>
+        <p:nvCxnSpPr>
+          <p:cNvPr id="0" name=""/>
+          <p:cNvCxnSpPr>
+            <a:cxnSpLocks/>
+          </p:cNvCxnSpPr>
+          <p:nvPr/>
+        </p:nvCxnSpPr>
+        <p:spPr bwMode="auto">
+          <a:xfrm flipH="0" flipV="1">
+            <a:off x="5023158" y="3707944"/>
+            <a:ext cx="597477" cy="129719"/>
+          </a:xfrm>
+          <a:prstGeom prst="line">
+            <a:avLst/>
+          </a:prstGeom>
+          <a:ln w="6350" cap="flat" cmpd="sng" algn="ctr">
+            <a:solidFill>
+              <a:schemeClr val="tx1"/>
+            </a:solidFill>
+            <a:prstDash val="solid"/>
+            <a:miter lim="800000"/>
+            <a:tailEnd type="arrow" len="med"/>
+          </a:ln>
+        </p:spPr>
+        <p:style>
+          <a:lnRef idx="1">
+            <a:schemeClr val="accent1">
+              <a:shade val="50000"/>
+            </a:schemeClr>
+          </a:lnRef>
+          <a:fillRef idx="0">
+            <a:schemeClr val="accent1"/>
+          </a:fillRef>
+          <a:effectRef idx="0">
+            <a:schemeClr val="accent1"/>
+          </a:effectRef>
+          <a:fontRef idx="minor">
+            <a:schemeClr val="tx1"/>
+          </a:fontRef>
+        </p:style>
+      </p:cxnSp>
+    </p:spTree>
+  </p:cSld>
+  <p:clrMapOvr>
+    <a:masterClrMapping/>
+  </p:clrMapOvr>
+  <mc:AlternateContent xmlns:mc="http://schemas.openxmlformats.org/markup-compatibility/2006">
+    <mc:Choice xmlns:p159="http://schemas.microsoft.com/office/powerpoint/2015/09/main" xmlns:p14="http://schemas.microsoft.com/office/powerpoint/2010/main" Requires="p159">
+      <p:transition p14:dur="2000" advClick="1"/>
+    </mc:Choice>
+    <mc:Fallback>
+      <p:transition advClick="1"/>
+    </mc:Fallback>
+  </mc:AlternateContent>
+</p:sld>
+</file>
+
+<file path=ppt/slides/slide5.xml><?xml version="1.0" encoding="utf-8"?>
+<p:sld xmlns:a="http://schemas.openxmlformats.org/drawingml/2006/main" xmlns:r="http://schemas.openxmlformats.org/officeDocument/2006/relationships" xmlns:p="http://schemas.openxmlformats.org/presentationml/2006/main" xmlns:m="http://schemas.openxmlformats.org/officeDocument/2006/math" xmlns:w="http://schemas.openxmlformats.org/wordprocessingml/2006/main" showMasterPhAnim="0" show="1">
+  <p:cSld name="">
+    <p:bg>
+      <p:bgPr shadeToTitle="0">
+        <a:blipFill>
+          <a:blip r:embed="rId3">
+            <a:alphaModFix amt="23000"/>
+          </a:blip>
+          <a:stretch/>
+        </a:blipFill>
+      </p:bgPr>
+    </p:bg>
+    <p:spTree>
+      <p:nvGrpSpPr>
+        <p:cNvPr id="1" name=""/>
+        <p:cNvGrpSpPr/>
+        <p:nvPr/>
+      </p:nvGrpSpPr>
+      <p:grpSpPr bwMode="auto">
+        <a:xfrm>
+          <a:off x="0" y="0"/>
+          <a:ext cx="0" cy="0"/>
+          <a:chOff x="0" y="0"/>
+          <a:chExt cx="0" cy="0"/>
+        </a:xfrm>
+      </p:grpSpPr>
+      <p:sp>
+        <p:nvSpPr>
+          <p:cNvPr id="300932637" name="Tytuł 1"/>
+          <p:cNvSpPr>
+            <a:spLocks noGrp="1"/>
+          </p:cNvSpPr>
+          <p:nvPr>
+            <p:ph type="title"/>
+          </p:nvPr>
+        </p:nvSpPr>
+        <p:spPr bwMode="auto"/>
+        <p:txBody>
+          <a:bodyPr/>
+          <a:lstStyle/>
+          <a:p>
+            <a:pPr>
+              <a:defRPr/>
+            </a:pPr>
+            <a:r>
+              <a:rPr/>
+              <a:t>Kontekst</a:t>
+            </a:r>
+            <a:endParaRPr/>
+          </a:p>
+        </p:txBody>
+      </p:sp>
+      <p:pic>
+        <p:nvPicPr>
+          <p:cNvPr id="1576419530" name=""/>
+          <p:cNvPicPr>
+            <a:picLocks noChangeAspect="1"/>
+          </p:cNvPicPr>
+          <p:nvPr/>
+        </p:nvPicPr>
+        <p:blipFill>
+          <a:blip r:embed="rId4"/>
+          <a:stretch/>
+        </p:blipFill>
+        <p:spPr bwMode="auto">
+          <a:xfrm flipH="0" flipV="0">
+            <a:off x="1155946" y="1427093"/>
+            <a:ext cx="4651195" cy="5240876"/>
+          </a:xfrm>
+          <a:prstGeom prst="rect">
+            <a:avLst/>
+          </a:prstGeom>
+        </p:spPr>
+      </p:pic>
+      <p:pic>
+        <p:nvPicPr>
+          <p:cNvPr id="963246018" name=""/>
+          <p:cNvPicPr>
+            <a:picLocks noChangeAspect="1"/>
+          </p:cNvPicPr>
+          <p:nvPr/>
+        </p:nvPicPr>
+        <p:blipFill>
+          <a:blip r:embed="rId5"/>
+          <a:stretch/>
+        </p:blipFill>
+        <p:spPr bwMode="auto">
+          <a:xfrm flipH="0" flipV="0">
+            <a:off x="6336004" y="281677"/>
+            <a:ext cx="5017795" cy="6294645"/>
+          </a:xfrm>
+          <a:prstGeom prst="rect">
+            <a:avLst/>
+          </a:prstGeom>
+        </p:spPr>
+      </p:pic>
+    </p:spTree>
+  </p:cSld>
+  <p:clrMapOvr>
+    <a:masterClrMapping/>
+  </p:clrMapOvr>
+  <mc:AlternateContent xmlns:mc="http://schemas.openxmlformats.org/markup-compatibility/2006">
+    <mc:Choice xmlns:p159="http://schemas.microsoft.com/office/powerpoint/2015/09/main" xmlns:p14="http://schemas.microsoft.com/office/powerpoint/2010/main" Requires="p159">
+      <p:transition p14:dur="2000" advClick="1"/>
+    </mc:Choice>
+    <mc:Fallback>
+      <p:transition advClick="1"/>
+    </mc:Fallback>
+  </mc:AlternateContent>
+</p:sld>
+</file>
+
+<file path=ppt/slides/slide6.xml><?xml version="1.0" encoding="utf-8"?>
+<p:sld xmlns:a="http://schemas.openxmlformats.org/drawingml/2006/main" xmlns:r="http://schemas.openxmlformats.org/officeDocument/2006/relationships" xmlns:p="http://schemas.openxmlformats.org/presentationml/2006/main" xmlns:m="http://schemas.openxmlformats.org/officeDocument/2006/math" xmlns:w="http://schemas.openxmlformats.org/wordprocessingml/2006/main" showMasterPhAnim="0" show="1">
+  <p:cSld name="">
+    <p:bg>
+      <p:bgPr shadeToTitle="0">
+        <a:blipFill>
+          <a:blip r:embed="rId3">
+            <a:alphaModFix amt="23000"/>
+          </a:blip>
+          <a:stretch/>
+        </a:blipFill>
+      </p:bgPr>
+    </p:bg>
+    <p:spTree>
+      <p:nvGrpSpPr>
+        <p:cNvPr id="1" name=""/>
+        <p:cNvGrpSpPr/>
+        <p:nvPr/>
+      </p:nvGrpSpPr>
+      <p:grpSpPr bwMode="auto">
+        <a:xfrm>
+          <a:off x="0" y="0"/>
+          <a:ext cx="0" cy="0"/>
+          <a:chOff x="0" y="0"/>
+          <a:chExt cx="0" cy="0"/>
+        </a:xfrm>
+      </p:grpSpPr>
+      <p:sp>
+        <p:nvSpPr>
+          <p:cNvPr id="1015883144" name="Tytuł 1"/>
+          <p:cNvSpPr>
+            <a:spLocks noGrp="1"/>
+          </p:cNvSpPr>
+          <p:nvPr>
+            <p:ph type="title"/>
+          </p:nvPr>
+        </p:nvSpPr>
+        <p:spPr bwMode="auto"/>
+        <p:txBody>
+          <a:bodyPr/>
+          <a:lstStyle/>
+          <a:p>
+            <a:pPr>
+              <a:defRPr/>
+            </a:pPr>
+            <a:r>
+              <a:rPr/>
+              <a:t>Pułapki maturalnej notacji</a:t>
+            </a:r>
+            <a:endParaRPr/>
+          </a:p>
+        </p:txBody>
+      </p:sp>
+      <p:sp>
+        <p:nvSpPr>
+          <p:cNvPr id="298935006" name="Symbol zastępczy zawartości 2"/>
+          <p:cNvSpPr>
+            <a:spLocks noGrp="1"/>
+          </p:cNvSpPr>
+          <p:nvPr>
+            <p:ph idx="1"/>
+          </p:nvPr>
+        </p:nvSpPr>
+        <p:spPr bwMode="auto">
+          <a:xfrm flipH="0" flipV="0">
+            <a:off x="838198" y="1825624"/>
+            <a:ext cx="10515600" cy="4351338"/>
+          </a:xfrm>
+        </p:spPr>
+        <p:txBody>
+          <a:bodyPr vertOverflow="overflow" horzOverflow="overflow" vert="horz" wrap="square" lIns="91440" tIns="45720" rIns="91440" bIns="45720" numCol="1" spcCol="0" rtlCol="0" fromWordArt="0" anchor="t" anchorCtr="0" forceAA="0" upright="0" compatLnSpc="0">
+            <a:normAutofit/>
+          </a:bodyPr>
+          <a:lstStyle/>
+          <a:p>
+            <a:pPr>
+              <a:defRPr/>
+            </a:pPr>
+            <a:r>
+              <a:rPr/>
+              <a:t>Indeksowanie tablicy:</a:t>
+            </a:r>
+            <a:endParaRPr/>
+          </a:p>
+          <a:p>
+            <a:pPr lvl="1">
+              <a:defRPr/>
+            </a:pPr>
+            <a:r>
+              <a:rPr/>
+              <a:t>Pseudokod w arkuszach zakłada, ze liczymy od 1 (powinno być to wskazane)</a:t>
+            </a:r>
+            <a:endParaRPr/>
+          </a:p>
+          <a:p>
+            <a:pPr lvl="0">
+              <a:defRPr/>
+            </a:pPr>
+            <a:r>
+              <a:rPr/>
+              <a:t>„Cięcie” tablicy:</a:t>
+            </a:r>
+            <a:endParaRPr/>
+          </a:p>
+          <a:p>
+            <a:pPr lvl="1">
+              <a:defRPr/>
+            </a:pPr>
+            <a:r>
+              <a:rPr/>
+              <a:t>Zapis podobny jak w Pythonie, ale dwukropek leży ..</a:t>
+            </a:r>
+            <a:endParaRPr/>
+          </a:p>
+          <a:p>
+            <a:pPr lvl="1">
+              <a:defRPr/>
+            </a:pPr>
+            <a:r>
+              <a:rPr/>
+              <a:t>Jak widzimy, obowiązuje indeksowanie włączne (elementy 1 i 10 wchodzą w skład „plastra”)</a:t>
+            </a:r>
+            <a:endParaRPr/>
+          </a:p>
+          <a:p>
+            <a:pPr marL="457200" lvl="1" indent="0">
+              <a:buFont typeface="Arial"/>
+              <a:buNone/>
+              <a:defRPr/>
+            </a:pPr>
+            <a:endParaRPr/>
+          </a:p>
+          <a:p>
+            <a:pPr lvl="0">
+              <a:defRPr/>
+            </a:pPr>
+            <a:r>
+              <a:rPr/>
+              <a:t>Do tych reguł nie należy się przywiązywać – za każdym razem trzeba zwrócić uwagę jak należy odczytywać dany zapis</a:t>
+            </a:r>
+            <a:endParaRPr/>
+          </a:p>
+        </p:txBody>
+      </p:sp>
+      <p:pic>
+        <p:nvPicPr>
+          <p:cNvPr id="437442415" name=""/>
+          <p:cNvPicPr>
+            <a:picLocks noChangeAspect="1"/>
+          </p:cNvPicPr>
+          <p:nvPr/>
+        </p:nvPicPr>
+        <p:blipFill>
+          <a:blip r:embed="rId4"/>
+          <a:stretch/>
+        </p:blipFill>
+        <p:spPr bwMode="auto">
+          <a:xfrm>
+            <a:off x="4764996" y="1969732"/>
+            <a:ext cx="4848224" cy="228600"/>
+          </a:xfrm>
+          <a:prstGeom prst="rect">
+            <a:avLst/>
+          </a:prstGeom>
+        </p:spPr>
+      </p:pic>
+      <p:pic>
+        <p:nvPicPr>
+          <p:cNvPr id="558874372" name=""/>
+          <p:cNvPicPr>
+            <a:picLocks noChangeAspect="1"/>
+          </p:cNvPicPr>
+          <p:nvPr/>
+        </p:nvPicPr>
+        <p:blipFill>
+          <a:blip r:embed="rId5"/>
+          <a:stretch/>
+        </p:blipFill>
+        <p:spPr bwMode="auto">
+          <a:xfrm>
+            <a:off x="3911723" y="3152774"/>
+            <a:ext cx="3790949" cy="276224"/>
+          </a:xfrm>
+          <a:prstGeom prst="rect">
+            <a:avLst/>
+          </a:prstGeom>
+        </p:spPr>
+      </p:pic>
+    </p:spTree>
+  </p:cSld>
+  <p:clrMapOvr>
+    <a:masterClrMapping/>
+  </p:clrMapOvr>
+  <mc:AlternateContent xmlns:mc="http://schemas.openxmlformats.org/markup-compatibility/2006">
+    <mc:Choice xmlns:p159="http://schemas.microsoft.com/office/powerpoint/2015/09/main" xmlns:p14="http://schemas.microsoft.com/office/powerpoint/2010/main" Requires="p159">
+      <p:transition p14:dur="2000" advClick="1"/>
+    </mc:Choice>
+    <mc:Fallback>
+      <p:transition advClick="1"/>
+    </mc:Fallback>
+  </mc:AlternateContent>
+</p:sld>
+</file>
+
+<file path=ppt/slides/slide7.xml><?xml version="1.0" encoding="utf-8"?>
+<p:sld xmlns:a="http://schemas.openxmlformats.org/drawingml/2006/main" xmlns:r="http://schemas.openxmlformats.org/officeDocument/2006/relationships" xmlns:p="http://schemas.openxmlformats.org/presentationml/2006/main" xmlns:m="http://schemas.openxmlformats.org/officeDocument/2006/math" xmlns:w="http://schemas.openxmlformats.org/wordprocessingml/2006/main" showMasterPhAnim="0" show="1">
+  <p:cSld name="">
+    <p:bg>
+      <p:bgPr shadeToTitle="0">
+        <a:blipFill>
+          <a:blip r:embed="rId3">
+            <a:alphaModFix amt="23000"/>
+          </a:blip>
+          <a:stretch/>
+        </a:blipFill>
+      </p:bgPr>
+    </p:bg>
+    <p:spTree>
+      <p:nvGrpSpPr>
+        <p:cNvPr id="1" name=""/>
+        <p:cNvGrpSpPr/>
+        <p:nvPr/>
+      </p:nvGrpSpPr>
+      <p:grpSpPr bwMode="auto">
+        <a:xfrm>
+          <a:off x="0" y="0"/>
+          <a:ext cx="0" cy="0"/>
+          <a:chOff x="0" y="0"/>
+          <a:chExt cx="0" cy="0"/>
+        </a:xfrm>
+      </p:grpSpPr>
+      <p:sp>
+        <p:nvSpPr>
+          <p:cNvPr id="664382307" name="Tytuł 1"/>
+          <p:cNvSpPr>
+            <a:spLocks noGrp="1"/>
+          </p:cNvSpPr>
+          <p:nvPr>
+            <p:ph type="title"/>
+          </p:nvPr>
+        </p:nvSpPr>
+        <p:spPr bwMode="auto"/>
+        <p:txBody>
+          <a:bodyPr/>
+          <a:lstStyle/>
+          <a:p>
+            <a:pPr>
+              <a:defRPr/>
+            </a:pPr>
+            <a:r>
+              <a:rPr/>
+              <a:t>Potęga Pythona</a:t>
+            </a:r>
+            <a:endParaRPr/>
+          </a:p>
+        </p:txBody>
+      </p:sp>
+      <p:sp>
+        <p:nvSpPr>
+          <p:cNvPr id="1328544798" name="Symbol zastępczy zawartości 2"/>
+          <p:cNvSpPr>
+            <a:spLocks noGrp="1"/>
+          </p:cNvSpPr>
+          <p:nvPr>
+            <p:ph idx="1"/>
+          </p:nvPr>
+        </p:nvSpPr>
+        <p:spPr bwMode="auto">
+          <a:xfrm flipH="0" flipV="0">
+            <a:off x="838198" y="1825624"/>
+            <a:ext cx="10515600" cy="4351338"/>
+          </a:xfrm>
+        </p:spPr>
+        <p:txBody>
+          <a:bodyPr vertOverflow="overflow" horzOverflow="overflow" vert="horz" wrap="square" lIns="91440" tIns="45720" rIns="91440" bIns="45720" numCol="1" spcCol="0" rtlCol="0" fromWordArt="0" anchor="t" anchorCtr="0" forceAA="0" upright="0" compatLnSpc="0">
+            <a:normAutofit/>
+          </a:bodyPr>
+          <a:lstStyle/>
+          <a:p>
+            <a:pPr>
+              <a:defRPr/>
+            </a:pPr>
+            <a:r>
+              <a:rPr/>
+              <a:t>Czy wszystkie dane </a:t>
+            </a:r>
+            <a:endParaRPr/>
+          </a:p>
+        </p:txBody>
+      </p:sp>
+    </p:spTree>
+  </p:cSld>
+  <p:clrMapOvr>
+    <a:masterClrMapping/>
+  </p:clrMapOvr>
+  <mc:AlternateContent xmlns:mc="http://schemas.openxmlformats.org/markup-compatibility/2006">
+    <mc:Choice xmlns:p159="http://schemas.microsoft.com/office/powerpoint/2015/09/main" xmlns:p14="http://schemas.microsoft.com/office/powerpoint/2010/main" Requires="p159">
+      <p:transition p14:dur="2000" advClick="1"/>
+    </mc:Choice>
+    <mc:Fallback>
+      <p:transition advClick="1"/>
+    </mc:Fallback>
+  </mc:AlternateContent>
+</p:sld>
+</file>
+
+<file path=ppt/slides/slide8.xml><?xml version="1.0" encoding="utf-8"?>
+<p:sld xmlns:a="http://schemas.openxmlformats.org/drawingml/2006/main" xmlns:r="http://schemas.openxmlformats.org/officeDocument/2006/relationships" xmlns:p="http://schemas.openxmlformats.org/presentationml/2006/main" xmlns:m="http://schemas.openxmlformats.org/officeDocument/2006/math" xmlns:w="http://schemas.openxmlformats.org/wordprocessingml/2006/main" showMasterPhAnim="0" show="1">
+  <p:cSld name="">
+    <p:bg>
+      <p:bgPr shadeToTitle="0">
+        <a:blipFill>
+          <a:blip r:embed="rId3">
+            <a:alphaModFix amt="23000"/>
+          </a:blip>
+          <a:stretch/>
+        </a:blipFill>
+      </p:bgPr>
+    </p:bg>
+    <p:spTree>
+      <p:nvGrpSpPr>
+        <p:cNvPr id="1" name=""/>
+        <p:cNvGrpSpPr/>
+        <p:nvPr/>
+      </p:nvGrpSpPr>
+      <p:grpSpPr bwMode="auto">
+        <a:xfrm>
+          <a:off x="0" y="0"/>
+          <a:ext cx="0" cy="0"/>
+          <a:chOff x="0" y="0"/>
+          <a:chExt cx="0" cy="0"/>
+        </a:xfrm>
+      </p:grpSpPr>
+      <p:sp>
+        <p:nvSpPr>
+          <p:cNvPr id="2070353033" name="Tytuł 1"/>
+          <p:cNvSpPr>
+            <a:spLocks noGrp="1"/>
+          </p:cNvSpPr>
+          <p:nvPr>
+            <p:ph type="title"/>
+          </p:nvPr>
+        </p:nvSpPr>
+        <p:spPr bwMode="auto"/>
+        <p:txBody>
+          <a:bodyPr/>
+          <a:lstStyle/>
+          <a:p>
+            <a:pPr>
+              <a:defRPr/>
+            </a:pPr>
+            <a:endParaRPr/>
+          </a:p>
+        </p:txBody>
+      </p:sp>
+      <p:sp>
+        <p:nvSpPr>
+          <p:cNvPr id="155104210" name="Symbol zastępczy zawartości 2"/>
+          <p:cNvSpPr>
+            <a:spLocks noGrp="1"/>
+          </p:cNvSpPr>
+          <p:nvPr>
+            <p:ph idx="1"/>
+          </p:nvPr>
+        </p:nvSpPr>
+        <p:spPr bwMode="auto">
+          <a:xfrm flipH="0" flipV="0">
+            <a:off x="838198" y="1825624"/>
+            <a:ext cx="10515600" cy="4351338"/>
+          </a:xfrm>
+        </p:spPr>
+        <p:txBody>
+          <a:bodyPr vertOverflow="overflow" horzOverflow="overflow" vert="horz" wrap="square" lIns="91440" tIns="45720" rIns="91440" bIns="45720" numCol="1" spcCol="0" rtlCol="0" fromWordArt="0" anchor="t" anchorCtr="0" forceAA="0" upright="0" compatLnSpc="0">
+            <a:normAutofit/>
+          </a:bodyPr>
+          <a:lstStyle/>
+          <a:p>
+            <a:pPr>
+              <a:defRPr/>
+            </a:pPr>
+            <a:endParaRPr/>
+          </a:p>
+        </p:txBody>
+      </p:sp>
+    </p:spTree>
+  </p:cSld>
+  <p:clrMapOvr>
+    <a:masterClrMapping/>
+  </p:clrMapOvr>
+  <mc:AlternateContent xmlns:mc="http://schemas.openxmlformats.org/markup-compatibility/2006">
+    <mc:Choice xmlns:p159="http://schemas.microsoft.com/office/powerpoint/2015/09/main" xmlns:p14="http://schemas.microsoft.com/office/powerpoint/2010/main" Requires="p159">
+      <p:transition p14:dur="2000" advClick="1"/>
+    </mc:Choice>
+    <mc:Fallback>
+      <p:transition advClick="1"/>
+    </mc:Fallback>
+  </mc:AlternateContent>
+</p:sld>
+</file>
+
+<file path=ppt/slides/slide9.xml><?xml version="1.0" encoding="utf-8"?>
+<p:sld xmlns:a="http://schemas.openxmlformats.org/drawingml/2006/main" xmlns:r="http://schemas.openxmlformats.org/officeDocument/2006/relationships" xmlns:p="http://schemas.openxmlformats.org/presentationml/2006/main" xmlns:m="http://schemas.openxmlformats.org/officeDocument/2006/math" xmlns:w="http://schemas.openxmlformats.org/wordprocessingml/2006/main" showMasterPhAnim="0" show="1">
+  <p:cSld name="">
+    <p:bg>
+      <p:bgPr shadeToTitle="0">
+        <a:blipFill>
+          <a:blip r:embed="rId3">
+            <a:alphaModFix amt="23000"/>
+          </a:blip>
+          <a:stretch/>
+        </a:blipFill>
+      </p:bgPr>
+    </p:bg>
+    <p:spTree>
+      <p:nvGrpSpPr>
+        <p:cNvPr id="1" name=""/>
+        <p:cNvGrpSpPr/>
+        <p:nvPr/>
+      </p:nvGrpSpPr>
+      <p:grpSpPr bwMode="auto">
+        <a:xfrm>
+          <a:off x="0" y="0"/>
+          <a:ext cx="0" cy="0"/>
+          <a:chOff x="0" y="0"/>
+          <a:chExt cx="0" cy="0"/>
+        </a:xfrm>
+      </p:grpSpPr>
+      <p:sp>
+        <p:nvSpPr>
+          <p:cNvPr id="1690420137" name="Tytuł 1"/>
+          <p:cNvSpPr>
+            <a:spLocks noGrp="1"/>
+          </p:cNvSpPr>
+          <p:nvPr>
+            <p:ph type="title"/>
+          </p:nvPr>
+        </p:nvSpPr>
+        <p:spPr bwMode="auto"/>
+        <p:txBody>
+          <a:bodyPr/>
+          <a:lstStyle/>
+          <a:p>
+            <a:pPr>
+              <a:defRPr/>
+            </a:pPr>
+            <a:endParaRPr/>
+          </a:p>
+        </p:txBody>
+      </p:sp>
+      <p:sp>
+        <p:nvSpPr>
+          <p:cNvPr id="577362140" name="Symbol zastępczy zawartości 2"/>
+          <p:cNvSpPr>
+            <a:spLocks noGrp="1"/>
+          </p:cNvSpPr>
+          <p:nvPr>
+            <p:ph idx="1"/>
+          </p:nvPr>
+        </p:nvSpPr>
+        <p:spPr bwMode="auto">
+          <a:xfrm flipH="0" flipV="0">
+            <a:off x="838198" y="1825624"/>
+            <a:ext cx="10515600" cy="4351338"/>
+          </a:xfrm>
+        </p:spPr>
+        <p:txBody>
+          <a:bodyPr vertOverflow="overflow" horzOverflow="overflow" vert="horz" wrap="square" lIns="91440" tIns="45720" rIns="91440" bIns="45720" numCol="1" spcCol="0" rtlCol="0" fromWordArt="0" anchor="t" anchorCtr="0" forceAA="0" upright="0" compatLnSpc="0">
+            <a:normAutofit/>
+          </a:bodyPr>
+          <a:lstStyle/>
+          <a:p>
+            <a:pPr>
+              <a:defRPr/>
+            </a:pPr>
+            <a:endParaRPr/>
+          </a:p>
+        </p:txBody>
+      </p:sp>
+    </p:spTree>
+  </p:cSld>
+  <p:clrMapOvr>
+    <a:masterClrMapping/>
+  </p:clrMapOvr>
+  <mc:AlternateContent xmlns:mc="http://schemas.openxmlformats.org/markup-compatibility/2006">
+    <mc:Choice xmlns:p159="http://schemas.microsoft.com/office/powerpoint/2015/09/main" xmlns:p14="http://schemas.microsoft.com/office/powerpoint/2010/main" Requires="p159">
+      <p:transition p14:dur="2000" advClick="1"/>
+    </mc:Choice>
+    <mc:Fallback>
+      <p:transition advClick="1"/>
+    </mc:Fallback>
+  </mc:AlternateContent>
 </p:sld>
 </file>
 
@@ -3432,74 +6210,14 @@
     </a:clrScheme>
     <a:fontScheme name="Office Theme">
       <a:majorFont>
-        <a:latin typeface="Arial" panose="020F0302020204030204"/>
+        <a:latin typeface="Arial"/>
         <a:ea typeface="Arial"/>
         <a:cs typeface="Arial"/>
-        <a:font script="Jpan" typeface="ＭＳ Ｐゴシック"/>
-        <a:font script="Hang" typeface="맑은 고딕"/>
-        <a:font script="Hans" typeface="宋体"/>
-        <a:font script="Hant" typeface="新細明體"/>
-        <a:font script="Arab" typeface="Times New Roman"/>
-        <a:font script="Hebr" typeface="Times New Roman"/>
-        <a:font script="Thai" typeface="Angsana New"/>
-        <a:font script="Ethi" typeface="Nyala"/>
-        <a:font script="Beng" typeface="Vrinda"/>
-        <a:font script="Gujr" typeface="Shruti"/>
-        <a:font script="Khmr" typeface="MoolBoran"/>
-        <a:font script="Knda" typeface="Tunga"/>
-        <a:font script="Guru" typeface="Raavi"/>
-        <a:font script="Cans" typeface="Euphemia"/>
-        <a:font script="Cher" typeface="Plantagenet Cherokee"/>
-        <a:font script="Yiii" typeface="Microsoft Yi Baiti"/>
-        <a:font script="Tibt" typeface="Microsoft Himalaya"/>
-        <a:font script="Thaa" typeface="MV Boli"/>
-        <a:font script="Deva" typeface="Mangal"/>
-        <a:font script="Telu" typeface="Gautami"/>
-        <a:font script="Taml" typeface="Latha"/>
-        <a:font script="Syrc" typeface="Estrangelo Edessa"/>
-        <a:font script="Orya" typeface="Kalinga"/>
-        <a:font script="Mlym" typeface="Kartika"/>
-        <a:font script="Laoo" typeface="DokChampa"/>
-        <a:font script="Sinh" typeface="Iskoola Pota"/>
-        <a:font script="Mong" typeface="Mongolian Baiti"/>
-        <a:font script="Viet" typeface="Times New Roman"/>
-        <a:font script="Uigh" typeface="Microsoft Uighur"/>
-        <a:font script="Geor" typeface="Sylfaen"/>
       </a:majorFont>
       <a:minorFont>
-        <a:latin typeface="Arial" panose="020F0502020204030204"/>
+        <a:latin typeface="Arial"/>
         <a:ea typeface="Arial"/>
         <a:cs typeface="Arial"/>
-        <a:font script="Jpan" typeface="ＭＳ Ｐゴシック"/>
-        <a:font script="Hang" typeface="맑은 고딕"/>
-        <a:font script="Hans" typeface="宋体"/>
-        <a:font script="Hant" typeface="新細明體"/>
-        <a:font script="Arab" typeface="Arial"/>
-        <a:font script="Hebr" typeface="Arial"/>
-        <a:font script="Thai" typeface="Cordia New"/>
-        <a:font script="Ethi" typeface="Nyala"/>
-        <a:font script="Beng" typeface="Vrinda"/>
-        <a:font script="Gujr" typeface="Shruti"/>
-        <a:font script="Khmr" typeface="DaunPenh"/>
-        <a:font script="Knda" typeface="Tunga"/>
-        <a:font script="Guru" typeface="Raavi"/>
-        <a:font script="Cans" typeface="Euphemia"/>
-        <a:font script="Cher" typeface="Plantagenet Cherokee"/>
-        <a:font script="Yiii" typeface="Microsoft Yi Baiti"/>
-        <a:font script="Tibt" typeface="Microsoft Himalaya"/>
-        <a:font script="Thaa" typeface="MV Boli"/>
-        <a:font script="Deva" typeface="Mangal"/>
-        <a:font script="Telu" typeface="Gautami"/>
-        <a:font script="Taml" typeface="Latha"/>
-        <a:font script="Syrc" typeface="Estrangelo Edessa"/>
-        <a:font script="Orya" typeface="Kalinga"/>
-        <a:font script="Mlym" typeface="Kartika"/>
-        <a:font script="Laoo" typeface="DokChampa"/>
-        <a:font script="Sinh" typeface="Iskoola Pota"/>
-        <a:font script="Mong" typeface="Mongolian Baiti"/>
-        <a:font script="Viet" typeface="Arial"/>
-        <a:font script="Uigh" typeface="Microsoft Uighur"/>
-        <a:font script="Geor" typeface="Sylfaen"/>
       </a:minorFont>
     </a:fontScheme>
     <a:fmtScheme name="Office Theme">
@@ -3507,7 +6225,7 @@
         <a:solidFill>
           <a:schemeClr val="phClr"/>
         </a:solidFill>
-        <a:gradFill rotWithShape="1">
+        <a:gradFill>
           <a:gsLst>
             <a:gs pos="0">
               <a:schemeClr val="phClr">
@@ -3533,7 +6251,7 @@
           </a:gsLst>
           <a:lin ang="5400000" scaled="0"/>
         </a:gradFill>
-        <a:gradFill rotWithShape="1">
+        <a:gradFill>
           <a:gsLst>
             <a:gs pos="0">
               <a:schemeClr val="phClr">
@@ -3622,7 +6340,7 @@
             <a:satMod val="170000"/>
           </a:schemeClr>
         </a:solidFill>
-        <a:gradFill rotWithShape="1">
+        <a:gradFill>
           <a:gsLst>
             <a:gs pos="0">
               <a:schemeClr val="phClr">
@@ -3699,74 +6417,14 @@
     </a:clrScheme>
     <a:fontScheme name="Arial">
       <a:majorFont>
-        <a:latin typeface="Arial" panose="020B0604020202020204"/>
+        <a:latin typeface="Arial"/>
         <a:ea typeface="Arial"/>
         <a:cs typeface="Arial"/>
-        <a:font script="Jpan" typeface="ＭＳ ゴシック"/>
-        <a:font script="Hang" typeface="맑은 고딕"/>
-        <a:font script="Hans" typeface="宋体"/>
-        <a:font script="Hant" typeface="新細明體"/>
-        <a:font script="Arab" typeface="Tahoma"/>
-        <a:font script="Hebr" typeface="Gisha"/>
-        <a:font script="Thai" typeface="DilleniaUPC"/>
-        <a:font script="Ethi" typeface="Nyala"/>
-        <a:font script="Beng" typeface="Vrinda"/>
-        <a:font script="Gujr" typeface="Shruti"/>
-        <a:font script="Khmr" typeface="DaunPenh"/>
-        <a:font script="Knda" typeface="Tunga"/>
-        <a:font script="Guru" typeface="Raavi"/>
-        <a:font script="Cans" typeface="Euphemia"/>
-        <a:font script="Cher" typeface="Plantagenet Cherokee"/>
-        <a:font script="Yiii" typeface="Microsoft Yi Baiti"/>
-        <a:font script="Tibt" typeface="Microsoft Himalaya"/>
-        <a:font script="Thaa" typeface="MV Boli"/>
-        <a:font script="Deva" typeface="Mangal"/>
-        <a:font script="Telu" typeface="Gautami"/>
-        <a:font script="Taml" typeface="Latha"/>
-        <a:font script="Syrc" typeface="Estrangelo Edessa"/>
-        <a:font script="Orya" typeface="Kalinga"/>
-        <a:font script="Mlym" typeface="Kartika"/>
-        <a:font script="Laoo" typeface="DokChampa"/>
-        <a:font script="Sinh" typeface="Iskoola Pota"/>
-        <a:font script="Mong" typeface="Mongolian Baiti"/>
-        <a:font script="Viet" typeface="Tahoma"/>
-        <a:font script="Uigh" typeface="Microsoft Uighur"/>
-        <a:font script="Geor" typeface="Sylfaen"/>
       </a:majorFont>
       <a:minorFont>
-        <a:latin typeface="Arial" panose="020B0604020202020204"/>
+        <a:latin typeface="Arial"/>
         <a:ea typeface="Arial"/>
         <a:cs typeface="Arial"/>
-        <a:font script="Jpan" typeface="ＭＳ ゴシック"/>
-        <a:font script="Hang" typeface="맑은 고딕"/>
-        <a:font script="Hans" typeface="宋体"/>
-        <a:font script="Hant" typeface="新細明體"/>
-        <a:font script="Arab" typeface="Tahoma"/>
-        <a:font script="Hebr" typeface="Gisha"/>
-        <a:font script="Thai" typeface="DilleniaUPC"/>
-        <a:font script="Ethi" typeface="Nyala"/>
-        <a:font script="Beng" typeface="Vrinda"/>
-        <a:font script="Gujr" typeface="Shruti"/>
-        <a:font script="Khmr" typeface="DaunPenh"/>
-        <a:font script="Knda" typeface="Tunga"/>
-        <a:font script="Guru" typeface="Raavi"/>
-        <a:font script="Cans" typeface="Euphemia"/>
-        <a:font script="Cher" typeface="Plantagenet Cherokee"/>
-        <a:font script="Yiii" typeface="Microsoft Yi Baiti"/>
-        <a:font script="Tibt" typeface="Microsoft Himalaya"/>
-        <a:font script="Thaa" typeface="MV Boli"/>
-        <a:font script="Deva" typeface="Mangal"/>
-        <a:font script="Telu" typeface="Gautami"/>
-        <a:font script="Taml" typeface="Latha"/>
-        <a:font script="Syrc" typeface="Estrangelo Edessa"/>
-        <a:font script="Orya" typeface="Kalinga"/>
-        <a:font script="Mlym" typeface="Kartika"/>
-        <a:font script="Laoo" typeface="DokChampa"/>
-        <a:font script="Sinh" typeface="Iskoola Pota"/>
-        <a:font script="Mong" typeface="Mongolian Baiti"/>
-        <a:font script="Viet" typeface="Verdana"/>
-        <a:font script="Uigh" typeface="Microsoft Uighur"/>
-        <a:font script="Geor" typeface="Sylfaen"/>
       </a:minorFont>
     </a:fontScheme>
     <a:fmtScheme name="Office">
@@ -3774,7 +6432,7 @@
         <a:solidFill>
           <a:schemeClr val="phClr"/>
         </a:solidFill>
-        <a:gradFill rotWithShape="1">
+        <a:gradFill>
           <a:gsLst>
             <a:gs pos="0">
               <a:schemeClr val="phClr">
@@ -3800,7 +6458,7 @@
           </a:gsLst>
           <a:lin ang="5400000" scaled="0"/>
         </a:gradFill>
-        <a:gradFill rotWithShape="1">
+        <a:gradFill>
           <a:gsLst>
             <a:gs pos="0">
               <a:schemeClr val="phClr">
@@ -3889,7 +6547,7 @@
             <a:satMod val="170000"/>
           </a:schemeClr>
         </a:solidFill>
-        <a:gradFill rotWithShape="1">
+        <a:gradFill>
           <a:gsLst>
             <a:gs pos="0">
               <a:schemeClr val="phClr">

--- a/prezentacje/Prezentacja3.pptx
+++ b/prezentacje/Prezentacja3.pptx
@@ -5,7 +5,7 @@
     <p:sldMasterId id="2147483648" r:id="rId1"/>
   </p:sldMasterIdLst>
   <p:notesMasterIdLst>
-    <p:notesMasterId r:id="rId15"/>
+    <p:notesMasterId r:id="rId25"/>
   </p:notesMasterIdLst>
   <p:sldIdLst>
     <p:sldId id="256" r:id="rId4"/>
@@ -19,6 +19,16 @@
     <p:sldId id="264" r:id="rId12"/>
     <p:sldId id="265" r:id="rId13"/>
     <p:sldId id="266" r:id="rId14"/>
+    <p:sldId id="267" r:id="rId15"/>
+    <p:sldId id="268" r:id="rId16"/>
+    <p:sldId id="269" r:id="rId17"/>
+    <p:sldId id="270" r:id="rId18"/>
+    <p:sldId id="271" r:id="rId19"/>
+    <p:sldId id="272" r:id="rId20"/>
+    <p:sldId id="273" r:id="rId21"/>
+    <p:sldId id="274" r:id="rId22"/>
+    <p:sldId id="275" r:id="rId23"/>
+    <p:sldId id="276" r:id="rId24"/>
   </p:sldIdLst>
   <p:sldSz cx="12192000" cy="6858000"/>
   <p:notesSz cx="6858000" cy="9144000"/>
@@ -603,7 +613,7 @@
       </p:grpSpPr>
       <p:sp>
         <p:nvSpPr>
-          <p:cNvPr id="729129747" name="Symbol zastępczy obrazu slajdu 1"/>
+          <p:cNvPr id="1423415076" name="Symbol zastępczy obrazu slajdu 1"/>
           <p:cNvSpPr>
             <a:spLocks noChangeAspect="1" noGrp="1" noRot="1"/>
           </p:cNvSpPr>
@@ -620,7 +630,7 @@
       </p:sp>
       <p:sp>
         <p:nvSpPr>
-          <p:cNvPr id="8943275" name="Notatki Symbol zastępczy 2"/>
+          <p:cNvPr id="214914877" name="Notatki Symbol zastępczy 2"/>
           <p:cNvSpPr>
             <a:spLocks noGrp="1"/>
           </p:cNvSpPr>
@@ -645,7 +655,7 @@
       </p:sp>
       <p:sp>
         <p:nvSpPr>
-          <p:cNvPr id="653223132" name="Symbol zastępczy numeru slajdu 3"/>
+          <p:cNvPr id="1096233756" name="Symbol zastępczy numeru slajdu 3"/>
           <p:cNvSpPr>
             <a:spLocks noGrp="1"/>
           </p:cNvSpPr>
@@ -661,7 +671,7 @@
             <a:pPr>
               <a:defRPr/>
             </a:pPr>
-            <a:fld id="{DC2F461D-03E1-8B23-990B-8A1F4C9B57A7}" type="slidenum">
+            <a:fld id="{8B2414D8-1953-0CA6-C352-01B90CC12E59}" type="slidenum">
               <a:rPr lang="pl-PL"/>
               <a:t/>
             </a:fld>
@@ -693,7 +703,7 @@
       </p:grpSpPr>
       <p:sp>
         <p:nvSpPr>
-          <p:cNvPr id="1842332405" name="Symbol zastępczy obrazu slajdu 1"/>
+          <p:cNvPr id="298569861" name="Symbol zastępczy obrazu slajdu 1"/>
           <p:cNvSpPr>
             <a:spLocks noChangeAspect="1" noGrp="1" noRot="1"/>
           </p:cNvSpPr>
@@ -710,7 +720,7 @@
       </p:sp>
       <p:sp>
         <p:nvSpPr>
-          <p:cNvPr id="1421555433" name="Notatki Symbol zastępczy 2"/>
+          <p:cNvPr id="211312607" name="Notatki Symbol zastępczy 2"/>
           <p:cNvSpPr>
             <a:spLocks noGrp="1"/>
           </p:cNvSpPr>
@@ -735,7 +745,7 @@
       </p:sp>
       <p:sp>
         <p:nvSpPr>
-          <p:cNvPr id="1647434253" name="Symbol zastępczy numeru slajdu 3"/>
+          <p:cNvPr id="847295630" name="Symbol zastępczy numeru slajdu 3"/>
           <p:cNvSpPr>
             <a:spLocks noGrp="1"/>
           </p:cNvSpPr>
@@ -751,7 +761,727 @@
             <a:pPr>
               <a:defRPr/>
             </a:pPr>
-            <a:fld id="{7B34AC55-E08C-4580-F7B3-8F0F06BAEFE0}" type="slidenum">
+            <a:fld id="{FAE85A94-8D61-B985-0898-7640B9184B53}" type="slidenum">
+              <a:rPr lang="pl-PL"/>
+              <a:t/>
+            </a:fld>
+            <a:endParaRPr lang="pl-PL"/>
+          </a:p>
+        </p:txBody>
+      </p:sp>
+    </p:spTree>
+  </p:cSld>
+</p:notes>
+</file>
+
+<file path=ppt/notesSlides/notesSlide12.xml><?xml version="1.0" encoding="utf-8"?>
+<p:notes xmlns:a="http://schemas.openxmlformats.org/drawingml/2006/main" xmlns:r="http://schemas.openxmlformats.org/officeDocument/2006/relationships" xmlns:p="http://schemas.openxmlformats.org/presentationml/2006/main" xmlns:m="http://schemas.openxmlformats.org/officeDocument/2006/math" xmlns:w="http://schemas.openxmlformats.org/wordprocessingml/2006/main">
+  <p:cSld name="">
+    <p:spTree>
+      <p:nvGrpSpPr>
+        <p:cNvPr id="1" name=""/>
+        <p:cNvGrpSpPr/>
+        <p:nvPr/>
+      </p:nvGrpSpPr>
+      <p:grpSpPr bwMode="auto">
+        <a:xfrm>
+          <a:off x="0" y="0"/>
+          <a:ext cx="0" cy="0"/>
+          <a:chOff x="0" y="0"/>
+          <a:chExt cx="0" cy="0"/>
+        </a:xfrm>
+      </p:grpSpPr>
+      <p:sp>
+        <p:nvSpPr>
+          <p:cNvPr id="574364417" name="Symbol zastępczy obrazu slajdu 1"/>
+          <p:cNvSpPr>
+            <a:spLocks noChangeAspect="1" noGrp="1" noRot="1"/>
+          </p:cNvSpPr>
+          <p:nvPr>
+            <p:ph type="sldImg"/>
+          </p:nvPr>
+        </p:nvSpPr>
+        <p:spPr bwMode="auto">
+          <a:xfrm>
+            <a:off x="685800" y="1143000"/>
+            <a:ext cx="5486400" cy="3086100"/>
+          </a:xfrm>
+        </p:spPr>
+      </p:sp>
+      <p:sp>
+        <p:nvSpPr>
+          <p:cNvPr id="1083532531" name="Notatki Symbol zastępczy 2"/>
+          <p:cNvSpPr>
+            <a:spLocks noGrp="1"/>
+          </p:cNvSpPr>
+          <p:nvPr>
+            <p:ph type="body" idx="1"/>
+          </p:nvPr>
+        </p:nvSpPr>
+        <p:spPr bwMode="auto"/>
+        <p:txBody>
+          <a:bodyPr/>
+          <a:lstStyle/>
+          <a:p>
+            <a:pPr>
+              <a:defRPr/>
+            </a:pPr>
+            <a:endParaRPr lang="pl-PL">
+              <a:latin typeface="Arial"/>
+              <a:cs typeface="Arial"/>
+            </a:endParaRPr>
+          </a:p>
+        </p:txBody>
+      </p:sp>
+      <p:sp>
+        <p:nvSpPr>
+          <p:cNvPr id="1442439450" name="Symbol zastępczy numeru slajdu 3"/>
+          <p:cNvSpPr>
+            <a:spLocks noGrp="1"/>
+          </p:cNvSpPr>
+          <p:nvPr>
+            <p:ph type="sldNum" sz="quarter" idx="10"/>
+          </p:nvPr>
+        </p:nvSpPr>
+        <p:spPr bwMode="auto"/>
+        <p:txBody>
+          <a:bodyPr/>
+          <a:lstStyle/>
+          <a:p>
+            <a:pPr>
+              <a:defRPr/>
+            </a:pPr>
+            <a:fld id="{EED8C45D-1141-279B-F90E-E7949B071771}" type="slidenum">
+              <a:rPr lang="pl-PL"/>
+              <a:t/>
+            </a:fld>
+            <a:endParaRPr lang="pl-PL"/>
+          </a:p>
+        </p:txBody>
+      </p:sp>
+    </p:spTree>
+  </p:cSld>
+</p:notes>
+</file>
+
+<file path=ppt/notesSlides/notesSlide13.xml><?xml version="1.0" encoding="utf-8"?>
+<p:notes xmlns:a="http://schemas.openxmlformats.org/drawingml/2006/main" xmlns:r="http://schemas.openxmlformats.org/officeDocument/2006/relationships" xmlns:p="http://schemas.openxmlformats.org/presentationml/2006/main" xmlns:m="http://schemas.openxmlformats.org/officeDocument/2006/math" xmlns:w="http://schemas.openxmlformats.org/wordprocessingml/2006/main">
+  <p:cSld name="">
+    <p:spTree>
+      <p:nvGrpSpPr>
+        <p:cNvPr id="1" name=""/>
+        <p:cNvGrpSpPr/>
+        <p:nvPr/>
+      </p:nvGrpSpPr>
+      <p:grpSpPr bwMode="auto">
+        <a:xfrm>
+          <a:off x="0" y="0"/>
+          <a:ext cx="0" cy="0"/>
+          <a:chOff x="0" y="0"/>
+          <a:chExt cx="0" cy="0"/>
+        </a:xfrm>
+      </p:grpSpPr>
+      <p:sp>
+        <p:nvSpPr>
+          <p:cNvPr id="713868497" name="Symbol zastępczy obrazu slajdu 1"/>
+          <p:cNvSpPr>
+            <a:spLocks noChangeAspect="1" noGrp="1" noRot="1"/>
+          </p:cNvSpPr>
+          <p:nvPr>
+            <p:ph type="sldImg"/>
+          </p:nvPr>
+        </p:nvSpPr>
+        <p:spPr bwMode="auto">
+          <a:xfrm>
+            <a:off x="685800" y="1143000"/>
+            <a:ext cx="5486400" cy="3086100"/>
+          </a:xfrm>
+        </p:spPr>
+      </p:sp>
+      <p:sp>
+        <p:nvSpPr>
+          <p:cNvPr id="16762153" name="Notatki Symbol zastępczy 2"/>
+          <p:cNvSpPr>
+            <a:spLocks noGrp="1"/>
+          </p:cNvSpPr>
+          <p:nvPr>
+            <p:ph type="body" idx="1"/>
+          </p:nvPr>
+        </p:nvSpPr>
+        <p:spPr bwMode="auto"/>
+        <p:txBody>
+          <a:bodyPr/>
+          <a:lstStyle/>
+          <a:p>
+            <a:pPr>
+              <a:defRPr/>
+            </a:pPr>
+            <a:endParaRPr lang="pl-PL">
+              <a:latin typeface="Arial"/>
+              <a:cs typeface="Arial"/>
+            </a:endParaRPr>
+          </a:p>
+        </p:txBody>
+      </p:sp>
+      <p:sp>
+        <p:nvSpPr>
+          <p:cNvPr id="395339395" name="Symbol zastępczy numeru slajdu 3"/>
+          <p:cNvSpPr>
+            <a:spLocks noGrp="1"/>
+          </p:cNvSpPr>
+          <p:nvPr>
+            <p:ph type="sldNum" sz="quarter" idx="10"/>
+          </p:nvPr>
+        </p:nvSpPr>
+        <p:spPr bwMode="auto"/>
+        <p:txBody>
+          <a:bodyPr/>
+          <a:lstStyle/>
+          <a:p>
+            <a:pPr>
+              <a:defRPr/>
+            </a:pPr>
+            <a:fld id="{F540DED9-3D9E-4058-9A2F-EE7A0C7B630A}" type="slidenum">
+              <a:rPr lang="pl-PL"/>
+              <a:t/>
+            </a:fld>
+            <a:endParaRPr lang="pl-PL"/>
+          </a:p>
+        </p:txBody>
+      </p:sp>
+    </p:spTree>
+  </p:cSld>
+</p:notes>
+</file>
+
+<file path=ppt/notesSlides/notesSlide14.xml><?xml version="1.0" encoding="utf-8"?>
+<p:notes xmlns:a="http://schemas.openxmlformats.org/drawingml/2006/main" xmlns:r="http://schemas.openxmlformats.org/officeDocument/2006/relationships" xmlns:p="http://schemas.openxmlformats.org/presentationml/2006/main" xmlns:m="http://schemas.openxmlformats.org/officeDocument/2006/math" xmlns:w="http://schemas.openxmlformats.org/wordprocessingml/2006/main">
+  <p:cSld name="">
+    <p:spTree>
+      <p:nvGrpSpPr>
+        <p:cNvPr id="1" name=""/>
+        <p:cNvGrpSpPr/>
+        <p:nvPr/>
+      </p:nvGrpSpPr>
+      <p:grpSpPr bwMode="auto">
+        <a:xfrm>
+          <a:off x="0" y="0"/>
+          <a:ext cx="0" cy="0"/>
+          <a:chOff x="0" y="0"/>
+          <a:chExt cx="0" cy="0"/>
+        </a:xfrm>
+      </p:grpSpPr>
+      <p:sp>
+        <p:nvSpPr>
+          <p:cNvPr id="1824010268" name="Symbol zastępczy obrazu slajdu 1"/>
+          <p:cNvSpPr>
+            <a:spLocks noChangeAspect="1" noGrp="1" noRot="1"/>
+          </p:cNvSpPr>
+          <p:nvPr>
+            <p:ph type="sldImg"/>
+          </p:nvPr>
+        </p:nvSpPr>
+        <p:spPr bwMode="auto">
+          <a:xfrm>
+            <a:off x="685800" y="1143000"/>
+            <a:ext cx="5486400" cy="3086100"/>
+          </a:xfrm>
+        </p:spPr>
+      </p:sp>
+      <p:sp>
+        <p:nvSpPr>
+          <p:cNvPr id="152023688" name="Notatki Symbol zastępczy 2"/>
+          <p:cNvSpPr>
+            <a:spLocks noGrp="1"/>
+          </p:cNvSpPr>
+          <p:nvPr>
+            <p:ph type="body" idx="1"/>
+          </p:nvPr>
+        </p:nvSpPr>
+        <p:spPr bwMode="auto"/>
+        <p:txBody>
+          <a:bodyPr/>
+          <a:lstStyle/>
+          <a:p>
+            <a:pPr>
+              <a:defRPr/>
+            </a:pPr>
+            <a:endParaRPr lang="pl-PL">
+              <a:latin typeface="Arial"/>
+              <a:cs typeface="Arial"/>
+            </a:endParaRPr>
+          </a:p>
+        </p:txBody>
+      </p:sp>
+      <p:sp>
+        <p:nvSpPr>
+          <p:cNvPr id="280307514" name="Symbol zastępczy numeru slajdu 3"/>
+          <p:cNvSpPr>
+            <a:spLocks noGrp="1"/>
+          </p:cNvSpPr>
+          <p:nvPr>
+            <p:ph type="sldNum" sz="quarter" idx="10"/>
+          </p:nvPr>
+        </p:nvSpPr>
+        <p:spPr bwMode="auto"/>
+        <p:txBody>
+          <a:bodyPr/>
+          <a:lstStyle/>
+          <a:p>
+            <a:pPr>
+              <a:defRPr/>
+            </a:pPr>
+            <a:fld id="{1584C64D-F194-5A30-3BB3-6DF6BAB31ABE}" type="slidenum">
+              <a:rPr lang="pl-PL"/>
+              <a:t/>
+            </a:fld>
+            <a:endParaRPr lang="pl-PL"/>
+          </a:p>
+        </p:txBody>
+      </p:sp>
+    </p:spTree>
+  </p:cSld>
+</p:notes>
+</file>
+
+<file path=ppt/notesSlides/notesSlide15.xml><?xml version="1.0" encoding="utf-8"?>
+<p:notes xmlns:a="http://schemas.openxmlformats.org/drawingml/2006/main" xmlns:r="http://schemas.openxmlformats.org/officeDocument/2006/relationships" xmlns:p="http://schemas.openxmlformats.org/presentationml/2006/main" xmlns:m="http://schemas.openxmlformats.org/officeDocument/2006/math" xmlns:w="http://schemas.openxmlformats.org/wordprocessingml/2006/main">
+  <p:cSld name="">
+    <p:spTree>
+      <p:nvGrpSpPr>
+        <p:cNvPr id="1" name=""/>
+        <p:cNvGrpSpPr/>
+        <p:nvPr/>
+      </p:nvGrpSpPr>
+      <p:grpSpPr bwMode="auto">
+        <a:xfrm>
+          <a:off x="0" y="0"/>
+          <a:ext cx="0" cy="0"/>
+          <a:chOff x="0" y="0"/>
+          <a:chExt cx="0" cy="0"/>
+        </a:xfrm>
+      </p:grpSpPr>
+      <p:sp>
+        <p:nvSpPr>
+          <p:cNvPr id="1543434056" name="Symbol zastępczy obrazu slajdu 1"/>
+          <p:cNvSpPr>
+            <a:spLocks noChangeAspect="1" noGrp="1" noRot="1"/>
+          </p:cNvSpPr>
+          <p:nvPr>
+            <p:ph type="sldImg"/>
+          </p:nvPr>
+        </p:nvSpPr>
+        <p:spPr bwMode="auto">
+          <a:xfrm>
+            <a:off x="685800" y="1143000"/>
+            <a:ext cx="5486400" cy="3086100"/>
+          </a:xfrm>
+        </p:spPr>
+      </p:sp>
+      <p:sp>
+        <p:nvSpPr>
+          <p:cNvPr id="654786613" name="Notatki Symbol zastępczy 2"/>
+          <p:cNvSpPr>
+            <a:spLocks noGrp="1"/>
+          </p:cNvSpPr>
+          <p:nvPr>
+            <p:ph type="body" idx="1"/>
+          </p:nvPr>
+        </p:nvSpPr>
+        <p:spPr bwMode="auto"/>
+        <p:txBody>
+          <a:bodyPr/>
+          <a:lstStyle/>
+          <a:p>
+            <a:pPr>
+              <a:defRPr/>
+            </a:pPr>
+            <a:endParaRPr lang="pl-PL">
+              <a:latin typeface="Arial"/>
+              <a:cs typeface="Arial"/>
+            </a:endParaRPr>
+          </a:p>
+        </p:txBody>
+      </p:sp>
+      <p:sp>
+        <p:nvSpPr>
+          <p:cNvPr id="988650976" name="Symbol zastępczy numeru slajdu 3"/>
+          <p:cNvSpPr>
+            <a:spLocks noGrp="1"/>
+          </p:cNvSpPr>
+          <p:nvPr>
+            <p:ph type="sldNum" sz="quarter" idx="10"/>
+          </p:nvPr>
+        </p:nvSpPr>
+        <p:spPr bwMode="auto"/>
+        <p:txBody>
+          <a:bodyPr/>
+          <a:lstStyle/>
+          <a:p>
+            <a:pPr>
+              <a:defRPr/>
+            </a:pPr>
+            <a:fld id="{D34824BB-6CE4-09A9-A11A-5E4F84C9E65B}" type="slidenum">
+              <a:rPr lang="pl-PL"/>
+              <a:t/>
+            </a:fld>
+            <a:endParaRPr lang="pl-PL"/>
+          </a:p>
+        </p:txBody>
+      </p:sp>
+    </p:spTree>
+  </p:cSld>
+</p:notes>
+</file>
+
+<file path=ppt/notesSlides/notesSlide16.xml><?xml version="1.0" encoding="utf-8"?>
+<p:notes xmlns:a="http://schemas.openxmlformats.org/drawingml/2006/main" xmlns:r="http://schemas.openxmlformats.org/officeDocument/2006/relationships" xmlns:p="http://schemas.openxmlformats.org/presentationml/2006/main" xmlns:m="http://schemas.openxmlformats.org/officeDocument/2006/math" xmlns:w="http://schemas.openxmlformats.org/wordprocessingml/2006/main">
+  <p:cSld name="">
+    <p:spTree>
+      <p:nvGrpSpPr>
+        <p:cNvPr id="1" name=""/>
+        <p:cNvGrpSpPr/>
+        <p:nvPr/>
+      </p:nvGrpSpPr>
+      <p:grpSpPr bwMode="auto">
+        <a:xfrm>
+          <a:off x="0" y="0"/>
+          <a:ext cx="0" cy="0"/>
+          <a:chOff x="0" y="0"/>
+          <a:chExt cx="0" cy="0"/>
+        </a:xfrm>
+      </p:grpSpPr>
+      <p:sp>
+        <p:nvSpPr>
+          <p:cNvPr id="11831703" name="Symbol zastępczy obrazu slajdu 1"/>
+          <p:cNvSpPr>
+            <a:spLocks noChangeAspect="1" noGrp="1" noRot="1"/>
+          </p:cNvSpPr>
+          <p:nvPr>
+            <p:ph type="sldImg"/>
+          </p:nvPr>
+        </p:nvSpPr>
+        <p:spPr bwMode="auto">
+          <a:xfrm>
+            <a:off x="685800" y="1143000"/>
+            <a:ext cx="5486400" cy="3086100"/>
+          </a:xfrm>
+        </p:spPr>
+      </p:sp>
+      <p:sp>
+        <p:nvSpPr>
+          <p:cNvPr id="871148421" name="Notatki Symbol zastępczy 2"/>
+          <p:cNvSpPr>
+            <a:spLocks noGrp="1"/>
+          </p:cNvSpPr>
+          <p:nvPr>
+            <p:ph type="body" idx="1"/>
+          </p:nvPr>
+        </p:nvSpPr>
+        <p:spPr bwMode="auto"/>
+        <p:txBody>
+          <a:bodyPr/>
+          <a:lstStyle/>
+          <a:p>
+            <a:pPr>
+              <a:defRPr/>
+            </a:pPr>
+            <a:endParaRPr lang="pl-PL">
+              <a:latin typeface="Arial"/>
+              <a:cs typeface="Arial"/>
+            </a:endParaRPr>
+          </a:p>
+        </p:txBody>
+      </p:sp>
+      <p:sp>
+        <p:nvSpPr>
+          <p:cNvPr id="2094279939" name="Symbol zastępczy numeru slajdu 3"/>
+          <p:cNvSpPr>
+            <a:spLocks noGrp="1"/>
+          </p:cNvSpPr>
+          <p:nvPr>
+            <p:ph type="sldNum" sz="quarter" idx="10"/>
+          </p:nvPr>
+        </p:nvSpPr>
+        <p:spPr bwMode="auto"/>
+        <p:txBody>
+          <a:bodyPr/>
+          <a:lstStyle/>
+          <a:p>
+            <a:pPr>
+              <a:defRPr/>
+            </a:pPr>
+            <a:fld id="{044D0507-D4A1-4307-C663-1E261F7CB95A}" type="slidenum">
+              <a:rPr lang="pl-PL"/>
+              <a:t/>
+            </a:fld>
+            <a:endParaRPr lang="pl-PL"/>
+          </a:p>
+        </p:txBody>
+      </p:sp>
+    </p:spTree>
+  </p:cSld>
+</p:notes>
+</file>
+
+<file path=ppt/notesSlides/notesSlide17.xml><?xml version="1.0" encoding="utf-8"?>
+<p:notes xmlns:a="http://schemas.openxmlformats.org/drawingml/2006/main" xmlns:r="http://schemas.openxmlformats.org/officeDocument/2006/relationships" xmlns:p="http://schemas.openxmlformats.org/presentationml/2006/main" xmlns:m="http://schemas.openxmlformats.org/officeDocument/2006/math" xmlns:w="http://schemas.openxmlformats.org/wordprocessingml/2006/main">
+  <p:cSld name="">
+    <p:spTree>
+      <p:nvGrpSpPr>
+        <p:cNvPr id="1" name=""/>
+        <p:cNvGrpSpPr/>
+        <p:nvPr/>
+      </p:nvGrpSpPr>
+      <p:grpSpPr bwMode="auto">
+        <a:xfrm>
+          <a:off x="0" y="0"/>
+          <a:ext cx="0" cy="0"/>
+          <a:chOff x="0" y="0"/>
+          <a:chExt cx="0" cy="0"/>
+        </a:xfrm>
+      </p:grpSpPr>
+      <p:sp>
+        <p:nvSpPr>
+          <p:cNvPr id="453786206" name="Symbol zastępczy obrazu slajdu 1"/>
+          <p:cNvSpPr>
+            <a:spLocks noChangeAspect="1" noGrp="1" noRot="1"/>
+          </p:cNvSpPr>
+          <p:nvPr>
+            <p:ph type="sldImg"/>
+          </p:nvPr>
+        </p:nvSpPr>
+        <p:spPr bwMode="auto">
+          <a:xfrm>
+            <a:off x="685800" y="1143000"/>
+            <a:ext cx="5486400" cy="3086100"/>
+          </a:xfrm>
+        </p:spPr>
+      </p:sp>
+      <p:sp>
+        <p:nvSpPr>
+          <p:cNvPr id="281726496" name="Notatki Symbol zastępczy 2"/>
+          <p:cNvSpPr>
+            <a:spLocks noGrp="1"/>
+          </p:cNvSpPr>
+          <p:nvPr>
+            <p:ph type="body" idx="1"/>
+          </p:nvPr>
+        </p:nvSpPr>
+        <p:spPr bwMode="auto"/>
+        <p:txBody>
+          <a:bodyPr/>
+          <a:lstStyle/>
+          <a:p>
+            <a:pPr>
+              <a:defRPr/>
+            </a:pPr>
+            <a:endParaRPr lang="pl-PL">
+              <a:latin typeface="Arial"/>
+              <a:cs typeface="Arial"/>
+            </a:endParaRPr>
+          </a:p>
+        </p:txBody>
+      </p:sp>
+      <p:sp>
+        <p:nvSpPr>
+          <p:cNvPr id="655547721" name="Symbol zastępczy numeru slajdu 3"/>
+          <p:cNvSpPr>
+            <a:spLocks noGrp="1"/>
+          </p:cNvSpPr>
+          <p:nvPr>
+            <p:ph type="sldNum" sz="quarter" idx="10"/>
+          </p:nvPr>
+        </p:nvSpPr>
+        <p:spPr bwMode="auto"/>
+        <p:txBody>
+          <a:bodyPr/>
+          <a:lstStyle/>
+          <a:p>
+            <a:pPr>
+              <a:defRPr/>
+            </a:pPr>
+            <a:fld id="{4FE59E79-6E88-CAAC-FBAE-88A3E4E037F3}" type="slidenum">
+              <a:rPr lang="pl-PL"/>
+              <a:t/>
+            </a:fld>
+            <a:endParaRPr lang="pl-PL"/>
+          </a:p>
+        </p:txBody>
+      </p:sp>
+    </p:spTree>
+  </p:cSld>
+</p:notes>
+</file>
+
+<file path=ppt/notesSlides/notesSlide18.xml><?xml version="1.0" encoding="utf-8"?>
+<p:notes xmlns:a="http://schemas.openxmlformats.org/drawingml/2006/main" xmlns:r="http://schemas.openxmlformats.org/officeDocument/2006/relationships" xmlns:p="http://schemas.openxmlformats.org/presentationml/2006/main" xmlns:m="http://schemas.openxmlformats.org/officeDocument/2006/math" xmlns:w="http://schemas.openxmlformats.org/wordprocessingml/2006/main">
+  <p:cSld name="">
+    <p:spTree>
+      <p:nvGrpSpPr>
+        <p:cNvPr id="1" name=""/>
+        <p:cNvGrpSpPr/>
+        <p:nvPr/>
+      </p:nvGrpSpPr>
+      <p:grpSpPr bwMode="auto">
+        <a:xfrm>
+          <a:off x="0" y="0"/>
+          <a:ext cx="0" cy="0"/>
+          <a:chOff x="0" y="0"/>
+          <a:chExt cx="0" cy="0"/>
+        </a:xfrm>
+      </p:grpSpPr>
+      <p:sp>
+        <p:nvSpPr>
+          <p:cNvPr id="1276314705" name="Symbol zastępczy obrazu slajdu 1"/>
+          <p:cNvSpPr>
+            <a:spLocks noChangeAspect="1" noGrp="1" noRot="1"/>
+          </p:cNvSpPr>
+          <p:nvPr>
+            <p:ph type="sldImg"/>
+          </p:nvPr>
+        </p:nvSpPr>
+        <p:spPr bwMode="auto">
+          <a:xfrm>
+            <a:off x="685800" y="1143000"/>
+            <a:ext cx="5486400" cy="3086100"/>
+          </a:xfrm>
+        </p:spPr>
+      </p:sp>
+      <p:sp>
+        <p:nvSpPr>
+          <p:cNvPr id="954228837" name="Notatki Symbol zastępczy 2"/>
+          <p:cNvSpPr>
+            <a:spLocks noGrp="1"/>
+          </p:cNvSpPr>
+          <p:nvPr>
+            <p:ph type="body" idx="1"/>
+          </p:nvPr>
+        </p:nvSpPr>
+        <p:spPr bwMode="auto"/>
+        <p:txBody>
+          <a:bodyPr/>
+          <a:lstStyle/>
+          <a:p>
+            <a:pPr>
+              <a:defRPr/>
+            </a:pPr>
+            <a:endParaRPr lang="pl-PL">
+              <a:latin typeface="Arial"/>
+              <a:cs typeface="Arial"/>
+            </a:endParaRPr>
+          </a:p>
+        </p:txBody>
+      </p:sp>
+      <p:sp>
+        <p:nvSpPr>
+          <p:cNvPr id="1658229345" name="Symbol zastępczy numeru slajdu 3"/>
+          <p:cNvSpPr>
+            <a:spLocks noGrp="1"/>
+          </p:cNvSpPr>
+          <p:nvPr>
+            <p:ph type="sldNum" sz="quarter" idx="10"/>
+          </p:nvPr>
+        </p:nvSpPr>
+        <p:spPr bwMode="auto"/>
+        <p:txBody>
+          <a:bodyPr/>
+          <a:lstStyle/>
+          <a:p>
+            <a:pPr>
+              <a:defRPr/>
+            </a:pPr>
+            <a:fld id="{4D5EA36E-4EB9-FC7A-EB40-5B0789A39103}" type="slidenum">
+              <a:rPr lang="pl-PL"/>
+              <a:t/>
+            </a:fld>
+            <a:endParaRPr lang="pl-PL"/>
+          </a:p>
+        </p:txBody>
+      </p:sp>
+    </p:spTree>
+  </p:cSld>
+</p:notes>
+</file>
+
+<file path=ppt/notesSlides/notesSlide19.xml><?xml version="1.0" encoding="utf-8"?>
+<p:notes xmlns:a="http://schemas.openxmlformats.org/drawingml/2006/main" xmlns:r="http://schemas.openxmlformats.org/officeDocument/2006/relationships" xmlns:p="http://schemas.openxmlformats.org/presentationml/2006/main" xmlns:m="http://schemas.openxmlformats.org/officeDocument/2006/math" xmlns:w="http://schemas.openxmlformats.org/wordprocessingml/2006/main">
+  <p:cSld name="">
+    <p:spTree>
+      <p:nvGrpSpPr>
+        <p:cNvPr id="1" name=""/>
+        <p:cNvGrpSpPr/>
+        <p:nvPr/>
+      </p:nvGrpSpPr>
+      <p:grpSpPr bwMode="auto">
+        <a:xfrm>
+          <a:off x="0" y="0"/>
+          <a:ext cx="0" cy="0"/>
+          <a:chOff x="0" y="0"/>
+          <a:chExt cx="0" cy="0"/>
+        </a:xfrm>
+      </p:grpSpPr>
+      <p:sp>
+        <p:nvSpPr>
+          <p:cNvPr id="875908464" name="Symbol zastępczy obrazu slajdu 1"/>
+          <p:cNvSpPr>
+            <a:spLocks noChangeAspect="1" noGrp="1" noRot="1"/>
+          </p:cNvSpPr>
+          <p:nvPr>
+            <p:ph type="sldImg"/>
+          </p:nvPr>
+        </p:nvSpPr>
+        <p:spPr bwMode="auto">
+          <a:xfrm>
+            <a:off x="685800" y="1143000"/>
+            <a:ext cx="5486400" cy="3086100"/>
+          </a:xfrm>
+        </p:spPr>
+      </p:sp>
+      <p:sp>
+        <p:nvSpPr>
+          <p:cNvPr id="1095163676" name="Notatki Symbol zastępczy 2"/>
+          <p:cNvSpPr>
+            <a:spLocks noGrp="1"/>
+          </p:cNvSpPr>
+          <p:nvPr>
+            <p:ph type="body" idx="1"/>
+          </p:nvPr>
+        </p:nvSpPr>
+        <p:spPr bwMode="auto"/>
+        <p:txBody>
+          <a:bodyPr/>
+          <a:lstStyle/>
+          <a:p>
+            <a:pPr>
+              <a:defRPr/>
+            </a:pPr>
+            <a:endParaRPr lang="pl-PL">
+              <a:latin typeface="Arial"/>
+              <a:cs typeface="Arial"/>
+            </a:endParaRPr>
+          </a:p>
+        </p:txBody>
+      </p:sp>
+      <p:sp>
+        <p:nvSpPr>
+          <p:cNvPr id="1123868225" name="Symbol zastępczy numeru slajdu 3"/>
+          <p:cNvSpPr>
+            <a:spLocks noGrp="1"/>
+          </p:cNvSpPr>
+          <p:nvPr>
+            <p:ph type="sldNum" sz="quarter" idx="10"/>
+          </p:nvPr>
+        </p:nvSpPr>
+        <p:spPr bwMode="auto"/>
+        <p:txBody>
+          <a:bodyPr/>
+          <a:lstStyle/>
+          <a:p>
+            <a:pPr>
+              <a:defRPr/>
+            </a:pPr>
+            <a:fld id="{C9F20DC5-689C-B401-68FA-7088809F3DBC}" type="slidenum">
               <a:rPr lang="pl-PL"/>
               <a:t/>
             </a:fld>
@@ -854,6 +1584,186 @@
 </p:notes>
 </file>
 
+<file path=ppt/notesSlides/notesSlide20.xml><?xml version="1.0" encoding="utf-8"?>
+<p:notes xmlns:a="http://schemas.openxmlformats.org/drawingml/2006/main" xmlns:r="http://schemas.openxmlformats.org/officeDocument/2006/relationships" xmlns:p="http://schemas.openxmlformats.org/presentationml/2006/main" xmlns:m="http://schemas.openxmlformats.org/officeDocument/2006/math" xmlns:w="http://schemas.openxmlformats.org/wordprocessingml/2006/main">
+  <p:cSld name="">
+    <p:spTree>
+      <p:nvGrpSpPr>
+        <p:cNvPr id="1" name=""/>
+        <p:cNvGrpSpPr/>
+        <p:nvPr/>
+      </p:nvGrpSpPr>
+      <p:grpSpPr bwMode="auto">
+        <a:xfrm>
+          <a:off x="0" y="0"/>
+          <a:ext cx="0" cy="0"/>
+          <a:chOff x="0" y="0"/>
+          <a:chExt cx="0" cy="0"/>
+        </a:xfrm>
+      </p:grpSpPr>
+      <p:sp>
+        <p:nvSpPr>
+          <p:cNvPr id="729129747" name="Symbol zastępczy obrazu slajdu 1"/>
+          <p:cNvSpPr>
+            <a:spLocks noChangeAspect="1" noGrp="1" noRot="1"/>
+          </p:cNvSpPr>
+          <p:nvPr>
+            <p:ph type="sldImg"/>
+          </p:nvPr>
+        </p:nvSpPr>
+        <p:spPr bwMode="auto">
+          <a:xfrm>
+            <a:off x="685800" y="1143000"/>
+            <a:ext cx="5486400" cy="3086100"/>
+          </a:xfrm>
+        </p:spPr>
+      </p:sp>
+      <p:sp>
+        <p:nvSpPr>
+          <p:cNvPr id="8943275" name="Notatki Symbol zastępczy 2"/>
+          <p:cNvSpPr>
+            <a:spLocks noGrp="1"/>
+          </p:cNvSpPr>
+          <p:nvPr>
+            <p:ph type="body" idx="1"/>
+          </p:nvPr>
+        </p:nvSpPr>
+        <p:spPr bwMode="auto"/>
+        <p:txBody>
+          <a:bodyPr/>
+          <a:lstStyle/>
+          <a:p>
+            <a:pPr>
+              <a:defRPr/>
+            </a:pPr>
+            <a:endParaRPr lang="pl-PL">
+              <a:latin typeface="Arial"/>
+              <a:cs typeface="Arial"/>
+            </a:endParaRPr>
+          </a:p>
+        </p:txBody>
+      </p:sp>
+      <p:sp>
+        <p:nvSpPr>
+          <p:cNvPr id="653223132" name="Symbol zastępczy numeru slajdu 3"/>
+          <p:cNvSpPr>
+            <a:spLocks noGrp="1"/>
+          </p:cNvSpPr>
+          <p:nvPr>
+            <p:ph type="sldNum" sz="quarter" idx="10"/>
+          </p:nvPr>
+        </p:nvSpPr>
+        <p:spPr bwMode="auto"/>
+        <p:txBody>
+          <a:bodyPr/>
+          <a:lstStyle/>
+          <a:p>
+            <a:pPr>
+              <a:defRPr/>
+            </a:pPr>
+            <a:fld id="{DC2F461D-03E1-8B23-990B-8A1F4C9B57A7}" type="slidenum">
+              <a:rPr lang="pl-PL"/>
+              <a:t/>
+            </a:fld>
+            <a:endParaRPr lang="pl-PL"/>
+          </a:p>
+        </p:txBody>
+      </p:sp>
+    </p:spTree>
+  </p:cSld>
+</p:notes>
+</file>
+
+<file path=ppt/notesSlides/notesSlide21.xml><?xml version="1.0" encoding="utf-8"?>
+<p:notes xmlns:a="http://schemas.openxmlformats.org/drawingml/2006/main" xmlns:r="http://schemas.openxmlformats.org/officeDocument/2006/relationships" xmlns:p="http://schemas.openxmlformats.org/presentationml/2006/main" xmlns:m="http://schemas.openxmlformats.org/officeDocument/2006/math" xmlns:w="http://schemas.openxmlformats.org/wordprocessingml/2006/main">
+  <p:cSld name="">
+    <p:spTree>
+      <p:nvGrpSpPr>
+        <p:cNvPr id="1" name=""/>
+        <p:cNvGrpSpPr/>
+        <p:nvPr/>
+      </p:nvGrpSpPr>
+      <p:grpSpPr bwMode="auto">
+        <a:xfrm>
+          <a:off x="0" y="0"/>
+          <a:ext cx="0" cy="0"/>
+          <a:chOff x="0" y="0"/>
+          <a:chExt cx="0" cy="0"/>
+        </a:xfrm>
+      </p:grpSpPr>
+      <p:sp>
+        <p:nvSpPr>
+          <p:cNvPr id="1842332405" name="Symbol zastępczy obrazu slajdu 1"/>
+          <p:cNvSpPr>
+            <a:spLocks noChangeAspect="1" noGrp="1" noRot="1"/>
+          </p:cNvSpPr>
+          <p:nvPr>
+            <p:ph type="sldImg"/>
+          </p:nvPr>
+        </p:nvSpPr>
+        <p:spPr bwMode="auto">
+          <a:xfrm>
+            <a:off x="685800" y="1143000"/>
+            <a:ext cx="5486400" cy="3086100"/>
+          </a:xfrm>
+        </p:spPr>
+      </p:sp>
+      <p:sp>
+        <p:nvSpPr>
+          <p:cNvPr id="1421555433" name="Notatki Symbol zastępczy 2"/>
+          <p:cNvSpPr>
+            <a:spLocks noGrp="1"/>
+          </p:cNvSpPr>
+          <p:nvPr>
+            <p:ph type="body" idx="1"/>
+          </p:nvPr>
+        </p:nvSpPr>
+        <p:spPr bwMode="auto"/>
+        <p:txBody>
+          <a:bodyPr/>
+          <a:lstStyle/>
+          <a:p>
+            <a:pPr>
+              <a:defRPr/>
+            </a:pPr>
+            <a:endParaRPr lang="pl-PL">
+              <a:latin typeface="Arial"/>
+              <a:cs typeface="Arial"/>
+            </a:endParaRPr>
+          </a:p>
+        </p:txBody>
+      </p:sp>
+      <p:sp>
+        <p:nvSpPr>
+          <p:cNvPr id="1647434253" name="Symbol zastępczy numeru slajdu 3"/>
+          <p:cNvSpPr>
+            <a:spLocks noGrp="1"/>
+          </p:cNvSpPr>
+          <p:nvPr>
+            <p:ph type="sldNum" sz="quarter" idx="10"/>
+          </p:nvPr>
+        </p:nvSpPr>
+        <p:spPr bwMode="auto"/>
+        <p:txBody>
+          <a:bodyPr/>
+          <a:lstStyle/>
+          <a:p>
+            <a:pPr>
+              <a:defRPr/>
+            </a:pPr>
+            <a:fld id="{7B34AC55-E08C-4580-F7B3-8F0F06BAEFE0}" type="slidenum">
+              <a:rPr lang="pl-PL"/>
+              <a:t/>
+            </a:fld>
+            <a:endParaRPr lang="pl-PL"/>
+          </a:p>
+        </p:txBody>
+      </p:sp>
+    </p:spTree>
+  </p:cSld>
+</p:notes>
+</file>
+
 <file path=ppt/notesSlides/notesSlide3.xml><?xml version="1.0" encoding="utf-8"?>
 <p:notes xmlns:a="http://schemas.openxmlformats.org/drawingml/2006/main" xmlns:r="http://schemas.openxmlformats.org/officeDocument/2006/relationships" xmlns:p="http://schemas.openxmlformats.org/presentationml/2006/main" xmlns:m="http://schemas.openxmlformats.org/officeDocument/2006/math" xmlns:w="http://schemas.openxmlformats.org/wordprocessingml/2006/main">
   <p:cSld name="">
@@ -1323,7 +2233,7 @@
       </p:grpSpPr>
       <p:sp>
         <p:nvSpPr>
-          <p:cNvPr id="1851290233" name="Symbol zastępczy obrazu slajdu 1"/>
+          <p:cNvPr id="1896233619" name="Symbol zastępczy obrazu slajdu 1"/>
           <p:cNvSpPr>
             <a:spLocks noChangeAspect="1" noGrp="1" noRot="1"/>
           </p:cNvSpPr>
@@ -1340,7 +2250,7 @@
       </p:sp>
       <p:sp>
         <p:nvSpPr>
-          <p:cNvPr id="1495504580" name="Notatki Symbol zastępczy 2"/>
+          <p:cNvPr id="1301118311" name="Notatki Symbol zastępczy 2"/>
           <p:cNvSpPr>
             <a:spLocks noGrp="1"/>
           </p:cNvSpPr>
@@ -1365,7 +2275,7 @@
       </p:sp>
       <p:sp>
         <p:nvSpPr>
-          <p:cNvPr id="441732952" name="Symbol zastępczy numeru slajdu 3"/>
+          <p:cNvPr id="69521614" name="Symbol zastępczy numeru slajdu 3"/>
           <p:cNvSpPr>
             <a:spLocks noGrp="1"/>
           </p:cNvSpPr>
@@ -1381,7 +2291,7 @@
             <a:pPr>
               <a:defRPr/>
             </a:pPr>
-            <a:fld id="{F72439CC-E8F7-3F7F-60EE-5BA01CDC69BF}" type="slidenum">
+            <a:fld id="{04825AD0-8C8A-A124-9D86-9D05FC5BF952}" type="slidenum">
               <a:rPr lang="pl-PL"/>
               <a:t/>
             </a:fld>
@@ -1413,7 +2323,7 @@
       </p:grpSpPr>
       <p:sp>
         <p:nvSpPr>
-          <p:cNvPr id="713868497" name="Symbol zastępczy obrazu slajdu 1"/>
+          <p:cNvPr id="1851290233" name="Symbol zastępczy obrazu slajdu 1"/>
           <p:cNvSpPr>
             <a:spLocks noChangeAspect="1" noGrp="1" noRot="1"/>
           </p:cNvSpPr>
@@ -1430,7 +2340,7 @@
       </p:sp>
       <p:sp>
         <p:nvSpPr>
-          <p:cNvPr id="16762153" name="Notatki Symbol zastępczy 2"/>
+          <p:cNvPr id="1495504580" name="Notatki Symbol zastępczy 2"/>
           <p:cNvSpPr>
             <a:spLocks noGrp="1"/>
           </p:cNvSpPr>
@@ -1455,7 +2365,7 @@
       </p:sp>
       <p:sp>
         <p:nvSpPr>
-          <p:cNvPr id="395339395" name="Symbol zastępczy numeru slajdu 3"/>
+          <p:cNvPr id="441732952" name="Symbol zastępczy numeru slajdu 3"/>
           <p:cNvSpPr>
             <a:spLocks noGrp="1"/>
           </p:cNvSpPr>
@@ -1471,7 +2381,7 @@
             <a:pPr>
               <a:defRPr/>
             </a:pPr>
-            <a:fld id="{F540DED9-3D9E-4058-9A2F-EE7A0C7B630A}" type="slidenum">
+            <a:fld id="{F72439CC-E8F7-3F7F-60EE-5BA01CDC69BF}" type="slidenum">
               <a:rPr lang="pl-PL"/>
               <a:t/>
             </a:fld>
@@ -4791,7 +5701,7 @@
       </p:grpSpPr>
       <p:sp>
         <p:nvSpPr>
-          <p:cNvPr id="1430334485" name="Tytuł 1"/>
+          <p:cNvPr id="1216633748" name="Tytuł 1"/>
           <p:cNvSpPr>
             <a:spLocks noGrp="1"/>
           </p:cNvSpPr>
@@ -4807,13 +5717,17 @@
             <a:pPr>
               <a:defRPr/>
             </a:pPr>
-            <a:endParaRPr/>
-          </a:p>
-        </p:txBody>
-      </p:sp>
-      <p:sp>
-        <p:nvSpPr>
-          <p:cNvPr id="1177303339" name="Symbol zastępczy zawartości 2"/>
+            <a:r>
+              <a:rPr/>
+              <a:t>Czy porównanie stringów wystarczy?</a:t>
+            </a:r>
+            <a:endParaRPr/>
+          </a:p>
+        </p:txBody>
+      </p:sp>
+      <p:sp>
+        <p:nvSpPr>
+          <p:cNvPr id="1163313358" name="Symbol zastępczy zawartości 2"/>
           <p:cNvSpPr>
             <a:spLocks noGrp="1"/>
           </p:cNvSpPr>
@@ -4823,7 +5737,7 @@
         </p:nvSpPr>
         <p:spPr bwMode="auto">
           <a:xfrm flipH="0" flipV="0">
-            <a:off x="838198" y="1825624"/>
+            <a:off x="838197" y="1825623"/>
             <a:ext cx="10515600" cy="4351338"/>
           </a:xfrm>
         </p:spPr>
@@ -4836,10 +5750,98 @@
             <a:pPr>
               <a:defRPr/>
             </a:pPr>
-            <a:endParaRPr/>
-          </a:p>
-        </p:txBody>
-      </p:sp>
+            <a:r>
+              <a:rPr/>
+              <a:t>Czy zawsze dobrze wiemy, jak działa dana funkcja języka programowania?</a:t>
+            </a:r>
+            <a:endParaRPr/>
+          </a:p>
+          <a:p>
+            <a:pPr>
+              <a:defRPr/>
+            </a:pPr>
+            <a:r>
+              <a:rPr/>
+              <a:t>Nietrudno byłoby sobie wyobrazić sytuację, gdzie porównanie np. zawsze uznaje krótszy napis za mniejszy</a:t>
+            </a:r>
+            <a:endParaRPr/>
+          </a:p>
+          <a:p>
+            <a:pPr>
+              <a:defRPr/>
+            </a:pPr>
+            <a:r>
+              <a:rPr/>
+              <a:t>Jak sobie radzić takimi sytuacjami?</a:t>
+            </a:r>
+            <a:endParaRPr/>
+          </a:p>
+          <a:p>
+            <a:pPr>
+              <a:defRPr/>
+            </a:pPr>
+            <a:r>
+              <a:rPr/>
+              <a:t>Zazwyczaj da się napisać prosty test. Najlepiej jest wyszukać przypadek skrajny, aby mieć pewność co do wyniku.</a:t>
+            </a:r>
+            <a:endParaRPr/>
+          </a:p>
+          <a:p>
+            <a:pPr>
+              <a:defRPr/>
+            </a:pPr>
+            <a:r>
+              <a:rPr/>
+              <a:t>Czasem test jest szybszy niż szukanie w internecie</a:t>
+            </a:r>
+            <a:endParaRPr/>
+          </a:p>
+        </p:txBody>
+      </p:sp>
+      <p:pic>
+        <p:nvPicPr>
+          <p:cNvPr id="1878324452" name=""/>
+          <p:cNvPicPr>
+            <a:picLocks noChangeAspect="1"/>
+          </p:cNvPicPr>
+          <p:nvPr/>
+        </p:nvPicPr>
+        <p:blipFill>
+          <a:blip r:embed="rId4"/>
+          <a:stretch/>
+        </p:blipFill>
+        <p:spPr bwMode="auto">
+          <a:xfrm flipH="0" flipV="0">
+            <a:off x="9534247" y="4808737"/>
+            <a:ext cx="2526849" cy="1873049"/>
+          </a:xfrm>
+          <a:prstGeom prst="rect">
+            <a:avLst/>
+          </a:prstGeom>
+        </p:spPr>
+      </p:pic>
+      <p:pic>
+        <p:nvPicPr>
+          <p:cNvPr id="923654547" name=""/>
+          <p:cNvPicPr>
+            <a:picLocks noChangeAspect="1"/>
+          </p:cNvPicPr>
+          <p:nvPr/>
+        </p:nvPicPr>
+        <p:blipFill>
+          <a:blip r:embed="rId5"/>
+          <a:stretch/>
+        </p:blipFill>
+        <p:spPr bwMode="auto">
+          <a:xfrm flipH="0" flipV="0">
+            <a:off x="6095999" y="5927694"/>
+            <a:ext cx="3125329" cy="592167"/>
+          </a:xfrm>
+          <a:prstGeom prst="rect">
+            <a:avLst/>
+          </a:prstGeom>
+        </p:spPr>
+      </p:pic>
     </p:spTree>
   </p:cSld>
   <p:clrMapOvr>
@@ -4885,7 +5887,7 @@
       </p:grpSpPr>
       <p:sp>
         <p:nvSpPr>
-          <p:cNvPr id="1190907077" name="Tytuł 1"/>
+          <p:cNvPr id="889063880" name="Tytuł 1"/>
           <p:cNvSpPr>
             <a:spLocks noGrp="1"/>
           </p:cNvSpPr>
@@ -4893,31 +5895,1091 @@
             <p:ph type="title"/>
           </p:nvPr>
         </p:nvSpPr>
-        <p:spPr bwMode="auto"/>
-        <p:txBody>
-          <a:bodyPr/>
-          <a:lstStyle/>
-          <a:p>
-            <a:pPr>
-              <a:defRPr/>
-            </a:pPr>
-            <a:endParaRPr/>
-          </a:p>
-        </p:txBody>
-      </p:sp>
-      <p:sp>
-        <p:nvSpPr>
-          <p:cNvPr id="642647364" name="Symbol zastępczy zawartości 2"/>
-          <p:cNvSpPr>
-            <a:spLocks noGrp="1"/>
-          </p:cNvSpPr>
-          <p:nvPr>
-            <p:ph idx="1"/>
-          </p:nvPr>
+        <p:spPr bwMode="auto">
+          <a:xfrm>
+            <a:off x="838199" y="365124"/>
+            <a:ext cx="10515600" cy="1325562"/>
+          </a:xfrm>
+        </p:spPr>
+        <p:txBody>
+          <a:bodyPr/>
+          <a:lstStyle/>
+          <a:p>
+            <a:pPr>
+              <a:defRPr/>
+            </a:pPr>
+            <a:r>
+              <a:rPr/>
+              <a:t>Rozwiązanie</a:t>
+            </a:r>
+            <a:endParaRPr/>
+          </a:p>
+        </p:txBody>
+      </p:sp>
+      <p:sp>
+        <p:nvSpPr>
+          <p:cNvPr id="402899794" name=""/>
+          <p:cNvSpPr txBox="1"/>
+          <p:nvPr/>
         </p:nvSpPr>
         <p:spPr bwMode="auto">
           <a:xfrm flipH="0" flipV="0">
-            <a:off x="838198" y="1825624"/>
+            <a:off x="2224305" y="2866158"/>
+            <a:ext cx="7744105" cy="1189079"/>
+          </a:xfrm>
+          <a:prstGeom prst="rect">
+            <a:avLst/>
+          </a:prstGeom>
+          <a:noFill/>
+        </p:spPr>
+        <p:txBody>
+          <a:bodyPr vertOverflow="overflow" horzOverflow="overflow" vert="horz" wrap="square" lIns="91440" tIns="45720" rIns="91440" bIns="45720" numCol="1" spcCol="0" rtlCol="0" fromWordArt="0" anchor="t" anchorCtr="0" forceAA="0" upright="0" compatLnSpc="0">
+            <a:spAutoFit/>
+          </a:bodyPr>
+          <a:p>
+            <a:pPr algn="ctr">
+              <a:defRPr/>
+            </a:pPr>
+            <a:r>
+              <a:rPr sz="7200">
+                <a:latin typeface="Courier New"/>
+                <a:ea typeface="Courier New"/>
+                <a:cs typeface="Courier New"/>
+              </a:rPr>
+              <a:t>Loading...</a:t>
+            </a:r>
+            <a:endParaRPr sz="1400"/>
+          </a:p>
+        </p:txBody>
+      </p:sp>
+    </p:spTree>
+  </p:cSld>
+  <p:clrMapOvr>
+    <a:masterClrMapping/>
+  </p:clrMapOvr>
+  <mc:AlternateContent xmlns:mc="http://schemas.openxmlformats.org/markup-compatibility/2006">
+    <mc:Choice xmlns:p159="http://schemas.microsoft.com/office/powerpoint/2015/09/main" xmlns:p14="http://schemas.microsoft.com/office/powerpoint/2010/main" Requires="p159">
+      <p:transition p14:dur="2000" advClick="1"/>
+    </mc:Choice>
+    <mc:Fallback>
+      <p:transition advClick="1"/>
+    </mc:Fallback>
+  </mc:AlternateContent>
+</p:sld>
+</file>
+
+<file path=ppt/slides/slide12.xml><?xml version="1.0" encoding="utf-8"?>
+<p:sld xmlns:a="http://schemas.openxmlformats.org/drawingml/2006/main" xmlns:r="http://schemas.openxmlformats.org/officeDocument/2006/relationships" xmlns:p="http://schemas.openxmlformats.org/presentationml/2006/main" xmlns:m="http://schemas.openxmlformats.org/officeDocument/2006/math" xmlns:w="http://schemas.openxmlformats.org/wordprocessingml/2006/main" showMasterPhAnim="0" show="1">
+  <p:cSld name="">
+    <p:bg>
+      <p:bgPr shadeToTitle="0">
+        <a:blipFill>
+          <a:blip r:embed="rId3">
+            <a:alphaModFix amt="23000"/>
+          </a:blip>
+          <a:stretch/>
+        </a:blipFill>
+      </p:bgPr>
+    </p:bg>
+    <p:spTree>
+      <p:nvGrpSpPr>
+        <p:cNvPr id="1" name=""/>
+        <p:cNvGrpSpPr/>
+        <p:nvPr/>
+      </p:nvGrpSpPr>
+      <p:grpSpPr bwMode="auto">
+        <a:xfrm>
+          <a:off x="0" y="0"/>
+          <a:ext cx="0" cy="0"/>
+          <a:chOff x="0" y="0"/>
+          <a:chExt cx="0" cy="0"/>
+        </a:xfrm>
+      </p:grpSpPr>
+      <p:sp>
+        <p:nvSpPr>
+          <p:cNvPr id="800350863" name="Tytuł 1"/>
+          <p:cNvSpPr>
+            <a:spLocks noGrp="1"/>
+          </p:cNvSpPr>
+          <p:nvPr>
+            <p:ph type="title"/>
+          </p:nvPr>
+        </p:nvSpPr>
+        <p:spPr bwMode="auto">
+          <a:xfrm>
+            <a:off x="838199" y="365124"/>
+            <a:ext cx="10515600" cy="1325562"/>
+          </a:xfrm>
+        </p:spPr>
+        <p:txBody>
+          <a:bodyPr/>
+          <a:lstStyle/>
+          <a:p>
+            <a:pPr>
+              <a:defRPr/>
+            </a:pPr>
+            <a:r>
+              <a:rPr/>
+              <a:t>Rozwiązanie</a:t>
+            </a:r>
+            <a:endParaRPr/>
+          </a:p>
+        </p:txBody>
+      </p:sp>
+      <p:pic>
+        <p:nvPicPr>
+          <p:cNvPr id="421167146" name=""/>
+          <p:cNvPicPr>
+            <a:picLocks noChangeAspect="1"/>
+          </p:cNvPicPr>
+          <p:nvPr/>
+        </p:nvPicPr>
+        <p:blipFill>
+          <a:blip r:embed="rId4"/>
+          <a:stretch/>
+        </p:blipFill>
+        <p:spPr bwMode="auto">
+          <a:xfrm flipH="0" flipV="0">
+            <a:off x="2543082" y="1840266"/>
+            <a:ext cx="7709608" cy="3916346"/>
+          </a:xfrm>
+          <a:prstGeom prst="rect">
+            <a:avLst/>
+          </a:prstGeom>
+        </p:spPr>
+      </p:pic>
+    </p:spTree>
+  </p:cSld>
+  <p:clrMapOvr>
+    <a:masterClrMapping/>
+  </p:clrMapOvr>
+  <mc:AlternateContent xmlns:mc="http://schemas.openxmlformats.org/markup-compatibility/2006">
+    <mc:Choice xmlns:p159="http://schemas.microsoft.com/office/powerpoint/2015/09/main" xmlns:p14="http://schemas.microsoft.com/office/powerpoint/2010/main" Requires="p159">
+      <p:transition p14:dur="2000" advClick="1"/>
+    </mc:Choice>
+    <mc:Fallback>
+      <p:transition advClick="1"/>
+    </mc:Fallback>
+  </mc:AlternateContent>
+</p:sld>
+</file>
+
+<file path=ppt/slides/slide13.xml><?xml version="1.0" encoding="utf-8"?>
+<p:sld xmlns:a="http://schemas.openxmlformats.org/drawingml/2006/main" xmlns:r="http://schemas.openxmlformats.org/officeDocument/2006/relationships" xmlns:p="http://schemas.openxmlformats.org/presentationml/2006/main" xmlns:m="http://schemas.openxmlformats.org/officeDocument/2006/math" xmlns:w="http://schemas.openxmlformats.org/wordprocessingml/2006/main" showMasterPhAnim="0" show="1">
+  <p:cSld name="">
+    <p:bg>
+      <p:bgPr shadeToTitle="0">
+        <a:blipFill>
+          <a:blip r:embed="rId3">
+            <a:alphaModFix amt="23000"/>
+          </a:blip>
+          <a:stretch/>
+        </a:blipFill>
+      </p:bgPr>
+    </p:bg>
+    <p:spTree>
+      <p:nvGrpSpPr>
+        <p:cNvPr id="1" name=""/>
+        <p:cNvGrpSpPr/>
+        <p:nvPr/>
+      </p:nvGrpSpPr>
+      <p:grpSpPr bwMode="auto">
+        <a:xfrm>
+          <a:off x="0" y="0"/>
+          <a:ext cx="0" cy="0"/>
+          <a:chOff x="0" y="0"/>
+          <a:chExt cx="0" cy="0"/>
+        </a:xfrm>
+      </p:grpSpPr>
+      <p:sp>
+        <p:nvSpPr>
+          <p:cNvPr id="1690420137" name="Tytuł 1"/>
+          <p:cNvSpPr>
+            <a:spLocks noGrp="1"/>
+          </p:cNvSpPr>
+          <p:nvPr>
+            <p:ph type="title"/>
+          </p:nvPr>
+        </p:nvSpPr>
+        <p:spPr bwMode="auto"/>
+        <p:txBody>
+          <a:bodyPr/>
+          <a:lstStyle/>
+          <a:p>
+            <a:pPr>
+              <a:defRPr/>
+            </a:pPr>
+            <a:r>
+              <a:rPr/>
+              <a:t>Walczymy dalej</a:t>
+            </a:r>
+            <a:endParaRPr/>
+          </a:p>
+        </p:txBody>
+      </p:sp>
+      <p:pic>
+        <p:nvPicPr>
+          <p:cNvPr id="1974133764" name=""/>
+          <p:cNvPicPr>
+            <a:picLocks noChangeAspect="1"/>
+          </p:cNvPicPr>
+          <p:nvPr/>
+        </p:nvPicPr>
+        <p:blipFill>
+          <a:blip r:embed="rId4"/>
+          <a:stretch/>
+        </p:blipFill>
+        <p:spPr bwMode="auto">
+          <a:xfrm>
+            <a:off x="480873" y="1758155"/>
+            <a:ext cx="7439024" cy="4486275"/>
+          </a:xfrm>
+          <a:prstGeom prst="rect">
+            <a:avLst/>
+          </a:prstGeom>
+        </p:spPr>
+      </p:pic>
+      <p:pic>
+        <p:nvPicPr>
+          <p:cNvPr id="211236759" name=""/>
+          <p:cNvPicPr>
+            <a:picLocks noChangeAspect="1"/>
+          </p:cNvPicPr>
+          <p:nvPr/>
+        </p:nvPicPr>
+        <p:blipFill>
+          <a:blip r:embed="rId5"/>
+          <a:stretch/>
+        </p:blipFill>
+        <p:spPr bwMode="auto">
+          <a:xfrm flipH="0" flipV="0">
+            <a:off x="8136338" y="2182426"/>
+            <a:ext cx="3776014" cy="3784014"/>
+          </a:xfrm>
+          <a:prstGeom prst="rect">
+            <a:avLst/>
+          </a:prstGeom>
+        </p:spPr>
+      </p:pic>
+    </p:spTree>
+  </p:cSld>
+  <p:clrMapOvr>
+    <a:masterClrMapping/>
+  </p:clrMapOvr>
+  <mc:AlternateContent xmlns:mc="http://schemas.openxmlformats.org/markup-compatibility/2006">
+    <mc:Choice xmlns:p159="http://schemas.microsoft.com/office/powerpoint/2015/09/main" xmlns:p14="http://schemas.microsoft.com/office/powerpoint/2010/main" Requires="p159">
+      <p:transition p14:dur="2000" advClick="1"/>
+    </mc:Choice>
+    <mc:Fallback>
+      <p:transition advClick="1"/>
+    </mc:Fallback>
+  </mc:AlternateContent>
+</p:sld>
+</file>
+
+<file path=ppt/slides/slide14.xml><?xml version="1.0" encoding="utf-8"?>
+<p:sld xmlns:a="http://schemas.openxmlformats.org/drawingml/2006/main" xmlns:r="http://schemas.openxmlformats.org/officeDocument/2006/relationships" xmlns:p="http://schemas.openxmlformats.org/presentationml/2006/main" xmlns:m="http://schemas.openxmlformats.org/officeDocument/2006/math" xmlns:w="http://schemas.openxmlformats.org/wordprocessingml/2006/main" showMasterPhAnim="0" show="1">
+  <p:cSld name="">
+    <p:bg>
+      <p:bgPr shadeToTitle="0">
+        <a:blipFill>
+          <a:blip r:embed="rId3">
+            <a:alphaModFix amt="23000"/>
+          </a:blip>
+          <a:stretch/>
+        </a:blipFill>
+      </p:bgPr>
+    </p:bg>
+    <p:spTree>
+      <p:nvGrpSpPr>
+        <p:cNvPr id="1" name=""/>
+        <p:cNvGrpSpPr/>
+        <p:nvPr/>
+      </p:nvGrpSpPr>
+      <p:grpSpPr bwMode="auto">
+        <a:xfrm>
+          <a:off x="0" y="0"/>
+          <a:ext cx="0" cy="0"/>
+          <a:chOff x="0" y="0"/>
+          <a:chExt cx="0" cy="0"/>
+        </a:xfrm>
+      </p:grpSpPr>
+      <p:sp>
+        <p:nvSpPr>
+          <p:cNvPr id="1958746300" name="Tytuł 1"/>
+          <p:cNvSpPr>
+            <a:spLocks noGrp="1"/>
+          </p:cNvSpPr>
+          <p:nvPr>
+            <p:ph type="title"/>
+          </p:nvPr>
+        </p:nvSpPr>
+        <p:spPr bwMode="auto"/>
+        <p:txBody>
+          <a:bodyPr/>
+          <a:lstStyle/>
+          <a:p>
+            <a:pPr>
+              <a:defRPr/>
+            </a:pPr>
+            <a:r>
+              <a:rPr/>
+              <a:t>Już to widzieliśmy</a:t>
+            </a:r>
+            <a:endParaRPr/>
+          </a:p>
+        </p:txBody>
+      </p:sp>
+      <p:sp>
+        <p:nvSpPr>
+          <p:cNvPr id="417518393" name="Symbol zastępczy zawartości 2"/>
+          <p:cNvSpPr>
+            <a:spLocks noGrp="1"/>
+          </p:cNvSpPr>
+          <p:nvPr>
+            <p:ph idx="1"/>
+          </p:nvPr>
+        </p:nvSpPr>
+        <p:spPr bwMode="auto">
+          <a:xfrm flipH="0" flipV="0">
+            <a:off x="838197" y="1825623"/>
+            <a:ext cx="10515600" cy="4351338"/>
+          </a:xfrm>
+        </p:spPr>
+        <p:txBody>
+          <a:bodyPr vertOverflow="overflow" horzOverflow="overflow" vert="horz" wrap="square" lIns="91440" tIns="45720" rIns="91440" bIns="45720" numCol="1" spcCol="0" rtlCol="0" fromWordArt="0" anchor="t" anchorCtr="0" forceAA="0" upright="0" compatLnSpc="0">
+            <a:normAutofit fontScale="95000" lnSpcReduction="1000"/>
+          </a:bodyPr>
+          <a:lstStyle/>
+          <a:p>
+            <a:pPr>
+              <a:defRPr/>
+            </a:pPr>
+            <a:r>
+              <a:rPr/>
+              <a:t>Znowu obowiązują nas ograniczenia odnośnie elementów języka, które możemy wykorzystać</a:t>
+            </a:r>
+            <a:endParaRPr/>
+          </a:p>
+          <a:p>
+            <a:pPr>
+              <a:defRPr/>
+            </a:pPr>
+            <a:r>
+              <a:rPr/>
+              <a:t>Przypomnijmy, są to:</a:t>
+            </a:r>
+            <a:endParaRPr/>
+          </a:p>
+          <a:p>
+            <a:pPr lvl="1">
+              <a:defRPr/>
+            </a:pPr>
+            <a:r>
+              <a:rPr/>
+              <a:t>Operacje arytmetyczne</a:t>
+            </a:r>
+            <a:endParaRPr/>
+          </a:p>
+          <a:p>
+            <a:pPr lvl="1">
+              <a:defRPr/>
+            </a:pPr>
+            <a:r>
+              <a:rPr/>
+              <a:t>Porównania</a:t>
+            </a:r>
+            <a:endParaRPr/>
+          </a:p>
+          <a:p>
+            <a:pPr lvl="1">
+              <a:defRPr/>
+            </a:pPr>
+            <a:r>
+              <a:rPr/>
+              <a:t>Zmienne (pojedyncze oraz tablice)</a:t>
+            </a:r>
+            <a:endParaRPr/>
+          </a:p>
+          <a:p>
+            <a:pPr lvl="1">
+              <a:defRPr/>
+            </a:pPr>
+            <a:r>
+              <a:rPr/>
+              <a:t>if, else, while, for (instrukcje sterujące)</a:t>
+            </a:r>
+            <a:endParaRPr/>
+          </a:p>
+          <a:p>
+            <a:pPr lvl="1">
+              <a:defRPr/>
+            </a:pPr>
+            <a:r>
+              <a:rPr/>
+              <a:t>Samodzielnie napisane funkcje</a:t>
+            </a:r>
+            <a:endParaRPr/>
+          </a:p>
+          <a:p>
+            <a:pPr lvl="0">
+              <a:defRPr/>
+            </a:pPr>
+            <a:r>
+              <a:rPr/>
+              <a:t>Tutaj dodatkowo możemy użyć funkcji czy_mniejszy(). Zakładamy, że jest ona już napisana i nie musimy jej ręcznie definiować.</a:t>
+            </a:r>
+            <a:endParaRPr/>
+          </a:p>
+        </p:txBody>
+      </p:sp>
+    </p:spTree>
+  </p:cSld>
+  <p:clrMapOvr>
+    <a:masterClrMapping/>
+  </p:clrMapOvr>
+  <mc:AlternateContent xmlns:mc="http://schemas.openxmlformats.org/markup-compatibility/2006">
+    <mc:Choice xmlns:p159="http://schemas.microsoft.com/office/powerpoint/2015/09/main" xmlns:p14="http://schemas.microsoft.com/office/powerpoint/2010/main" Requires="p159">
+      <p:transition p14:dur="2000" advClick="1"/>
+    </mc:Choice>
+    <mc:Fallback>
+      <p:transition advClick="1"/>
+    </mc:Fallback>
+  </mc:AlternateContent>
+</p:sld>
+</file>
+
+<file path=ppt/slides/slide15.xml><?xml version="1.0" encoding="utf-8"?>
+<p:sld xmlns:a="http://schemas.openxmlformats.org/drawingml/2006/main" xmlns:r="http://schemas.openxmlformats.org/officeDocument/2006/relationships" xmlns:p="http://schemas.openxmlformats.org/presentationml/2006/main" xmlns:m="http://schemas.openxmlformats.org/officeDocument/2006/math" xmlns:w="http://schemas.openxmlformats.org/wordprocessingml/2006/main" showMasterPhAnim="0" show="1">
+  <p:cSld name="">
+    <p:bg>
+      <p:bgPr shadeToTitle="0">
+        <a:blipFill>
+          <a:blip r:embed="rId3">
+            <a:alphaModFix amt="23000"/>
+          </a:blip>
+          <a:stretch/>
+        </a:blipFill>
+      </p:bgPr>
+    </p:bg>
+    <p:spTree>
+      <p:nvGrpSpPr>
+        <p:cNvPr id="1" name=""/>
+        <p:cNvGrpSpPr/>
+        <p:nvPr/>
+      </p:nvGrpSpPr>
+      <p:grpSpPr bwMode="auto">
+        <a:xfrm>
+          <a:off x="0" y="0"/>
+          <a:ext cx="0" cy="0"/>
+          <a:chOff x="0" y="0"/>
+          <a:chExt cx="0" cy="0"/>
+        </a:xfrm>
+      </p:grpSpPr>
+      <p:sp>
+        <p:nvSpPr>
+          <p:cNvPr id="2054237234" name="Tytuł 1"/>
+          <p:cNvSpPr>
+            <a:spLocks noGrp="1"/>
+          </p:cNvSpPr>
+          <p:nvPr>
+            <p:ph type="title"/>
+          </p:nvPr>
+        </p:nvSpPr>
+        <p:spPr bwMode="auto"/>
+        <p:txBody>
+          <a:bodyPr/>
+          <a:lstStyle/>
+          <a:p>
+            <a:pPr>
+              <a:defRPr/>
+            </a:pPr>
+            <a:r>
+              <a:rPr/>
+              <a:t>Wskazówki</a:t>
+            </a:r>
+            <a:endParaRPr/>
+          </a:p>
+        </p:txBody>
+      </p:sp>
+      <p:sp>
+        <p:nvSpPr>
+          <p:cNvPr id="1944357532" name="Symbol zastępczy zawartości 2"/>
+          <p:cNvSpPr>
+            <a:spLocks noGrp="1"/>
+          </p:cNvSpPr>
+          <p:nvPr>
+            <p:ph idx="1"/>
+          </p:nvPr>
+        </p:nvSpPr>
+        <p:spPr bwMode="auto">
+          <a:xfrm flipH="0" flipV="0">
+            <a:off x="838197" y="1825623"/>
+            <a:ext cx="10515600" cy="4351338"/>
+          </a:xfrm>
+        </p:spPr>
+        <p:txBody>
+          <a:bodyPr vertOverflow="overflow" horzOverflow="overflow" vert="horz" wrap="square" lIns="91440" tIns="45720" rIns="91440" bIns="45720" numCol="1" spcCol="0" rtlCol="0" fromWordArt="0" anchor="t" anchorCtr="0" forceAA="0" upright="0" compatLnSpc="0">
+            <a:normAutofit/>
+          </a:bodyPr>
+          <a:lstStyle/>
+          <a:p>
+            <a:pPr>
+              <a:defRPr/>
+            </a:pPr>
+            <a:r>
+              <a:rPr/>
+              <a:t>Zadanie maturalne nie być napisane przesadnie efektywnie</a:t>
+            </a:r>
+            <a:endParaRPr/>
+          </a:p>
+          <a:p>
+            <a:pPr>
+              <a:defRPr/>
+            </a:pPr>
+            <a:r>
+              <a:rPr/>
+              <a:t>Priorytetem jest dobry wynik i krótki czas pisania kodu</a:t>
+            </a:r>
+            <a:endParaRPr/>
+          </a:p>
+          <a:p>
+            <a:pPr>
+              <a:defRPr/>
+            </a:pPr>
+            <a:r>
+              <a:rPr/>
+              <a:t>Często istnieje „sprytniejsze” rozwiązanie o mniejszej złożoności obliczeniowej – to jest jednak pułapka. Szukanie tego rozwiązania potrwa zbyt długo.</a:t>
+            </a:r>
+            <a:endParaRPr/>
+          </a:p>
+          <a:p>
+            <a:pPr>
+              <a:defRPr/>
+            </a:pPr>
+            <a:r>
+              <a:rPr/>
+              <a:t>Szukając odpowiedzi, należy zwrócić uwagę na to, czego dokładnie dotyczy pytanie – tutaj mamy znaleźć numery sufiksów uporządkowanych alfabetycznuie</a:t>
+            </a:r>
+            <a:endParaRPr/>
+          </a:p>
+          <a:p>
+            <a:pPr>
+              <a:defRPr/>
+            </a:pPr>
+            <a:endParaRPr/>
+          </a:p>
+        </p:txBody>
+      </p:sp>
+    </p:spTree>
+  </p:cSld>
+  <p:clrMapOvr>
+    <a:masterClrMapping/>
+  </p:clrMapOvr>
+  <mc:AlternateContent xmlns:mc="http://schemas.openxmlformats.org/markup-compatibility/2006">
+    <mc:Choice xmlns:p159="http://schemas.microsoft.com/office/powerpoint/2015/09/main" xmlns:p14="http://schemas.microsoft.com/office/powerpoint/2010/main" Requires="p159">
+      <p:transition p14:dur="2000" advClick="1"/>
+    </mc:Choice>
+    <mc:Fallback>
+      <p:transition advClick="1"/>
+    </mc:Fallback>
+  </mc:AlternateContent>
+</p:sld>
+</file>
+
+<file path=ppt/slides/slide16.xml><?xml version="1.0" encoding="utf-8"?>
+<p:sld xmlns:a="http://schemas.openxmlformats.org/drawingml/2006/main" xmlns:r="http://schemas.openxmlformats.org/officeDocument/2006/relationships" xmlns:p="http://schemas.openxmlformats.org/presentationml/2006/main" xmlns:m="http://schemas.openxmlformats.org/officeDocument/2006/math" xmlns:w="http://schemas.openxmlformats.org/wordprocessingml/2006/main" showMasterPhAnim="0" show="1">
+  <p:cSld name="">
+    <p:bg>
+      <p:bgPr shadeToTitle="0">
+        <a:blipFill>
+          <a:blip r:embed="rId3">
+            <a:alphaModFix amt="23000"/>
+          </a:blip>
+          <a:stretch/>
+        </a:blipFill>
+      </p:bgPr>
+    </p:bg>
+    <p:spTree>
+      <p:nvGrpSpPr>
+        <p:cNvPr id="1" name=""/>
+        <p:cNvGrpSpPr/>
+        <p:nvPr/>
+      </p:nvGrpSpPr>
+      <p:grpSpPr bwMode="auto">
+        <a:xfrm>
+          <a:off x="0" y="0"/>
+          <a:ext cx="0" cy="0"/>
+          <a:chOff x="0" y="0"/>
+          <a:chExt cx="0" cy="0"/>
+        </a:xfrm>
+      </p:grpSpPr>
+      <p:sp>
+        <p:nvSpPr>
+          <p:cNvPr id="654304202" name="Tytuł 1"/>
+          <p:cNvSpPr>
+            <a:spLocks noGrp="1"/>
+          </p:cNvSpPr>
+          <p:nvPr>
+            <p:ph type="title"/>
+          </p:nvPr>
+        </p:nvSpPr>
+        <p:spPr bwMode="auto"/>
+        <p:txBody>
+          <a:bodyPr/>
+          <a:lstStyle/>
+          <a:p>
+            <a:pPr>
+              <a:defRPr/>
+            </a:pPr>
+            <a:r>
+              <a:rPr/>
+              <a:t>Wskazówki II</a:t>
+            </a:r>
+            <a:endParaRPr/>
+          </a:p>
+        </p:txBody>
+      </p:sp>
+      <p:sp>
+        <p:nvSpPr>
+          <p:cNvPr id="853198165" name="Symbol zastępczy zawartości 2"/>
+          <p:cNvSpPr>
+            <a:spLocks noGrp="1"/>
+          </p:cNvSpPr>
+          <p:nvPr>
+            <p:ph idx="1"/>
+          </p:nvPr>
+        </p:nvSpPr>
+        <p:spPr bwMode="auto">
+          <a:xfrm flipH="0" flipV="0">
+            <a:off x="838197" y="1825623"/>
+            <a:ext cx="10515600" cy="4351338"/>
+          </a:xfrm>
+        </p:spPr>
+        <p:txBody>
+          <a:bodyPr vertOverflow="overflow" horzOverflow="overflow" vert="horz" wrap="square" lIns="91440" tIns="45720" rIns="91440" bIns="45720" numCol="1" spcCol="0" rtlCol="0" fromWordArt="0" anchor="t" anchorCtr="0" forceAA="0" upright="0" compatLnSpc="0">
+            <a:normAutofit/>
+          </a:bodyPr>
+          <a:lstStyle/>
+          <a:p>
+            <a:pPr>
+              <a:defRPr/>
+            </a:pPr>
+            <a:r>
+              <a:rPr/>
+              <a:t>Szukając odpowiedzi, należy zwrócić uwagę na to, czego dokładnie dotyczy pytanie – tutaj mamy znaleźć pozycję każdego sufiksu, jeśli uporządkowalibyśmy je alfabetycznie</a:t>
+            </a:r>
+            <a:endParaRPr/>
+          </a:p>
+          <a:p>
+            <a:pPr>
+              <a:defRPr/>
+            </a:pPr>
+            <a:r>
+              <a:rPr/>
+              <a:t>We wcześniejszej części arkusza jest podpowiedź!</a:t>
+            </a:r>
+            <a:endParaRPr/>
+          </a:p>
+          <a:p>
+            <a:pPr>
+              <a:defRPr/>
+            </a:pPr>
+            <a:r>
+              <a:rPr/>
+              <a:t>Czyli mówiąc prościej, indeks to liczba wyrażająca...</a:t>
+            </a:r>
+            <a:endParaRPr/>
+          </a:p>
+          <a:p>
+            <a:pPr>
+              <a:defRPr/>
+            </a:pPr>
+            <a:endParaRPr/>
+          </a:p>
+        </p:txBody>
+      </p:sp>
+      <p:pic>
+        <p:nvPicPr>
+          <p:cNvPr id="749953605" name=""/>
+          <p:cNvPicPr>
+            <a:picLocks noChangeAspect="1"/>
+          </p:cNvPicPr>
+          <p:nvPr/>
+        </p:nvPicPr>
+        <p:blipFill>
+          <a:blip r:embed="rId4"/>
+          <a:stretch/>
+        </p:blipFill>
+        <p:spPr bwMode="auto">
+          <a:xfrm flipH="0" flipV="0">
+            <a:off x="3458592" y="4300828"/>
+            <a:ext cx="4902159" cy="2301013"/>
+          </a:xfrm>
+          <a:prstGeom prst="rect">
+            <a:avLst/>
+          </a:prstGeom>
+        </p:spPr>
+      </p:pic>
+    </p:spTree>
+  </p:cSld>
+  <p:clrMapOvr>
+    <a:masterClrMapping/>
+  </p:clrMapOvr>
+  <mc:AlternateContent xmlns:mc="http://schemas.openxmlformats.org/markup-compatibility/2006">
+    <mc:Choice xmlns:p159="http://schemas.microsoft.com/office/powerpoint/2015/09/main" xmlns:p14="http://schemas.microsoft.com/office/powerpoint/2010/main" Requires="p159">
+      <p:transition p14:dur="2000" advClick="1"/>
+    </mc:Choice>
+    <mc:Fallback>
+      <p:transition advClick="1"/>
+    </mc:Fallback>
+  </mc:AlternateContent>
+</p:sld>
+</file>
+
+<file path=ppt/slides/slide17.xml><?xml version="1.0" encoding="utf-8"?>
+<p:sld xmlns:a="http://schemas.openxmlformats.org/drawingml/2006/main" xmlns:r="http://schemas.openxmlformats.org/officeDocument/2006/relationships" xmlns:p="http://schemas.openxmlformats.org/presentationml/2006/main" xmlns:m="http://schemas.openxmlformats.org/officeDocument/2006/math" xmlns:w="http://schemas.openxmlformats.org/wordprocessingml/2006/main" showMasterPhAnim="0" show="1">
+  <p:cSld name="">
+    <p:bg>
+      <p:bgPr shadeToTitle="0">
+        <a:blipFill>
+          <a:blip r:embed="rId3">
+            <a:alphaModFix amt="23000"/>
+          </a:blip>
+          <a:stretch/>
+        </a:blipFill>
+      </p:bgPr>
+    </p:bg>
+    <p:spTree>
+      <p:nvGrpSpPr>
+        <p:cNvPr id="1" name=""/>
+        <p:cNvGrpSpPr/>
+        <p:nvPr/>
+      </p:nvGrpSpPr>
+      <p:grpSpPr bwMode="auto">
+        <a:xfrm>
+          <a:off x="0" y="0"/>
+          <a:ext cx="0" cy="0"/>
+          <a:chOff x="0" y="0"/>
+          <a:chExt cx="0" cy="0"/>
+        </a:xfrm>
+      </p:grpSpPr>
+      <p:sp>
+        <p:nvSpPr>
+          <p:cNvPr id="1951748518" name="Tytuł 1"/>
+          <p:cNvSpPr>
+            <a:spLocks noGrp="1"/>
+          </p:cNvSpPr>
+          <p:nvPr>
+            <p:ph type="title"/>
+          </p:nvPr>
+        </p:nvSpPr>
+        <p:spPr bwMode="auto"/>
+        <p:txBody>
+          <a:bodyPr/>
+          <a:lstStyle/>
+          <a:p>
+            <a:pPr>
+              <a:defRPr/>
+            </a:pPr>
+            <a:r>
+              <a:rPr/>
+              <a:t>Wskazówki II</a:t>
+            </a:r>
+            <a:endParaRPr/>
+          </a:p>
+        </p:txBody>
+      </p:sp>
+      <p:sp>
+        <p:nvSpPr>
+          <p:cNvPr id="226975541" name="Symbol zastępczy zawartości 2"/>
+          <p:cNvSpPr>
+            <a:spLocks noGrp="1"/>
+          </p:cNvSpPr>
+          <p:nvPr>
+            <p:ph idx="1"/>
+          </p:nvPr>
+        </p:nvSpPr>
+        <p:spPr bwMode="auto">
+          <a:xfrm flipH="0" flipV="0">
+            <a:off x="838197" y="1825623"/>
+            <a:ext cx="10515600" cy="4351338"/>
+          </a:xfrm>
+        </p:spPr>
+        <p:txBody>
+          <a:bodyPr vertOverflow="overflow" horzOverflow="overflow" vert="horz" wrap="square" lIns="91440" tIns="45720" rIns="91440" bIns="45720" numCol="1" spcCol="0" rtlCol="0" fromWordArt="0" anchor="t" anchorCtr="0" forceAA="0" upright="0" compatLnSpc="0">
+            <a:normAutofit/>
+          </a:bodyPr>
+          <a:lstStyle/>
+          <a:p>
+            <a:pPr>
+              <a:defRPr/>
+            </a:pPr>
+            <a:r>
+              <a:rPr lang="pl-PL" sz="2800" b="0" i="0" u="none" strike="noStrike" cap="none" spc="0">
+                <a:solidFill>
+                  <a:schemeClr val="tx1"/>
+                </a:solidFill>
+                <a:latin typeface="+mn-lt"/>
+                <a:ea typeface="+mn-ea"/>
+                <a:cs typeface="+mn-cs"/>
+              </a:rPr>
+              <a:t>Szukając odpowiedzi, należy zwrócić uwagę na to, czego dokładnie dotyczy pytanie – tutaj mamy znaleźć pozycję każdego sufiksu, jeśli uporządkowalibyśmy je alfabetycznie</a:t>
+            </a:r>
+            <a:endParaRPr sz="2800"/>
+          </a:p>
+          <a:p>
+            <a:pPr>
+              <a:defRPr/>
+            </a:pPr>
+            <a:r>
+              <a:rPr lang="pl-PL" sz="2800" b="0" i="0" u="none" strike="noStrike" cap="none" spc="0">
+                <a:solidFill>
+                  <a:schemeClr val="tx1"/>
+                </a:solidFill>
+                <a:latin typeface="+mn-lt"/>
+                <a:ea typeface="+mn-ea"/>
+                <a:cs typeface="+mn-cs"/>
+              </a:rPr>
+              <a:t>We wcześniejszej części arkusza jest podpowiedź!</a:t>
+            </a:r>
+            <a:endParaRPr sz="2800"/>
+          </a:p>
+          <a:p>
+            <a:pPr>
+              <a:defRPr/>
+            </a:pPr>
+            <a:r>
+              <a:rPr lang="pl-PL" sz="2800" b="0" i="0" u="none" strike="noStrike" cap="none" spc="0">
+                <a:solidFill>
+                  <a:schemeClr val="tx1"/>
+                </a:solidFill>
+                <a:latin typeface="+mn-lt"/>
+                <a:ea typeface="+mn-ea"/>
+                <a:cs typeface="+mn-cs"/>
+              </a:rPr>
+              <a:t>Czyli mówiąc prościej, indeks sufiksu w tablicy to liczba wyrażająca</a:t>
+            </a:r>
+            <a:r>
+              <a:rPr/>
+              <a:t>...</a:t>
+            </a:r>
+            <a:endParaRPr/>
+          </a:p>
+          <a:p>
+            <a:pPr>
+              <a:defRPr/>
+            </a:pPr>
+            <a:r>
+              <a:rPr/>
+              <a:t>...liczbę sufiksów w słowie, które </a:t>
+            </a:r>
+            <a:r>
+              <a:rPr b="1"/>
+              <a:t>są mniejsze</a:t>
+            </a:r>
+            <a:r>
+              <a:rPr/>
+              <a:t> od zadanego.</a:t>
+            </a:r>
+            <a:endParaRPr/>
+          </a:p>
+          <a:p>
+            <a:pPr>
+              <a:defRPr/>
+            </a:pPr>
+            <a:endParaRPr/>
+          </a:p>
+        </p:txBody>
+      </p:sp>
+    </p:spTree>
+  </p:cSld>
+  <p:clrMapOvr>
+    <a:masterClrMapping/>
+  </p:clrMapOvr>
+  <mc:AlternateContent xmlns:mc="http://schemas.openxmlformats.org/markup-compatibility/2006">
+    <mc:Choice xmlns:p159="http://schemas.microsoft.com/office/powerpoint/2015/09/main" xmlns:p14="http://schemas.microsoft.com/office/powerpoint/2010/main" Requires="p159">
+      <p:transition p14:dur="2000" advClick="1"/>
+    </mc:Choice>
+    <mc:Fallback>
+      <p:transition advClick="1"/>
+    </mc:Fallback>
+  </mc:AlternateContent>
+</p:sld>
+</file>
+
+<file path=ppt/slides/slide18.xml><?xml version="1.0" encoding="utf-8"?>
+<p:sld xmlns:a="http://schemas.openxmlformats.org/drawingml/2006/main" xmlns:r="http://schemas.openxmlformats.org/officeDocument/2006/relationships" xmlns:p="http://schemas.openxmlformats.org/presentationml/2006/main" xmlns:m="http://schemas.openxmlformats.org/officeDocument/2006/math" xmlns:w="http://schemas.openxmlformats.org/wordprocessingml/2006/main" showMasterPhAnim="0" show="1">
+  <p:cSld name="">
+    <p:bg>
+      <p:bgPr shadeToTitle="0">
+        <a:blipFill>
+          <a:blip r:embed="rId3">
+            <a:alphaModFix amt="23000"/>
+          </a:blip>
+          <a:stretch/>
+        </a:blipFill>
+      </p:bgPr>
+    </p:bg>
+    <p:spTree>
+      <p:nvGrpSpPr>
+        <p:cNvPr id="1" name=""/>
+        <p:cNvGrpSpPr/>
+        <p:nvPr/>
+      </p:nvGrpSpPr>
+      <p:grpSpPr bwMode="auto">
+        <a:xfrm>
+          <a:off x="0" y="0"/>
+          <a:ext cx="0" cy="0"/>
+          <a:chOff x="0" y="0"/>
+          <a:chExt cx="0" cy="0"/>
+        </a:xfrm>
+      </p:grpSpPr>
+      <p:sp>
+        <p:nvSpPr>
+          <p:cNvPr id="1628430094" name="Tytuł 1"/>
+          <p:cNvSpPr>
+            <a:spLocks noGrp="1"/>
+          </p:cNvSpPr>
+          <p:nvPr>
+            <p:ph type="title"/>
+          </p:nvPr>
+        </p:nvSpPr>
+        <p:spPr bwMode="auto">
+          <a:xfrm>
+            <a:off x="838199" y="365124"/>
+            <a:ext cx="10515600" cy="1325562"/>
+          </a:xfrm>
+        </p:spPr>
+        <p:txBody>
+          <a:bodyPr/>
+          <a:lstStyle/>
+          <a:p>
+            <a:pPr>
+              <a:defRPr/>
+            </a:pPr>
+            <a:r>
+              <a:rPr/>
+              <a:t>Rozwiązanie</a:t>
+            </a:r>
+            <a:endParaRPr/>
+          </a:p>
+        </p:txBody>
+      </p:sp>
+      <p:sp>
+        <p:nvSpPr>
+          <p:cNvPr id="1043293116" name=""/>
+          <p:cNvSpPr txBox="1"/>
+          <p:nvPr/>
+        </p:nvSpPr>
+        <p:spPr bwMode="auto">
+          <a:xfrm flipH="0" flipV="0">
+            <a:off x="2224305" y="2866158"/>
+            <a:ext cx="7744105" cy="1189079"/>
+          </a:xfrm>
+          <a:prstGeom prst="rect">
+            <a:avLst/>
+          </a:prstGeom>
+          <a:noFill/>
+        </p:spPr>
+        <p:txBody>
+          <a:bodyPr vertOverflow="overflow" horzOverflow="overflow" vert="horz" wrap="square" lIns="91440" tIns="45720" rIns="91440" bIns="45720" numCol="1" spcCol="0" rtlCol="0" fromWordArt="0" anchor="t" anchorCtr="0" forceAA="0" upright="0" compatLnSpc="0">
+            <a:spAutoFit/>
+          </a:bodyPr>
+          <a:p>
+            <a:pPr algn="ctr">
+              <a:defRPr/>
+            </a:pPr>
+            <a:r>
+              <a:rPr sz="7200">
+                <a:latin typeface="Courier New"/>
+                <a:ea typeface="Courier New"/>
+                <a:cs typeface="Courier New"/>
+              </a:rPr>
+              <a:t>Loading...</a:t>
+            </a:r>
+            <a:endParaRPr sz="1400"/>
+          </a:p>
+        </p:txBody>
+      </p:sp>
+    </p:spTree>
+  </p:cSld>
+  <p:clrMapOvr>
+    <a:masterClrMapping/>
+  </p:clrMapOvr>
+  <mc:AlternateContent xmlns:mc="http://schemas.openxmlformats.org/markup-compatibility/2006">
+    <mc:Choice xmlns:p159="http://schemas.microsoft.com/office/powerpoint/2015/09/main" xmlns:p14="http://schemas.microsoft.com/office/powerpoint/2010/main" Requires="p159">
+      <p:transition p14:dur="2000" advClick="1"/>
+    </mc:Choice>
+    <mc:Fallback>
+      <p:transition advClick="1"/>
+    </mc:Fallback>
+  </mc:AlternateContent>
+</p:sld>
+</file>
+
+<file path=ppt/slides/slide19.xml><?xml version="1.0" encoding="utf-8"?>
+<p:sld xmlns:a="http://schemas.openxmlformats.org/drawingml/2006/main" xmlns:r="http://schemas.openxmlformats.org/officeDocument/2006/relationships" xmlns:p="http://schemas.openxmlformats.org/presentationml/2006/main" xmlns:m="http://schemas.openxmlformats.org/officeDocument/2006/math" xmlns:w="http://schemas.openxmlformats.org/wordprocessingml/2006/main" showMasterPhAnim="0" show="1">
+  <p:cSld name="">
+    <p:bg>
+      <p:bgPr shadeToTitle="0">
+        <a:blipFill>
+          <a:blip r:embed="rId3">
+            <a:alphaModFix amt="23000"/>
+          </a:blip>
+          <a:stretch/>
+        </a:blipFill>
+      </p:bgPr>
+    </p:bg>
+    <p:spTree>
+      <p:nvGrpSpPr>
+        <p:cNvPr id="1" name=""/>
+        <p:cNvGrpSpPr/>
+        <p:nvPr/>
+      </p:nvGrpSpPr>
+      <p:grpSpPr bwMode="auto">
+        <a:xfrm>
+          <a:off x="0" y="0"/>
+          <a:ext cx="0" cy="0"/>
+          <a:chOff x="0" y="0"/>
+          <a:chExt cx="0" cy="0"/>
+        </a:xfrm>
+      </p:grpSpPr>
+      <p:sp>
+        <p:nvSpPr>
+          <p:cNvPr id="1831850947" name="Tytuł 1"/>
+          <p:cNvSpPr>
+            <a:spLocks noGrp="1"/>
+          </p:cNvSpPr>
+          <p:nvPr>
+            <p:ph type="title"/>
+          </p:nvPr>
+        </p:nvSpPr>
+        <p:spPr bwMode="auto"/>
+        <p:txBody>
+          <a:bodyPr/>
+          <a:lstStyle/>
+          <a:p>
+            <a:pPr>
+              <a:defRPr/>
+            </a:pPr>
+            <a:endParaRPr/>
+          </a:p>
+        </p:txBody>
+      </p:sp>
+      <p:sp>
+        <p:nvSpPr>
+          <p:cNvPr id="2004001255" name="Symbol zastępczy zawartości 2"/>
+          <p:cNvSpPr>
+            <a:spLocks noGrp="1"/>
+          </p:cNvSpPr>
+          <p:nvPr>
+            <p:ph idx="1"/>
+          </p:nvPr>
+        </p:nvSpPr>
+        <p:spPr bwMode="auto">
+          <a:xfrm flipH="0" flipV="0">
+            <a:off x="838197" y="1825623"/>
             <a:ext cx="10515600" cy="4351338"/>
           </a:xfrm>
         </p:spPr>
@@ -5087,6 +7149,194 @@
           </a:prstGeom>
         </p:spPr>
       </p:pic>
+    </p:spTree>
+  </p:cSld>
+  <p:clrMapOvr>
+    <a:masterClrMapping/>
+  </p:clrMapOvr>
+  <mc:AlternateContent xmlns:mc="http://schemas.openxmlformats.org/markup-compatibility/2006">
+    <mc:Choice xmlns:p159="http://schemas.microsoft.com/office/powerpoint/2015/09/main" xmlns:p14="http://schemas.microsoft.com/office/powerpoint/2010/main" Requires="p159">
+      <p:transition p14:dur="2000" advClick="1"/>
+    </mc:Choice>
+    <mc:Fallback>
+      <p:transition advClick="1"/>
+    </mc:Fallback>
+  </mc:AlternateContent>
+</p:sld>
+</file>
+
+<file path=ppt/slides/slide20.xml><?xml version="1.0" encoding="utf-8"?>
+<p:sld xmlns:a="http://schemas.openxmlformats.org/drawingml/2006/main" xmlns:r="http://schemas.openxmlformats.org/officeDocument/2006/relationships" xmlns:p="http://schemas.openxmlformats.org/presentationml/2006/main" xmlns:m="http://schemas.openxmlformats.org/officeDocument/2006/math" xmlns:w="http://schemas.openxmlformats.org/wordprocessingml/2006/main" showMasterPhAnim="0" show="1">
+  <p:cSld name="">
+    <p:bg>
+      <p:bgPr shadeToTitle="0">
+        <a:blipFill>
+          <a:blip r:embed="rId3">
+            <a:alphaModFix amt="23000"/>
+          </a:blip>
+          <a:stretch/>
+        </a:blipFill>
+      </p:bgPr>
+    </p:bg>
+    <p:spTree>
+      <p:nvGrpSpPr>
+        <p:cNvPr id="1" name=""/>
+        <p:cNvGrpSpPr/>
+        <p:nvPr/>
+      </p:nvGrpSpPr>
+      <p:grpSpPr bwMode="auto">
+        <a:xfrm>
+          <a:off x="0" y="0"/>
+          <a:ext cx="0" cy="0"/>
+          <a:chOff x="0" y="0"/>
+          <a:chExt cx="0" cy="0"/>
+        </a:xfrm>
+      </p:grpSpPr>
+      <p:sp>
+        <p:nvSpPr>
+          <p:cNvPr id="1430334485" name="Tytuł 1"/>
+          <p:cNvSpPr>
+            <a:spLocks noGrp="1"/>
+          </p:cNvSpPr>
+          <p:nvPr>
+            <p:ph type="title"/>
+          </p:nvPr>
+        </p:nvSpPr>
+        <p:spPr bwMode="auto"/>
+        <p:txBody>
+          <a:bodyPr/>
+          <a:lstStyle/>
+          <a:p>
+            <a:pPr>
+              <a:defRPr/>
+            </a:pPr>
+            <a:endParaRPr/>
+          </a:p>
+        </p:txBody>
+      </p:sp>
+      <p:sp>
+        <p:nvSpPr>
+          <p:cNvPr id="1177303339" name="Symbol zastępczy zawartości 2"/>
+          <p:cNvSpPr>
+            <a:spLocks noGrp="1"/>
+          </p:cNvSpPr>
+          <p:nvPr>
+            <p:ph idx="1"/>
+          </p:nvPr>
+        </p:nvSpPr>
+        <p:spPr bwMode="auto">
+          <a:xfrm flipH="0" flipV="0">
+            <a:off x="838198" y="1825624"/>
+            <a:ext cx="10515600" cy="4351338"/>
+          </a:xfrm>
+        </p:spPr>
+        <p:txBody>
+          <a:bodyPr vertOverflow="overflow" horzOverflow="overflow" vert="horz" wrap="square" lIns="91440" tIns="45720" rIns="91440" bIns="45720" numCol="1" spcCol="0" rtlCol="0" fromWordArt="0" anchor="t" anchorCtr="0" forceAA="0" upright="0" compatLnSpc="0">
+            <a:normAutofit/>
+          </a:bodyPr>
+          <a:lstStyle/>
+          <a:p>
+            <a:pPr>
+              <a:defRPr/>
+            </a:pPr>
+            <a:endParaRPr/>
+          </a:p>
+        </p:txBody>
+      </p:sp>
+    </p:spTree>
+  </p:cSld>
+  <p:clrMapOvr>
+    <a:masterClrMapping/>
+  </p:clrMapOvr>
+  <mc:AlternateContent xmlns:mc="http://schemas.openxmlformats.org/markup-compatibility/2006">
+    <mc:Choice xmlns:p159="http://schemas.microsoft.com/office/powerpoint/2015/09/main" xmlns:p14="http://schemas.microsoft.com/office/powerpoint/2010/main" Requires="p159">
+      <p:transition p14:dur="2000" advClick="1"/>
+    </mc:Choice>
+    <mc:Fallback>
+      <p:transition advClick="1"/>
+    </mc:Fallback>
+  </mc:AlternateContent>
+</p:sld>
+</file>
+
+<file path=ppt/slides/slide21.xml><?xml version="1.0" encoding="utf-8"?>
+<p:sld xmlns:a="http://schemas.openxmlformats.org/drawingml/2006/main" xmlns:r="http://schemas.openxmlformats.org/officeDocument/2006/relationships" xmlns:p="http://schemas.openxmlformats.org/presentationml/2006/main" xmlns:m="http://schemas.openxmlformats.org/officeDocument/2006/math" xmlns:w="http://schemas.openxmlformats.org/wordprocessingml/2006/main" showMasterPhAnim="0" show="1">
+  <p:cSld name="">
+    <p:bg>
+      <p:bgPr shadeToTitle="0">
+        <a:blipFill>
+          <a:blip r:embed="rId3">
+            <a:alphaModFix amt="23000"/>
+          </a:blip>
+          <a:stretch/>
+        </a:blipFill>
+      </p:bgPr>
+    </p:bg>
+    <p:spTree>
+      <p:nvGrpSpPr>
+        <p:cNvPr id="1" name=""/>
+        <p:cNvGrpSpPr/>
+        <p:nvPr/>
+      </p:nvGrpSpPr>
+      <p:grpSpPr bwMode="auto">
+        <a:xfrm>
+          <a:off x="0" y="0"/>
+          <a:ext cx="0" cy="0"/>
+          <a:chOff x="0" y="0"/>
+          <a:chExt cx="0" cy="0"/>
+        </a:xfrm>
+      </p:grpSpPr>
+      <p:sp>
+        <p:nvSpPr>
+          <p:cNvPr id="1190907077" name="Tytuł 1"/>
+          <p:cNvSpPr>
+            <a:spLocks noGrp="1"/>
+          </p:cNvSpPr>
+          <p:nvPr>
+            <p:ph type="title"/>
+          </p:nvPr>
+        </p:nvSpPr>
+        <p:spPr bwMode="auto"/>
+        <p:txBody>
+          <a:bodyPr/>
+          <a:lstStyle/>
+          <a:p>
+            <a:pPr>
+              <a:defRPr/>
+            </a:pPr>
+            <a:endParaRPr/>
+          </a:p>
+        </p:txBody>
+      </p:sp>
+      <p:sp>
+        <p:nvSpPr>
+          <p:cNvPr id="642647364" name="Symbol zastępczy zawartości 2"/>
+          <p:cNvSpPr>
+            <a:spLocks noGrp="1"/>
+          </p:cNvSpPr>
+          <p:nvPr>
+            <p:ph idx="1"/>
+          </p:nvPr>
+        </p:nvSpPr>
+        <p:spPr bwMode="auto">
+          <a:xfrm flipH="0" flipV="0">
+            <a:off x="838198" y="1825624"/>
+            <a:ext cx="10515600" cy="4351338"/>
+          </a:xfrm>
+        </p:spPr>
+        <p:txBody>
+          <a:bodyPr vertOverflow="overflow" horzOverflow="overflow" vert="horz" wrap="square" lIns="91440" tIns="45720" rIns="91440" bIns="45720" numCol="1" spcCol="0" rtlCol="0" fromWordArt="0" anchor="t" anchorCtr="0" forceAA="0" upright="0" compatLnSpc="0">
+            <a:normAutofit/>
+          </a:bodyPr>
+          <a:lstStyle/>
+          <a:p>
+            <a:pPr>
+              <a:defRPr/>
+            </a:pPr>
+            <a:endParaRPr/>
+          </a:p>
+        </p:txBody>
+      </p:sp>
     </p:spTree>
   </p:cSld>
   <p:clrMapOvr>
@@ -5957,7 +8207,17 @@
             </a:pPr>
             <a:r>
               <a:rPr/>
-              <a:t>Czy wszystkie dane </a:t>
+              <a:t>Czy wszystkie dane są nam potrzebne?</a:t>
+            </a:r>
+            <a:endParaRPr/>
+          </a:p>
+          <a:p>
+            <a:pPr lvl="1">
+              <a:defRPr/>
+            </a:pPr>
+            <a:r>
+              <a:rPr/>
+              <a:t>Przypomnienie: w każdym pliku dostajemy trzy wiersze. Jeden zawiera długość słowa, drugi samo słowo, a trzeci dwie liczby k1 i k2.</a:t>
             </a:r>
             <a:endParaRPr/>
           </a:p>
@@ -6008,7 +8268,7 @@
       </p:grpSpPr>
       <p:sp>
         <p:nvSpPr>
-          <p:cNvPr id="2070353033" name="Tytuł 1"/>
+          <p:cNvPr id="672482785" name="Tytuł 1"/>
           <p:cNvSpPr>
             <a:spLocks noGrp="1"/>
           </p:cNvSpPr>
@@ -6024,13 +8284,17 @@
             <a:pPr>
               <a:defRPr/>
             </a:pPr>
-            <a:endParaRPr/>
-          </a:p>
-        </p:txBody>
-      </p:sp>
-      <p:sp>
-        <p:nvSpPr>
-          <p:cNvPr id="155104210" name="Symbol zastępczy zawartości 2"/>
+            <a:r>
+              <a:rPr/>
+              <a:t>Potęga Pythona</a:t>
+            </a:r>
+            <a:endParaRPr/>
+          </a:p>
+        </p:txBody>
+      </p:sp>
+      <p:sp>
+        <p:nvSpPr>
+          <p:cNvPr id="289801736" name="Symbol zastępczy zawartości 2"/>
           <p:cNvSpPr>
             <a:spLocks noGrp="1"/>
           </p:cNvSpPr>
@@ -6040,19 +8304,70 @@
         </p:nvSpPr>
         <p:spPr bwMode="auto">
           <a:xfrm flipH="0" flipV="0">
-            <a:off x="838198" y="1825624"/>
+            <a:off x="838197" y="1825623"/>
             <a:ext cx="10515600" cy="4351338"/>
           </a:xfrm>
         </p:spPr>
         <p:txBody>
           <a:bodyPr vertOverflow="overflow" horzOverflow="overflow" vert="horz" wrap="square" lIns="91440" tIns="45720" rIns="91440" bIns="45720" numCol="1" spcCol="0" rtlCol="0" fromWordArt="0" anchor="t" anchorCtr="0" forceAA="0" upright="0" compatLnSpc="0">
-            <a:normAutofit/>
+            <a:normAutofit fontScale="95000" lnSpcReduction="1000"/>
           </a:bodyPr>
           <a:lstStyle/>
           <a:p>
             <a:pPr>
               <a:defRPr/>
             </a:pPr>
+            <a:r>
+              <a:rPr/>
+              <a:t>Czy wszystkie dane są nam potrzebne?</a:t>
+            </a:r>
+            <a:endParaRPr/>
+          </a:p>
+          <a:p>
+            <a:pPr lvl="1">
+              <a:defRPr/>
+            </a:pPr>
+            <a:r>
+              <a:rPr lang="pl-PL" sz="2400" b="0" i="0" u="none" strike="noStrike" cap="none" spc="0">
+                <a:solidFill>
+                  <a:schemeClr val="tx1"/>
+                </a:solidFill>
+                <a:latin typeface="+mn-lt"/>
+                <a:ea typeface="+mn-ea"/>
+                <a:cs typeface="+mn-cs"/>
+              </a:rPr>
+              <a:t>Przypomnienie: w każdym pliku dostajemy trzy wiersze. Jeden zawiera długość słowa, drugi samo słowo, a trzeci dwie liczby k1 i k2.</a:t>
+            </a:r>
+            <a:endParaRPr/>
+          </a:p>
+          <a:p>
+            <a:pPr lvl="0">
+              <a:defRPr/>
+            </a:pPr>
+            <a:r>
+              <a:rPr/>
+              <a:t>Linię z długościami słów możemy zignorować – Pyton sam może sprawdzić długość słów.</a:t>
+            </a:r>
+            <a:endParaRPr/>
+          </a:p>
+          <a:p>
+            <a:pPr lvl="0">
+              <a:defRPr/>
+            </a:pPr>
+            <a:r>
+              <a:rPr/>
+              <a:t>Tak samo jest z dołączonym opisem funkcji – u nas wystarczy porównanie (zwróćcie jednak uwagę na przypadki brzegowe – co, jeśli oba sufiksy są identyczne?)</a:t>
+            </a:r>
+            <a:endParaRPr/>
+          </a:p>
+          <a:p>
+            <a:pPr lvl="0">
+              <a:defRPr/>
+            </a:pPr>
+            <a:r>
+              <a:rPr/>
+              <a:t>Takie informacje są potrzebne użytkownikom języka C++, który działa na dużo niższym poziomie i pewne operacje trzeba realizować ręcznie</a:t>
+            </a:r>
             <a:endParaRPr/>
           </a:p>
         </p:txBody>
@@ -6102,7 +8417,7 @@
       </p:grpSpPr>
       <p:sp>
         <p:nvSpPr>
-          <p:cNvPr id="1690420137" name="Tytuł 1"/>
+          <p:cNvPr id="2070353033" name="Tytuł 1"/>
           <p:cNvSpPr>
             <a:spLocks noGrp="1"/>
           </p:cNvSpPr>
@@ -6118,13 +8433,17 @@
             <a:pPr>
               <a:defRPr/>
             </a:pPr>
-            <a:endParaRPr/>
-          </a:p>
-        </p:txBody>
-      </p:sp>
-      <p:sp>
-        <p:nvSpPr>
-          <p:cNvPr id="577362140" name="Symbol zastępczy zawartości 2"/>
+            <a:r>
+              <a:rPr/>
+              <a:t>Czy porównanie stringów wystarczy?</a:t>
+            </a:r>
+            <a:endParaRPr/>
+          </a:p>
+        </p:txBody>
+      </p:sp>
+      <p:sp>
+        <p:nvSpPr>
+          <p:cNvPr id="155104210" name="Symbol zastępczy zawartości 2"/>
           <p:cNvSpPr>
             <a:spLocks noGrp="1"/>
           </p:cNvSpPr>
@@ -6147,6 +8466,30 @@
             <a:pPr>
               <a:defRPr/>
             </a:pPr>
+            <a:r>
+              <a:rPr/>
+              <a:t>Czy zawsze dobrze wiemy, jak działa dana funkcja języka programowania?</a:t>
+            </a:r>
+            <a:endParaRPr/>
+          </a:p>
+          <a:p>
+            <a:pPr>
+              <a:defRPr/>
+            </a:pPr>
+            <a:r>
+              <a:rPr/>
+              <a:t>Nietrudno byłoby sobie wyobrazić sytuację, gdzie porównanie np. zawsze uznaje krótszy napis za mniejszy</a:t>
+            </a:r>
+            <a:endParaRPr/>
+          </a:p>
+          <a:p>
+            <a:pPr>
+              <a:defRPr/>
+            </a:pPr>
+            <a:r>
+              <a:rPr/>
+              <a:t>Jak sobie radzić takimi sytuacjami?</a:t>
+            </a:r>
             <a:endParaRPr/>
           </a:p>
         </p:txBody>
